--- a/Intro to Partitioning.pptx
+++ b/Intro to Partitioning.pptx
@@ -6,39 +6,46 @@
   </p:sldMasterIdLst>
   <p:sldIdLst>
     <p:sldId id="256" r:id="rId2"/>
-    <p:sldId id="302" r:id="rId3"/>
-    <p:sldId id="282" r:id="rId4"/>
-    <p:sldId id="288" r:id="rId5"/>
-    <p:sldId id="264" r:id="rId6"/>
-    <p:sldId id="309" r:id="rId7"/>
-    <p:sldId id="291" r:id="rId8"/>
-    <p:sldId id="308" r:id="rId9"/>
+    <p:sldId id="282" r:id="rId3"/>
+    <p:sldId id="288" r:id="rId4"/>
+    <p:sldId id="264" r:id="rId5"/>
+    <p:sldId id="309" r:id="rId6"/>
+    <p:sldId id="291" r:id="rId7"/>
+    <p:sldId id="308" r:id="rId8"/>
+    <p:sldId id="313" r:id="rId9"/>
     <p:sldId id="265" r:id="rId10"/>
     <p:sldId id="267" r:id="rId11"/>
     <p:sldId id="269" r:id="rId12"/>
     <p:sldId id="270" r:id="rId13"/>
     <p:sldId id="271" r:id="rId14"/>
-    <p:sldId id="266" r:id="rId15"/>
-    <p:sldId id="275" r:id="rId16"/>
-    <p:sldId id="272" r:id="rId17"/>
-    <p:sldId id="310" r:id="rId18"/>
-    <p:sldId id="292" r:id="rId19"/>
-    <p:sldId id="286" r:id="rId20"/>
-    <p:sldId id="273" r:id="rId21"/>
-    <p:sldId id="285" r:id="rId22"/>
-    <p:sldId id="268" r:id="rId23"/>
-    <p:sldId id="294" r:id="rId24"/>
-    <p:sldId id="274" r:id="rId25"/>
-    <p:sldId id="287" r:id="rId26"/>
-    <p:sldId id="295" r:id="rId27"/>
-    <p:sldId id="299" r:id="rId28"/>
-    <p:sldId id="305" r:id="rId29"/>
-    <p:sldId id="277" r:id="rId30"/>
-    <p:sldId id="289" r:id="rId31"/>
-    <p:sldId id="298" r:id="rId32"/>
-    <p:sldId id="290" r:id="rId33"/>
-    <p:sldId id="284" r:id="rId34"/>
-    <p:sldId id="283" r:id="rId35"/>
+    <p:sldId id="314" r:id="rId15"/>
+    <p:sldId id="320" r:id="rId16"/>
+    <p:sldId id="275" r:id="rId17"/>
+    <p:sldId id="272" r:id="rId18"/>
+    <p:sldId id="310" r:id="rId19"/>
+    <p:sldId id="315" r:id="rId20"/>
+    <p:sldId id="321" r:id="rId21"/>
+    <p:sldId id="286" r:id="rId22"/>
+    <p:sldId id="273" r:id="rId23"/>
+    <p:sldId id="285" r:id="rId24"/>
+    <p:sldId id="268" r:id="rId25"/>
+    <p:sldId id="316" r:id="rId26"/>
+    <p:sldId id="322" r:id="rId27"/>
+    <p:sldId id="274" r:id="rId28"/>
+    <p:sldId id="287" r:id="rId29"/>
+    <p:sldId id="317" r:id="rId30"/>
+    <p:sldId id="323" r:id="rId31"/>
+    <p:sldId id="299" r:id="rId32"/>
+    <p:sldId id="305" r:id="rId33"/>
+    <p:sldId id="318" r:id="rId34"/>
+    <p:sldId id="324" r:id="rId35"/>
+    <p:sldId id="289" r:id="rId36"/>
+    <p:sldId id="319" r:id="rId37"/>
+    <p:sldId id="290" r:id="rId38"/>
+    <p:sldId id="284" r:id="rId39"/>
+    <p:sldId id="283" r:id="rId40"/>
+    <p:sldId id="311" r:id="rId41"/>
+    <p:sldId id="312" r:id="rId42"/>
   </p:sldIdLst>
   <p:sldSz cx="12192000" cy="6858000"/>
   <p:notesSz cx="6858000" cy="9144000"/>
@@ -276,7 +283,7 @@
           <a:p>
             <a:fld id="{A64C863B-FA9B-4512-A178-D5CD000B838D}" type="datetimeFigureOut">
               <a:rPr lang="en-GB" smtClean="0"/>
-              <a:t>13/02/2018</a:t>
+              <a:t>17/02/2018</a:t>
             </a:fld>
             <a:endParaRPr lang="en-GB"/>
           </a:p>
@@ -446,7 +453,7 @@
           <a:p>
             <a:fld id="{A64C863B-FA9B-4512-A178-D5CD000B838D}" type="datetimeFigureOut">
               <a:rPr lang="en-GB" smtClean="0"/>
-              <a:t>13/02/2018</a:t>
+              <a:t>17/02/2018</a:t>
             </a:fld>
             <a:endParaRPr lang="en-GB"/>
           </a:p>
@@ -626,7 +633,7 @@
           <a:p>
             <a:fld id="{A64C863B-FA9B-4512-A178-D5CD000B838D}" type="datetimeFigureOut">
               <a:rPr lang="en-GB" smtClean="0"/>
-              <a:t>13/02/2018</a:t>
+              <a:t>17/02/2018</a:t>
             </a:fld>
             <a:endParaRPr lang="en-GB"/>
           </a:p>
@@ -796,7 +803,7 @@
           <a:p>
             <a:fld id="{A64C863B-FA9B-4512-A178-D5CD000B838D}" type="datetimeFigureOut">
               <a:rPr lang="en-GB" smtClean="0"/>
-              <a:t>13/02/2018</a:t>
+              <a:t>17/02/2018</a:t>
             </a:fld>
             <a:endParaRPr lang="en-GB"/>
           </a:p>
@@ -1042,7 +1049,7 @@
           <a:p>
             <a:fld id="{A64C863B-FA9B-4512-A178-D5CD000B838D}" type="datetimeFigureOut">
               <a:rPr lang="en-GB" smtClean="0"/>
-              <a:t>13/02/2018</a:t>
+              <a:t>17/02/2018</a:t>
             </a:fld>
             <a:endParaRPr lang="en-GB"/>
           </a:p>
@@ -1274,7 +1281,7 @@
           <a:p>
             <a:fld id="{A64C863B-FA9B-4512-A178-D5CD000B838D}" type="datetimeFigureOut">
               <a:rPr lang="en-GB" smtClean="0"/>
-              <a:t>13/02/2018</a:t>
+              <a:t>17/02/2018</a:t>
             </a:fld>
             <a:endParaRPr lang="en-GB"/>
           </a:p>
@@ -1641,7 +1648,7 @@
           <a:p>
             <a:fld id="{A64C863B-FA9B-4512-A178-D5CD000B838D}" type="datetimeFigureOut">
               <a:rPr lang="en-GB" smtClean="0"/>
-              <a:t>13/02/2018</a:t>
+              <a:t>17/02/2018</a:t>
             </a:fld>
             <a:endParaRPr lang="en-GB"/>
           </a:p>
@@ -1759,7 +1766,7 @@
           <a:p>
             <a:fld id="{A64C863B-FA9B-4512-A178-D5CD000B838D}" type="datetimeFigureOut">
               <a:rPr lang="en-GB" smtClean="0"/>
-              <a:t>13/02/2018</a:t>
+              <a:t>17/02/2018</a:t>
             </a:fld>
             <a:endParaRPr lang="en-GB"/>
           </a:p>
@@ -1854,7 +1861,7 @@
           <a:p>
             <a:fld id="{A64C863B-FA9B-4512-A178-D5CD000B838D}" type="datetimeFigureOut">
               <a:rPr lang="en-GB" smtClean="0"/>
-              <a:t>13/02/2018</a:t>
+              <a:t>17/02/2018</a:t>
             </a:fld>
             <a:endParaRPr lang="en-GB"/>
           </a:p>
@@ -2131,7 +2138,7 @@
           <a:p>
             <a:fld id="{A64C863B-FA9B-4512-A178-D5CD000B838D}" type="datetimeFigureOut">
               <a:rPr lang="en-GB" smtClean="0"/>
-              <a:t>13/02/2018</a:t>
+              <a:t>17/02/2018</a:t>
             </a:fld>
             <a:endParaRPr lang="en-GB"/>
           </a:p>
@@ -2384,7 +2391,7 @@
           <a:p>
             <a:fld id="{A64C863B-FA9B-4512-A178-D5CD000B838D}" type="datetimeFigureOut">
               <a:rPr lang="en-GB" smtClean="0"/>
-              <a:t>13/02/2018</a:t>
+              <a:t>17/02/2018</a:t>
             </a:fld>
             <a:endParaRPr lang="en-GB"/>
           </a:p>
@@ -2456,7 +2463,7 @@
           </a:blip>
           <a:srcRect/>
           <a:stretch>
-            <a:fillRect t="-6000" b="-6000"/>
+            <a:fillRect t="-17000" b="-17000"/>
           </a:stretch>
         </a:blipFill>
         <a:effectLst/>
@@ -2606,7 +2613,7 @@
           <a:p>
             <a:fld id="{A64C863B-FA9B-4512-A178-D5CD000B838D}" type="datetimeFigureOut">
               <a:rPr lang="en-GB" smtClean="0"/>
-              <a:t>13/02/2018</a:t>
+              <a:t>17/02/2018</a:t>
             </a:fld>
             <a:endParaRPr lang="en-GB"/>
           </a:p>
@@ -3021,7 +3028,12 @@
             <p:ph type="ctrTitle"/>
           </p:nvPr>
         </p:nvSpPr>
-        <p:spPr/>
+        <p:spPr>
+          <a:xfrm>
+            <a:off x="1641984" y="1214438"/>
+            <a:ext cx="9144000" cy="2387600"/>
+          </a:xfrm>
+        </p:spPr>
         <p:txBody>
           <a:bodyPr>
             <a:normAutofit/>
@@ -4000,7 +4012,7 @@
 </file>
 
 <file path=ppt/slides/slide13.xml><?xml version="1.0" encoding="utf-8"?>
-<p:sld xmlns:a="http://schemas.openxmlformats.org/drawingml/2006/main" xmlns:r="http://schemas.openxmlformats.org/officeDocument/2006/relationships" xmlns:p="http://schemas.openxmlformats.org/presentationml/2006/main" showMasterSp="0">
+<p:sld xmlns:a="http://schemas.openxmlformats.org/drawingml/2006/main" xmlns:r="http://schemas.openxmlformats.org/officeDocument/2006/relationships" xmlns:p="http://schemas.openxmlformats.org/presentationml/2006/main">
   <p:cSld>
     <p:spTree>
       <p:nvGrpSpPr>
@@ -4614,30 +4626,25 @@
       </p:grpSpPr>
       <p:sp>
         <p:nvSpPr>
-          <p:cNvPr id="6" name="Title 5"/>
-          <p:cNvSpPr>
-            <a:spLocks noGrp="1"/>
-          </p:cNvSpPr>
-          <p:nvPr>
-            <p:ph type="ctrTitle"/>
-          </p:nvPr>
-        </p:nvSpPr>
-        <p:spPr>
-          <a:xfrm>
-            <a:off x="1524000" y="1122363"/>
-            <a:ext cx="9144000" cy="2387600"/>
-          </a:xfrm>
-        </p:spPr>
-        <p:txBody>
-          <a:bodyPr/>
-          <a:lstStyle/>
-          <a:p>
-            <a:r>
-              <a:rPr lang="en-GB" dirty="0">
-                <a:solidFill>
-                  <a:schemeClr val="accent1">
-                    <a:lumMod val="75000"/>
-                  </a:schemeClr>
+          <p:cNvPr id="4" name="Title 3"/>
+          <p:cNvSpPr>
+            <a:spLocks noGrp="1"/>
+          </p:cNvSpPr>
+          <p:nvPr>
+            <p:ph type="title"/>
+          </p:nvPr>
+        </p:nvSpPr>
+        <p:spPr/>
+        <p:txBody>
+          <a:bodyPr>
+            <a:normAutofit/>
+          </a:bodyPr>
+          <a:lstStyle/>
+          <a:p>
+            <a:r>
+              <a:rPr lang="en-GB" dirty="0">
+                <a:solidFill>
+                  <a:schemeClr val="accent1"/>
                 </a:solidFill>
               </a:rPr>
               <a:t>Demo</a:t>
@@ -4647,26 +4654,18 @@
       </p:sp>
       <p:sp>
         <p:nvSpPr>
-          <p:cNvPr id="3" name="Subtitle 2"/>
-          <p:cNvSpPr>
-            <a:spLocks noGrp="1"/>
-          </p:cNvSpPr>
-          <p:nvPr>
-            <p:ph type="subTitle" idx="1"/>
-          </p:nvPr>
-        </p:nvSpPr>
-        <p:spPr>
-          <a:xfrm>
-            <a:off x="1524000" y="3602038"/>
-            <a:ext cx="9144000" cy="1655762"/>
-          </a:xfrm>
-        </p:spPr>
-        <p:txBody>
-          <a:bodyPr/>
-          <a:lstStyle/>
-          <a:p>
-            <a:endParaRPr lang="en-GB"/>
-          </a:p>
+          <p:cNvPr id="2" name="Text Placeholder 1"/>
+          <p:cNvSpPr>
+            <a:spLocks noGrp="1"/>
+          </p:cNvSpPr>
+          <p:nvPr>
+            <p:ph type="body" idx="1"/>
+          </p:nvPr>
+        </p:nvSpPr>
+        <p:spPr/>
+        <p:txBody>
+          <a:bodyPr/>
+          <a:lstStyle/>
           <a:p>
             <a:endParaRPr lang="en-GB" dirty="0"/>
           </a:p>
@@ -4675,7 +4674,7 @@
     </p:spTree>
     <p:extLst>
       <p:ext uri="{BB962C8B-B14F-4D97-AF65-F5344CB8AC3E}">
-        <p14:creationId xmlns:p14="http://schemas.microsoft.com/office/powerpoint/2010/main" val="2169549133"/>
+        <p14:creationId xmlns:p14="http://schemas.microsoft.com/office/powerpoint/2010/main" val="2367277479"/>
       </p:ext>
     </p:extLst>
   </p:cSld>
@@ -4704,7 +4703,7 @@
       </p:grpSpPr>
       <p:sp>
         <p:nvSpPr>
-          <p:cNvPr id="6" name="Title 5"/>
+          <p:cNvPr id="4" name="Title 3"/>
           <p:cNvSpPr>
             <a:spLocks noGrp="1"/>
           </p:cNvSpPr>
@@ -4712,93 +4711,47 @@
             <p:ph type="title"/>
           </p:nvPr>
         </p:nvSpPr>
-        <p:spPr>
-          <a:xfrm>
-            <a:off x="311499" y="552659"/>
-            <a:ext cx="10515600" cy="723482"/>
-          </a:xfrm>
-        </p:spPr>
-        <p:txBody>
-          <a:bodyPr/>
-          <a:lstStyle/>
-          <a:p>
-            <a:r>
-              <a:rPr lang="en-US" altLang="en-US" dirty="0">
-                <a:solidFill>
-                  <a:schemeClr val="accent1">
-                    <a:lumMod val="75000"/>
-                  </a:schemeClr>
-                </a:solidFill>
-              </a:rPr>
-              <a:t>Clustered indexes</a:t>
-            </a:r>
-          </a:p>
-        </p:txBody>
-      </p:sp>
-      <p:sp>
-        <p:nvSpPr>
-          <p:cNvPr id="3" name="Subtitle 2"/>
-          <p:cNvSpPr>
-            <a:spLocks noGrp="1"/>
-          </p:cNvSpPr>
-          <p:nvPr>
-            <p:ph idx="1"/>
-          </p:nvPr>
-        </p:nvSpPr>
-        <p:spPr>
-          <a:xfrm>
-            <a:off x="838200" y="1859492"/>
-            <a:ext cx="10515600" cy="4351338"/>
-          </a:xfrm>
-        </p:spPr>
-        <p:txBody>
-          <a:bodyPr/>
-          <a:lstStyle/>
-          <a:p>
-            <a:pPr marL="0" indent="0">
-              <a:buNone/>
-            </a:pPr>
-            <a:r>
-              <a:rPr lang="en-GB" dirty="0"/>
-              <a:t>Create on the partition scheme specifying the partitioning key</a:t>
-            </a:r>
-          </a:p>
-          <a:p>
-            <a:pPr marL="0" indent="0">
-              <a:buNone/>
-            </a:pPr>
+        <p:spPr/>
+        <p:txBody>
+          <a:bodyPr>
+            <a:normAutofit/>
+          </a:bodyPr>
+          <a:lstStyle/>
+          <a:p>
+            <a:r>
+              <a:rPr lang="en-GB" dirty="0">
+                <a:solidFill>
+                  <a:schemeClr val="accent1"/>
+                </a:solidFill>
+              </a:rPr>
+              <a:t>Indexing Considerations</a:t>
+            </a:r>
+          </a:p>
+        </p:txBody>
+      </p:sp>
+      <p:sp>
+        <p:nvSpPr>
+          <p:cNvPr id="2" name="Text Placeholder 1"/>
+          <p:cNvSpPr>
+            <a:spLocks noGrp="1"/>
+          </p:cNvSpPr>
+          <p:nvPr>
+            <p:ph type="body" idx="1"/>
+          </p:nvPr>
+        </p:nvSpPr>
+        <p:spPr/>
+        <p:txBody>
+          <a:bodyPr/>
+          <a:lstStyle/>
+          <a:p>
             <a:endParaRPr lang="en-GB" dirty="0"/>
-          </a:p>
-          <a:p>
-            <a:pPr marL="0" indent="0">
-              <a:buNone/>
-            </a:pPr>
-            <a:r>
-              <a:rPr lang="en-GB" dirty="0"/>
-              <a:t>Unique – the partitioning key has to be explicitly specified in the index</a:t>
-            </a:r>
-          </a:p>
-          <a:p>
-            <a:pPr marL="0" indent="0">
-              <a:buNone/>
-            </a:pPr>
-            <a:endParaRPr lang="en-GB" dirty="0"/>
-          </a:p>
-          <a:p>
-            <a:pPr marL="0" indent="0">
-              <a:buNone/>
-            </a:pPr>
-            <a:r>
-              <a:rPr lang="en-GB" dirty="0"/>
-              <a:t>Nonunique – the partitioning key will be added by SQL if not explicitly specified </a:t>
-            </a:r>
           </a:p>
         </p:txBody>
       </p:sp>
     </p:spTree>
     <p:extLst>
       <p:ext uri="{BB962C8B-B14F-4D97-AF65-F5344CB8AC3E}">
-        <p14:creationId xmlns:p14="http://schemas.microsoft.com/office/powerpoint/2010/main" val="3494195670"/>
+        <p14:creationId xmlns:p14="http://schemas.microsoft.com/office/powerpoint/2010/main" val="3874542423"/>
       </p:ext>
     </p:extLst>
   </p:cSld>
@@ -4837,8 +4790,8 @@
         </p:nvSpPr>
         <p:spPr>
           <a:xfrm>
-            <a:off x="355879" y="552659"/>
-            <a:ext cx="10515600" cy="713433"/>
+            <a:off x="311499" y="552659"/>
+            <a:ext cx="10515600" cy="723482"/>
           </a:xfrm>
         </p:spPr>
         <p:txBody>
@@ -4846,24 +4799,14 @@
           <a:lstStyle/>
           <a:p>
             <a:r>
-              <a:rPr lang="en-US" altLang="en-US" dirty="0" err="1">
+              <a:rPr lang="en-US" altLang="en-US" dirty="0">
                 <a:solidFill>
                   <a:schemeClr val="accent1">
                     <a:lumMod val="75000"/>
                   </a:schemeClr>
                 </a:solidFill>
               </a:rPr>
-              <a:t>Nonclustered</a:t>
-            </a:r>
-            <a:r>
-              <a:rPr lang="en-US" altLang="en-US" dirty="0">
-                <a:solidFill>
-                  <a:schemeClr val="accent1">
-                    <a:lumMod val="75000"/>
-                  </a:schemeClr>
-                </a:solidFill>
-              </a:rPr>
-              <a:t> indexes</a:t>
+              <a:t>Clustered indexes</a:t>
             </a:r>
           </a:p>
         </p:txBody>
@@ -4892,43 +4835,46 @@
               <a:buNone/>
             </a:pPr>
             <a:r>
-              <a:rPr lang="en-US" altLang="en-US" dirty="0"/>
-              <a:t>An index that is created using the same partition scheme as the base table is </a:t>
-            </a:r>
-            <a:r>
-              <a:rPr lang="en-US" altLang="en-US" b="1" i="1" dirty="0"/>
-              <a:t>aligned</a:t>
-            </a:r>
-            <a:br>
-              <a:rPr lang="en-US" altLang="en-US" b="1" i="1" dirty="0"/>
-            </a:br>
-            <a:br>
-              <a:rPr lang="en-US" altLang="en-US" b="1" i="1" dirty="0"/>
-            </a:br>
-            <a:r>
-              <a:rPr lang="en-US" altLang="en-US" dirty="0"/>
-              <a:t>An index that is created on a different </a:t>
-            </a:r>
-            <a:r>
-              <a:rPr lang="en-US" altLang="en-US" dirty="0" err="1"/>
-              <a:t>filegroup</a:t>
-            </a:r>
-            <a:r>
-              <a:rPr lang="en-US" altLang="en-US" dirty="0"/>
-              <a:t> or using a different partition scheme is </a:t>
-            </a:r>
-            <a:r>
-              <a:rPr lang="en-US" altLang="en-US" b="1" i="1" dirty="0"/>
-              <a:t>non-aligned</a:t>
-            </a:r>
+              <a:rPr lang="en-GB" dirty="0"/>
+              <a:t>Create on the partition scheme specifying the partitioning key</a:t>
+            </a:r>
+          </a:p>
+          <a:p>
+            <a:pPr marL="0" indent="0">
+              <a:buNone/>
+            </a:pPr>
             <a:endParaRPr lang="en-GB" dirty="0"/>
+          </a:p>
+          <a:p>
+            <a:pPr marL="0" indent="0">
+              <a:buNone/>
+            </a:pPr>
+            <a:r>
+              <a:rPr lang="en-GB" dirty="0"/>
+              <a:t>Unique – the partitioning key has to be explicitly specified in the index</a:t>
+            </a:r>
+          </a:p>
+          <a:p>
+            <a:pPr marL="0" indent="0">
+              <a:buNone/>
+            </a:pPr>
+            <a:endParaRPr lang="en-GB" dirty="0"/>
+          </a:p>
+          <a:p>
+            <a:pPr marL="0" indent="0">
+              <a:buNone/>
+            </a:pPr>
+            <a:r>
+              <a:rPr lang="en-GB" dirty="0"/>
+              <a:t>Nonunique – the partitioning key will be added by SQL if not explicitly specified </a:t>
+            </a:r>
           </a:p>
         </p:txBody>
       </p:sp>
     </p:spTree>
     <p:extLst>
       <p:ext uri="{BB962C8B-B14F-4D97-AF65-F5344CB8AC3E}">
-        <p14:creationId xmlns:p14="http://schemas.microsoft.com/office/powerpoint/2010/main" val="1410407405"/>
+        <p14:creationId xmlns:p14="http://schemas.microsoft.com/office/powerpoint/2010/main" val="3494195670"/>
       </p:ext>
     </p:extLst>
   </p:cSld>
@@ -4967,8 +4913,8 @@
         </p:nvSpPr>
         <p:spPr>
           <a:xfrm>
-            <a:off x="311499" y="552659"/>
-            <a:ext cx="10515600" cy="723482"/>
+            <a:off x="355879" y="552659"/>
+            <a:ext cx="10515600" cy="713433"/>
           </a:xfrm>
         </p:spPr>
         <p:txBody>
@@ -5022,31 +4968,43 @@
               <a:buNone/>
             </a:pPr>
             <a:r>
-              <a:rPr lang="en-GB" dirty="0"/>
-              <a:t>Unique - the partitioning key has to be explicitly specified in the index</a:t>
-            </a:r>
-          </a:p>
-          <a:p>
-            <a:pPr marL="0" indent="0">
-              <a:buNone/>
-            </a:pPr>
+              <a:rPr lang="en-US" altLang="en-US" dirty="0"/>
+              <a:t>An index that is created using the same partition scheme as the base table is </a:t>
+            </a:r>
+            <a:r>
+              <a:rPr lang="en-US" altLang="en-US" b="1" i="1" dirty="0"/>
+              <a:t>aligned</a:t>
+            </a:r>
+            <a:br>
+              <a:rPr lang="en-US" altLang="en-US" b="1" i="1" dirty="0"/>
+            </a:br>
+            <a:br>
+              <a:rPr lang="en-US" altLang="en-US" b="1" i="1" dirty="0"/>
+            </a:br>
+            <a:r>
+              <a:rPr lang="en-US" altLang="en-US" dirty="0"/>
+              <a:t>An index that is created on a different </a:t>
+            </a:r>
+            <a:r>
+              <a:rPr lang="en-US" altLang="en-US" dirty="0" err="1"/>
+              <a:t>filegroup</a:t>
+            </a:r>
+            <a:r>
+              <a:rPr lang="en-US" altLang="en-US" dirty="0"/>
+              <a:t> or using a different partition scheme is </a:t>
+            </a:r>
+            <a:r>
+              <a:rPr lang="en-US" altLang="en-US" b="1" i="1" dirty="0"/>
+              <a:t>non-aligned</a:t>
+            </a:r>
             <a:endParaRPr lang="en-GB" dirty="0"/>
-          </a:p>
-          <a:p>
-            <a:pPr marL="0" indent="0">
-              <a:buNone/>
-            </a:pPr>
-            <a:r>
-              <a:rPr lang="en-GB" dirty="0"/>
-              <a:t>Nonunique - the partitioning key will be added by SQL if not explicitly 			specified  as an included column</a:t>
-            </a:r>
           </a:p>
         </p:txBody>
       </p:sp>
     </p:spTree>
     <p:extLst>
       <p:ext uri="{BB962C8B-B14F-4D97-AF65-F5344CB8AC3E}">
-        <p14:creationId xmlns:p14="http://schemas.microsoft.com/office/powerpoint/2010/main" val="4197886487"/>
+        <p14:creationId xmlns:p14="http://schemas.microsoft.com/office/powerpoint/2010/main" val="1410407405"/>
       </p:ext>
     </p:extLst>
   </p:cSld>
@@ -5080,23 +5038,38 @@
             <a:spLocks noGrp="1"/>
           </p:cNvSpPr>
           <p:nvPr>
-            <p:ph type="ctrTitle"/>
-          </p:nvPr>
-        </p:nvSpPr>
-        <p:spPr/>
-        <p:txBody>
-          <a:bodyPr/>
-          <a:lstStyle/>
-          <a:p>
-            <a:r>
-              <a:rPr lang="en-GB" dirty="0">
+            <p:ph type="title"/>
+          </p:nvPr>
+        </p:nvSpPr>
+        <p:spPr>
+          <a:xfrm>
+            <a:off x="311499" y="552659"/>
+            <a:ext cx="10515600" cy="723482"/>
+          </a:xfrm>
+        </p:spPr>
+        <p:txBody>
+          <a:bodyPr/>
+          <a:lstStyle/>
+          <a:p>
+            <a:r>
+              <a:rPr lang="en-US" altLang="en-US" dirty="0" err="1">
                 <a:solidFill>
                   <a:schemeClr val="accent1">
                     <a:lumMod val="75000"/>
                   </a:schemeClr>
                 </a:solidFill>
               </a:rPr>
-              <a:t>Demo</a:t>
+              <a:t>Nonclustered</a:t>
+            </a:r>
+            <a:r>
+              <a:rPr lang="en-US" altLang="en-US" dirty="0">
+                <a:solidFill>
+                  <a:schemeClr val="accent1">
+                    <a:lumMod val="75000"/>
+                  </a:schemeClr>
+                </a:solidFill>
+              </a:rPr>
+              <a:t> indexes</a:t>
             </a:r>
           </a:p>
         </p:txBody>
@@ -5108,25 +5081,48 @@
             <a:spLocks noGrp="1"/>
           </p:cNvSpPr>
           <p:nvPr>
-            <p:ph type="subTitle" idx="1"/>
-          </p:nvPr>
-        </p:nvSpPr>
-        <p:spPr/>
-        <p:txBody>
-          <a:bodyPr/>
-          <a:lstStyle/>
-          <a:p>
+            <p:ph idx="1"/>
+          </p:nvPr>
+        </p:nvSpPr>
+        <p:spPr>
+          <a:xfrm>
+            <a:off x="838200" y="1859492"/>
+            <a:ext cx="10515600" cy="4351338"/>
+          </a:xfrm>
+        </p:spPr>
+        <p:txBody>
+          <a:bodyPr/>
+          <a:lstStyle/>
+          <a:p>
+            <a:pPr marL="0" indent="0">
+              <a:buNone/>
+            </a:pPr>
+            <a:r>
+              <a:rPr lang="en-GB" dirty="0"/>
+              <a:t>Unique - the partitioning key has to be explicitly specified in the index</a:t>
+            </a:r>
+          </a:p>
+          <a:p>
+            <a:pPr marL="0" indent="0">
+              <a:buNone/>
+            </a:pPr>
             <a:endParaRPr lang="en-GB" dirty="0"/>
           </a:p>
           <a:p>
-            <a:endParaRPr lang="en-GB" dirty="0"/>
+            <a:pPr marL="0" indent="0">
+              <a:buNone/>
+            </a:pPr>
+            <a:r>
+              <a:rPr lang="en-GB" dirty="0"/>
+              <a:t>Nonunique - the partitioning key will be added by SQL if not explicitly 			specified  as an included column</a:t>
+            </a:r>
           </a:p>
         </p:txBody>
       </p:sp>
     </p:spTree>
     <p:extLst>
       <p:ext uri="{BB962C8B-B14F-4D97-AF65-F5344CB8AC3E}">
-        <p14:creationId xmlns:p14="http://schemas.microsoft.com/office/powerpoint/2010/main" val="901304650"/>
+        <p14:creationId xmlns:p14="http://schemas.microsoft.com/office/powerpoint/2010/main" val="4197886487"/>
       </p:ext>
     </p:extLst>
   </p:cSld>
@@ -5155,7 +5151,7 @@
       </p:grpSpPr>
       <p:sp>
         <p:nvSpPr>
-          <p:cNvPr id="6" name="Title 5"/>
+          <p:cNvPr id="4" name="Title 3"/>
           <p:cNvSpPr>
             <a:spLocks noGrp="1"/>
           </p:cNvSpPr>
@@ -5163,136 +5159,39 @@
             <p:ph type="title"/>
           </p:nvPr>
         </p:nvSpPr>
-        <p:spPr>
-          <a:xfrm>
-            <a:off x="326922" y="550606"/>
-            <a:ext cx="10515600" cy="717755"/>
-          </a:xfrm>
-        </p:spPr>
-        <p:txBody>
-          <a:bodyPr/>
-          <a:lstStyle/>
-          <a:p>
-            <a:r>
-              <a:rPr lang="en-US" altLang="en-US" dirty="0">
-                <a:solidFill>
-                  <a:schemeClr val="accent1">
-                    <a:lumMod val="75000"/>
-                  </a:schemeClr>
-                </a:solidFill>
-              </a:rPr>
-              <a:t>Merging Partitions</a:t>
-            </a:r>
-          </a:p>
-        </p:txBody>
-      </p:sp>
-      <p:sp>
-        <p:nvSpPr>
-          <p:cNvPr id="3" name="Subtitle 2"/>
-          <p:cNvSpPr>
-            <a:spLocks noGrp="1"/>
-          </p:cNvSpPr>
-          <p:nvPr>
-            <p:ph idx="1"/>
-          </p:nvPr>
-        </p:nvSpPr>
-        <p:spPr>
-          <a:xfrm>
-            <a:off x="838200" y="1859492"/>
-            <a:ext cx="10515600" cy="4351338"/>
-          </a:xfrm>
-        </p:spPr>
+        <p:spPr/>
         <p:txBody>
           <a:bodyPr>
-            <a:normAutofit fontScale="92500" lnSpcReduction="10000"/>
+            <a:normAutofit/>
           </a:bodyPr>
           <a:lstStyle/>
           <a:p>
-            <a:pPr marL="0" indent="0">
-              <a:buNone/>
-            </a:pPr>
-            <a:r>
-              <a:rPr lang="en-US" altLang="en-US" dirty="0"/>
-              <a:t>Removes a partition</a:t>
-            </a:r>
-          </a:p>
-          <a:p>
-            <a:pPr marL="0" indent="0">
-              <a:buNone/>
-            </a:pPr>
-            <a:endParaRPr lang="en-US" altLang="en-US" dirty="0">
-              <a:solidFill>
-                <a:srgbClr val="0064C3"/>
-              </a:solidFill>
-            </a:endParaRPr>
-          </a:p>
-          <a:p>
-            <a:pPr marL="0" indent="0">
-              <a:buNone/>
-            </a:pPr>
-            <a:r>
-              <a:rPr lang="en-US" altLang="en-US" dirty="0"/>
-              <a:t>Effectively “merges” two partitions into one</a:t>
-            </a:r>
-          </a:p>
-          <a:p>
-            <a:pPr marL="0" indent="0">
-              <a:buNone/>
-            </a:pPr>
-            <a:endParaRPr lang="en-US" altLang="en-US" dirty="0"/>
-          </a:p>
-          <a:p>
-            <a:pPr marL="0" indent="0">
-              <a:buNone/>
-            </a:pPr>
-            <a:r>
-              <a:rPr lang="en-US" altLang="en-US" dirty="0"/>
-              <a:t>Meta-data only operation if performed on an empty partition</a:t>
-            </a:r>
-          </a:p>
-          <a:p>
-            <a:pPr marL="0" indent="0">
-              <a:buNone/>
-            </a:pPr>
-            <a:endParaRPr lang="en-US" altLang="en-US" dirty="0"/>
-          </a:p>
-          <a:p>
-            <a:pPr marL="0" indent="0">
-              <a:buNone/>
-            </a:pPr>
-            <a:r>
-              <a:rPr lang="en-US" altLang="en-US" dirty="0"/>
-              <a:t>Data </a:t>
-            </a:r>
-            <a:r>
-              <a:rPr lang="en-US" altLang="en-US" i="1" dirty="0"/>
-              <a:t>will</a:t>
-            </a:r>
-            <a:r>
-              <a:rPr lang="en-US" altLang="en-US" dirty="0"/>
-              <a:t> be moved if partition is not empty, causing blocking and transaction log growth</a:t>
-            </a:r>
-            <a:br>
-              <a:rPr lang="en-US" altLang="en-US" dirty="0">
-                <a:solidFill>
-                  <a:srgbClr val="0064C3"/>
-                </a:solidFill>
-              </a:rPr>
-            </a:br>
-            <a:br>
-              <a:rPr lang="en-US" altLang="en-US" dirty="0">
-                <a:solidFill>
-                  <a:srgbClr val="0064C3"/>
-                </a:solidFill>
-              </a:rPr>
-            </a:br>
-            <a:br>
-              <a:rPr lang="en-US" altLang="en-US" dirty="0">
-                <a:solidFill>
-                  <a:srgbClr val="0064C3"/>
-                </a:solidFill>
-              </a:rPr>
-            </a:br>
+            <a:r>
+              <a:rPr lang="en-GB" dirty="0">
+                <a:solidFill>
+                  <a:schemeClr val="accent1"/>
+                </a:solidFill>
+              </a:rPr>
+              <a:t>Demo</a:t>
+            </a:r>
+          </a:p>
+        </p:txBody>
+      </p:sp>
+      <p:sp>
+        <p:nvSpPr>
+          <p:cNvPr id="2" name="Text Placeholder 1"/>
+          <p:cNvSpPr>
+            <a:spLocks noGrp="1"/>
+          </p:cNvSpPr>
+          <p:nvPr>
+            <p:ph type="body" idx="1"/>
+          </p:nvPr>
+        </p:nvSpPr>
+        <p:spPr/>
+        <p:txBody>
+          <a:bodyPr/>
+          <a:lstStyle/>
+          <a:p>
             <a:endParaRPr lang="en-GB" dirty="0"/>
           </a:p>
         </p:txBody>
@@ -5300,7 +5199,7 @@
     </p:spTree>
     <p:extLst>
       <p:ext uri="{BB962C8B-B14F-4D97-AF65-F5344CB8AC3E}">
-        <p14:creationId xmlns:p14="http://schemas.microsoft.com/office/powerpoint/2010/main" val="2985918708"/>
+        <p14:creationId xmlns:p14="http://schemas.microsoft.com/office/powerpoint/2010/main" val="106494561"/>
       </p:ext>
     </p:extLst>
   </p:cSld>
@@ -5329,63 +5228,181 @@
       </p:grpSpPr>
       <p:sp>
         <p:nvSpPr>
-          <p:cNvPr id="6" name="Title 5"/>
-          <p:cNvSpPr>
-            <a:spLocks noGrp="1"/>
-          </p:cNvSpPr>
-          <p:nvPr>
-            <p:ph type="title"/>
+          <p:cNvPr id="3" name="Content Placeholder 2"/>
+          <p:cNvSpPr>
+            <a:spLocks noGrp="1"/>
+          </p:cNvSpPr>
+          <p:nvPr>
+            <p:ph type="body" sz="half" idx="2"/>
           </p:nvPr>
         </p:nvSpPr>
         <p:spPr>
           <a:xfrm>
-            <a:off x="331596" y="552659"/>
-            <a:ext cx="10184004" cy="713434"/>
+            <a:off x="332496" y="1507253"/>
+            <a:ext cx="5687877" cy="4871940"/>
           </a:xfrm>
         </p:spPr>
         <p:txBody>
-          <a:bodyPr/>
-          <a:lstStyle/>
-          <a:p>
-            <a:r>
-              <a:rPr lang="en-US" altLang="en-US" dirty="0">
+          <a:bodyPr>
+            <a:noAutofit/>
+          </a:bodyPr>
+          <a:lstStyle/>
+          <a:p>
+            <a:r>
+              <a:rPr lang="en-GB" sz="2800" b="1" dirty="0"/>
+              <a:t>Andrew Pruski</a:t>
+            </a:r>
+          </a:p>
+          <a:p>
+            <a:endParaRPr lang="en-GB" sz="2000" b="1" dirty="0"/>
+          </a:p>
+          <a:p>
+            <a:r>
+              <a:rPr lang="en-GB" sz="2000" dirty="0"/>
+              <a:t>@</a:t>
+            </a:r>
+            <a:r>
+              <a:rPr lang="en-GB" sz="2000" dirty="0" err="1"/>
+              <a:t>DBAFromTheCold</a:t>
+            </a:r>
+            <a:endParaRPr lang="en-GB" sz="2000" dirty="0"/>
+          </a:p>
+          <a:p>
+            <a:r>
+              <a:rPr lang="en-GB" sz="2000" dirty="0">
+                <a:hlinkClick r:id="rId2"/>
+              </a:rPr>
+              <a:t>dbafromthecold@gmail.com</a:t>
+            </a:r>
+            <a:r>
+              <a:rPr lang="en-GB" sz="2000" dirty="0"/>
+              <a:t> </a:t>
+            </a:r>
+          </a:p>
+          <a:p>
+            <a:r>
+              <a:rPr lang="en-GB" sz="2000" dirty="0">
+                <a:hlinkClick r:id="rId3"/>
+              </a:rPr>
+              <a:t>www.dbafromthecold.com</a:t>
+            </a:r>
+            <a:r>
+              <a:rPr lang="en-GB" sz="2000" dirty="0"/>
+              <a:t> </a:t>
+            </a:r>
+          </a:p>
+          <a:p>
+            <a:endParaRPr lang="en-GB" sz="2000" dirty="0"/>
+          </a:p>
+          <a:p>
+            <a:r>
+              <a:rPr lang="en-GB" sz="2000" dirty="0"/>
+              <a:t>SQL Server DBA for 6 years</a:t>
+            </a:r>
+          </a:p>
+          <a:p>
+            <a:r>
+              <a:rPr lang="en-GB" sz="2000" dirty="0"/>
+              <a:t>Data Platform MVP</a:t>
+            </a:r>
+          </a:p>
+          <a:p>
+            <a:r>
+              <a:rPr lang="en-GB" sz="2000" dirty="0"/>
+              <a:t>Working with RDBMS for ~10 years</a:t>
+            </a:r>
+          </a:p>
+          <a:p>
+            <a:endParaRPr lang="en-GB" sz="2000" dirty="0"/>
+          </a:p>
+          <a:p>
+            <a:r>
+              <a:rPr lang="en-GB" sz="2000" dirty="0"/>
+              <a:t>Originally from Wales, now living in Dublin</a:t>
+            </a:r>
+          </a:p>
+        </p:txBody>
+      </p:sp>
+      <p:pic>
+        <p:nvPicPr>
+          <p:cNvPr id="11" name="Picture Placeholder 10">
+            <a:extLst>
+              <a:ext uri="{FF2B5EF4-FFF2-40B4-BE49-F238E27FC236}">
+                <a16:creationId xmlns:a16="http://schemas.microsoft.com/office/drawing/2014/main" id="{91456E69-669B-4B3F-8F79-98E110A2EBC9}"/>
+              </a:ext>
+            </a:extLst>
+          </p:cNvPr>
+          <p:cNvPicPr preferRelativeResize="0">
+            <a:picLocks noGrp="1" noChangeAspect="1"/>
+          </p:cNvPicPr>
+          <p:nvPr>
+            <p:ph type="pic" idx="1"/>
+          </p:nvPr>
+        </p:nvPicPr>
+        <p:blipFill>
+          <a:blip r:embed="rId4">
+            <a:extLst>
+              <a:ext uri="{28A0092B-C50C-407E-A947-70E740481C1C}">
+                <a14:useLocalDpi xmlns:a14="http://schemas.microsoft.com/office/drawing/2010/main" val="0"/>
+              </a:ext>
+            </a:extLst>
+          </a:blip>
+          <a:stretch>
+            <a:fillRect/>
+          </a:stretch>
+        </p:blipFill>
+        <p:spPr>
+          <a:xfrm>
+            <a:off x="6171629" y="1125933"/>
+            <a:ext cx="5033706" cy="4606133"/>
+          </a:xfrm>
+        </p:spPr>
+      </p:pic>
+      <p:sp>
+        <p:nvSpPr>
+          <p:cNvPr id="4" name="Title 5">
+            <a:extLst>
+              <a:ext uri="{FF2B5EF4-FFF2-40B4-BE49-F238E27FC236}">
+                <a16:creationId xmlns:a16="http://schemas.microsoft.com/office/drawing/2014/main" id="{70869C8A-19C3-4106-8ABE-A0D1E3A2EB00}"/>
+              </a:ext>
+            </a:extLst>
+          </p:cNvPr>
+          <p:cNvSpPr>
+            <a:spLocks noGrp="1"/>
+          </p:cNvSpPr>
+          <p:nvPr>
+            <p:ph type="title"/>
+          </p:nvPr>
+        </p:nvSpPr>
+        <p:spPr>
+          <a:xfrm>
+            <a:off x="332496" y="552658"/>
+            <a:ext cx="10184004" cy="693337"/>
+          </a:xfrm>
+        </p:spPr>
+        <p:txBody>
+          <a:bodyPr>
+            <a:noAutofit/>
+          </a:bodyPr>
+          <a:lstStyle/>
+          <a:p>
+            <a:r>
+              <a:rPr lang="en-US" altLang="en-US" sz="4400" dirty="0">
                 <a:solidFill>
                   <a:schemeClr val="accent1">
                     <a:lumMod val="75000"/>
                   </a:schemeClr>
                 </a:solidFill>
               </a:rPr>
-              <a:t>Sponsors</a:t>
-            </a:r>
-          </a:p>
-        </p:txBody>
-      </p:sp>
-      <p:sp>
-        <p:nvSpPr>
-          <p:cNvPr id="3" name="Subtitle 2"/>
-          <p:cNvSpPr>
-            <a:spLocks noGrp="1"/>
-          </p:cNvSpPr>
-          <p:nvPr>
-            <p:ph idx="1"/>
-          </p:nvPr>
-        </p:nvSpPr>
-        <p:spPr/>
-        <p:txBody>
-          <a:bodyPr/>
-          <a:lstStyle/>
-          <a:p>
-            <a:pPr marL="0" indent="0">
-              <a:buNone/>
-            </a:pPr>
-            <a:endParaRPr lang="en-GB" dirty="0"/>
+              <a:t>About Me</a:t>
+            </a:r>
           </a:p>
         </p:txBody>
       </p:sp>
     </p:spTree>
     <p:extLst>
       <p:ext uri="{BB962C8B-B14F-4D97-AF65-F5344CB8AC3E}">
-        <p14:creationId xmlns:p14="http://schemas.microsoft.com/office/powerpoint/2010/main" val="1726499415"/>
+        <p14:creationId xmlns:p14="http://schemas.microsoft.com/office/powerpoint/2010/main" val="716322671"/>
       </p:ext>
     </p:extLst>
   </p:cSld>
@@ -5414,7 +5431,7 @@
       </p:grpSpPr>
       <p:sp>
         <p:nvSpPr>
-          <p:cNvPr id="6" name="Title 5"/>
+          <p:cNvPr id="4" name="Title 3"/>
           <p:cNvSpPr>
             <a:spLocks noGrp="1"/>
           </p:cNvSpPr>
@@ -5422,213 +5439,52 @@
             <p:ph type="title"/>
           </p:nvPr>
         </p:nvSpPr>
-        <p:spPr>
-          <a:xfrm>
-            <a:off x="356419" y="540775"/>
-            <a:ext cx="10515600" cy="737420"/>
-          </a:xfrm>
-        </p:spPr>
-        <p:txBody>
-          <a:bodyPr/>
-          <a:lstStyle/>
-          <a:p>
-            <a:r>
-              <a:rPr lang="en-US" altLang="en-US" dirty="0">
-                <a:solidFill>
-                  <a:schemeClr val="accent1">
-                    <a:lumMod val="75000"/>
-                  </a:schemeClr>
-                </a:solidFill>
-              </a:rPr>
-              <a:t>Merging Partitions</a:t>
-            </a:r>
-          </a:p>
-        </p:txBody>
-      </p:sp>
-      <p:sp>
-        <p:nvSpPr>
-          <p:cNvPr id="3" name="Subtitle 2"/>
-          <p:cNvSpPr>
-            <a:spLocks noGrp="1"/>
-          </p:cNvSpPr>
-          <p:nvPr>
-            <p:ph idx="1"/>
-          </p:nvPr>
-        </p:nvSpPr>
-        <p:spPr>
-          <a:xfrm>
-            <a:off x="838200" y="1859492"/>
-            <a:ext cx="10515600" cy="4351338"/>
-          </a:xfrm>
-        </p:spPr>
-        <p:txBody>
-          <a:bodyPr/>
-          <a:lstStyle/>
-          <a:p>
-            <a:pPr marL="0" indent="0">
-              <a:buNone/>
-            </a:pPr>
-            <a:br>
-              <a:rPr lang="en-US" altLang="en-US" dirty="0">
-                <a:solidFill>
-                  <a:srgbClr val="0064C3"/>
-                </a:solidFill>
-              </a:rPr>
-            </a:br>
-            <a:br>
-              <a:rPr lang="en-US" altLang="en-US" dirty="0">
-                <a:solidFill>
-                  <a:srgbClr val="0064C3"/>
-                </a:solidFill>
-              </a:rPr>
-            </a:br>
-            <a:br>
-              <a:rPr lang="en-US" altLang="en-US" dirty="0">
-                <a:solidFill>
-                  <a:srgbClr val="0064C3"/>
-                </a:solidFill>
-              </a:rPr>
-            </a:br>
-            <a:r>
-              <a:rPr lang="en-GB" dirty="0">
-                <a:solidFill>
-                  <a:srgbClr val="0000FF"/>
-                </a:solidFill>
-                <a:latin typeface="Consolas" panose="020B0609020204030204" pitchFamily="49" charset="0"/>
-              </a:rPr>
-              <a:t>ALTER</a:t>
-            </a:r>
-            <a:r>
-              <a:rPr lang="en-GB" dirty="0">
-                <a:solidFill>
-                  <a:prstClr val="black"/>
-                </a:solidFill>
-                <a:latin typeface="Consolas" panose="020B0609020204030204" pitchFamily="49" charset="0"/>
-              </a:rPr>
-              <a:t> </a:t>
-            </a:r>
-            <a:r>
-              <a:rPr lang="en-GB" dirty="0">
-                <a:solidFill>
-                  <a:srgbClr val="0000FF"/>
-                </a:solidFill>
-                <a:latin typeface="Consolas" panose="020B0609020204030204" pitchFamily="49" charset="0"/>
-              </a:rPr>
-              <a:t>PARTITION</a:t>
-            </a:r>
-            <a:r>
-              <a:rPr lang="en-GB" dirty="0">
-                <a:solidFill>
-                  <a:prstClr val="black"/>
-                </a:solidFill>
-                <a:latin typeface="Consolas" panose="020B0609020204030204" pitchFamily="49" charset="0"/>
-              </a:rPr>
-              <a:t> </a:t>
-            </a:r>
-            <a:r>
-              <a:rPr lang="en-GB" dirty="0">
-                <a:solidFill>
-                  <a:srgbClr val="0000FF"/>
-                </a:solidFill>
-                <a:latin typeface="Consolas" panose="020B0609020204030204" pitchFamily="49" charset="0"/>
-              </a:rPr>
-              <a:t>FUNCTION</a:t>
-            </a:r>
-            <a:r>
-              <a:rPr lang="en-GB" dirty="0">
-                <a:solidFill>
-                  <a:prstClr val="black"/>
-                </a:solidFill>
-                <a:latin typeface="Consolas" panose="020B0609020204030204" pitchFamily="49" charset="0"/>
-              </a:rPr>
-              <a:t> </a:t>
-            </a:r>
-            <a:r>
-              <a:rPr lang="en-GB" dirty="0">
-                <a:solidFill>
-                  <a:srgbClr val="808080"/>
-                </a:solidFill>
-                <a:latin typeface="Consolas" panose="020B0609020204030204" pitchFamily="49" charset="0"/>
-              </a:rPr>
-              <a:t>[</a:t>
-            </a:r>
-            <a:r>
-              <a:rPr lang="en-GB" i="1" dirty="0">
-                <a:solidFill>
-                  <a:prstClr val="black"/>
-                </a:solidFill>
-                <a:latin typeface="Consolas" panose="020B0609020204030204" pitchFamily="49" charset="0"/>
-              </a:rPr>
-              <a:t>NAME</a:t>
-            </a:r>
-            <a:r>
-              <a:rPr lang="en-GB" dirty="0">
-                <a:solidFill>
-                  <a:srgbClr val="808080"/>
-                </a:solidFill>
-                <a:latin typeface="Consolas" panose="020B0609020204030204" pitchFamily="49" charset="0"/>
-              </a:rPr>
-              <a:t>]()</a:t>
-            </a:r>
-            <a:br>
-              <a:rPr lang="en-GB" dirty="0">
-                <a:solidFill>
-                  <a:prstClr val="black"/>
-                </a:solidFill>
-                <a:latin typeface="Consolas" panose="020B0609020204030204" pitchFamily="49" charset="0"/>
-              </a:rPr>
-            </a:br>
-            <a:r>
-              <a:rPr lang="en-GB" dirty="0">
-                <a:solidFill>
-                  <a:srgbClr val="0000FF"/>
-                </a:solidFill>
-                <a:latin typeface="Consolas" panose="020B0609020204030204" pitchFamily="49" charset="0"/>
-              </a:rPr>
-              <a:t>	MERGE</a:t>
-            </a:r>
-            <a:r>
-              <a:rPr lang="en-GB" dirty="0">
-                <a:solidFill>
-                  <a:prstClr val="black"/>
-                </a:solidFill>
-                <a:latin typeface="Consolas" panose="020B0609020204030204" pitchFamily="49" charset="0"/>
-              </a:rPr>
-              <a:t> </a:t>
-            </a:r>
-            <a:r>
-              <a:rPr lang="en-GB" dirty="0">
-                <a:solidFill>
-                  <a:srgbClr val="0000FF"/>
-                </a:solidFill>
-                <a:latin typeface="Consolas" panose="020B0609020204030204" pitchFamily="49" charset="0"/>
-              </a:rPr>
-              <a:t>RANGE </a:t>
-            </a:r>
-            <a:r>
-              <a:rPr lang="en-GB" dirty="0">
-                <a:solidFill>
-                  <a:srgbClr val="808080"/>
-                </a:solidFill>
-                <a:latin typeface="Consolas" panose="020B0609020204030204" pitchFamily="49" charset="0"/>
-              </a:rPr>
-              <a:t>(</a:t>
-            </a:r>
-            <a:r>
-              <a:rPr lang="en-GB" i="1" dirty="0">
-                <a:latin typeface="Consolas" panose="020B0609020204030204" pitchFamily="49" charset="0"/>
-              </a:rPr>
-              <a:t>VALUE</a:t>
-            </a:r>
-            <a:r>
-              <a:rPr lang="en-GB" dirty="0">
-                <a:solidFill>
-                  <a:srgbClr val="808080"/>
-                </a:solidFill>
-                <a:latin typeface="Consolas" panose="020B0609020204030204" pitchFamily="49" charset="0"/>
-              </a:rPr>
-              <a:t>);</a:t>
-            </a:r>
+        <p:spPr/>
+        <p:txBody>
+          <a:bodyPr>
+            <a:normAutofit/>
+          </a:bodyPr>
+          <a:lstStyle/>
+          <a:p>
+            <a:r>
+              <a:rPr lang="en-GB" dirty="0">
+                <a:solidFill>
+                  <a:schemeClr val="accent1"/>
+                </a:solidFill>
+              </a:rPr>
+              <a:t>Merging &amp; Splitting </a:t>
+            </a:r>
+            <a:r>
+              <a:rPr lang="en-GB" dirty="0" err="1">
+                <a:solidFill>
+                  <a:schemeClr val="accent1"/>
+                </a:solidFill>
+              </a:rPr>
+              <a:t>Partions</a:t>
+            </a:r>
+            <a:endParaRPr lang="en-GB" dirty="0">
+              <a:solidFill>
+                <a:schemeClr val="accent1"/>
+              </a:solidFill>
+            </a:endParaRPr>
+          </a:p>
+        </p:txBody>
+      </p:sp>
+      <p:sp>
+        <p:nvSpPr>
+          <p:cNvPr id="2" name="Text Placeholder 1"/>
+          <p:cNvSpPr>
+            <a:spLocks noGrp="1"/>
+          </p:cNvSpPr>
+          <p:nvPr>
+            <p:ph type="body" idx="1"/>
+          </p:nvPr>
+        </p:nvSpPr>
+        <p:spPr/>
+        <p:txBody>
+          <a:bodyPr/>
+          <a:lstStyle/>
+          <a:p>
             <a:endParaRPr lang="en-GB" dirty="0"/>
           </a:p>
         </p:txBody>
@@ -5636,7 +5492,7 @@
     </p:spTree>
     <p:extLst>
       <p:ext uri="{BB962C8B-B14F-4D97-AF65-F5344CB8AC3E}">
-        <p14:creationId xmlns:p14="http://schemas.microsoft.com/office/powerpoint/2010/main" val="2920366641"/>
+        <p14:creationId xmlns:p14="http://schemas.microsoft.com/office/powerpoint/2010/main" val="3403484052"/>
       </p:ext>
     </p:extLst>
   </p:cSld>
@@ -5675,7 +5531,7 @@
         </p:nvSpPr>
         <p:spPr>
           <a:xfrm>
-            <a:off x="336755" y="550606"/>
+            <a:off x="326922" y="550606"/>
             <a:ext cx="10515600" cy="717755"/>
           </a:xfrm>
         </p:spPr>
@@ -5691,7 +5547,7 @@
                   </a:schemeClr>
                 </a:solidFill>
               </a:rPr>
-              <a:t>Splitting partitions</a:t>
+              <a:t>Merging Partitions</a:t>
             </a:r>
           </a:p>
         </p:txBody>
@@ -5714,7 +5570,7 @@
         </p:spPr>
         <p:txBody>
           <a:bodyPr>
-            <a:normAutofit fontScale="85000" lnSpcReduction="10000"/>
+            <a:normAutofit fontScale="92500" lnSpcReduction="10000"/>
           </a:bodyPr>
           <a:lstStyle/>
           <a:p>
@@ -5723,7 +5579,26 @@
             </a:pPr>
             <a:r>
               <a:rPr lang="en-US" altLang="en-US" dirty="0"/>
-              <a:t>Creates a new partition with new boundary value</a:t>
+              <a:t>Removes a partition</a:t>
+            </a:r>
+          </a:p>
+          <a:p>
+            <a:pPr marL="0" indent="0">
+              <a:buNone/>
+            </a:pPr>
+            <a:endParaRPr lang="en-US" altLang="en-US" dirty="0">
+              <a:solidFill>
+                <a:srgbClr val="0064C3"/>
+              </a:solidFill>
+            </a:endParaRPr>
+          </a:p>
+          <a:p>
+            <a:pPr marL="0" indent="0">
+              <a:buNone/>
+            </a:pPr>
+            <a:r>
+              <a:rPr lang="en-US" altLang="en-US" dirty="0"/>
+              <a:t>Effectively “merges” two partitions into one</a:t>
             </a:r>
           </a:p>
           <a:p>
@@ -5738,7 +5613,7 @@
             </a:pPr>
             <a:r>
               <a:rPr lang="en-US" altLang="en-US" dirty="0"/>
-              <a:t>New boundary value must be distinct from other values</a:t>
+              <a:t>Meta-data only operation if performed on an empty partition</a:t>
             </a:r>
           </a:p>
           <a:p>
@@ -5752,42 +5627,8 @@
               <a:buNone/>
             </a:pPr>
             <a:r>
-              <a:rPr lang="en-US" altLang="en-US" dirty="0">
-                <a:solidFill>
-                  <a:srgbClr val="FF0000"/>
-                </a:solidFill>
-              </a:rPr>
-              <a:t>Takes a schema modification lock on the table</a:t>
-            </a:r>
-          </a:p>
-          <a:p>
-            <a:pPr marL="0" indent="0">
-              <a:buNone/>
-            </a:pPr>
-            <a:endParaRPr lang="en-US" altLang="en-US" dirty="0"/>
-          </a:p>
-          <a:p>
-            <a:pPr marL="0" indent="0">
-              <a:buNone/>
-            </a:pPr>
-            <a:r>
               <a:rPr lang="en-US" altLang="en-US" dirty="0"/>
-              <a:t>Meta-data only operation if partition is empty</a:t>
-            </a:r>
-          </a:p>
-          <a:p>
-            <a:pPr marL="0" indent="0">
-              <a:buNone/>
-            </a:pPr>
-            <a:endParaRPr lang="en-US" altLang="en-US" dirty="0"/>
-          </a:p>
-          <a:p>
-            <a:pPr marL="0" indent="0">
-              <a:buNone/>
-            </a:pPr>
-            <a:r>
-              <a:rPr lang="en-US" altLang="en-US" dirty="0"/>
-              <a:t>SQL </a:t>
+              <a:t>Data </a:t>
             </a:r>
             <a:r>
               <a:rPr lang="en-US" altLang="en-US" i="1" dirty="0"/>
@@ -5795,7 +5636,7 @@
             </a:r>
             <a:r>
               <a:rPr lang="en-US" altLang="en-US" dirty="0"/>
-              <a:t> move data to the new partition if the data crosses the new boundary value</a:t>
+              <a:t> be moved if partition is not empty, causing blocking and transaction log growth</a:t>
             </a:r>
             <a:br>
               <a:rPr lang="en-US" altLang="en-US" dirty="0">
@@ -5811,6 +5652,13 @@
                 </a:solidFill>
               </a:rPr>
             </a:br>
+            <a:br>
+              <a:rPr lang="en-US" altLang="en-US" dirty="0">
+                <a:solidFill>
+                  <a:srgbClr val="0064C3"/>
+                </a:solidFill>
+              </a:rPr>
+            </a:br>
             <a:endParaRPr lang="en-GB" dirty="0"/>
           </a:p>
         </p:txBody>
@@ -5818,7 +5666,7 @@
     </p:spTree>
     <p:extLst>
       <p:ext uri="{BB962C8B-B14F-4D97-AF65-F5344CB8AC3E}">
-        <p14:creationId xmlns:p14="http://schemas.microsoft.com/office/powerpoint/2010/main" val="2323194146"/>
+        <p14:creationId xmlns:p14="http://schemas.microsoft.com/office/powerpoint/2010/main" val="2985918708"/>
       </p:ext>
     </p:extLst>
   </p:cSld>
@@ -5857,8 +5705,8 @@
         </p:nvSpPr>
         <p:spPr>
           <a:xfrm>
-            <a:off x="326922" y="540774"/>
-            <a:ext cx="10515600" cy="727587"/>
+            <a:off x="356419" y="540775"/>
+            <a:ext cx="10515600" cy="737420"/>
           </a:xfrm>
         </p:spPr>
         <p:txBody>
@@ -5873,7 +5721,7 @@
                   </a:schemeClr>
                 </a:solidFill>
               </a:rPr>
-              <a:t>Splitting partitions</a:t>
+              <a:t>Merging Partitions</a:t>
             </a:r>
           </a:p>
         </p:txBody>
@@ -5915,6 +5763,13 @@
                 </a:solidFill>
               </a:rPr>
             </a:br>
+            <a:br>
+              <a:rPr lang="en-US" altLang="en-US" dirty="0">
+                <a:solidFill>
+                  <a:srgbClr val="0064C3"/>
+                </a:solidFill>
+              </a:rPr>
+            </a:br>
             <a:r>
               <a:rPr lang="en-GB" dirty="0">
                 <a:solidFill>
@@ -5949,7 +5804,25 @@
                 </a:solidFill>
                 <a:latin typeface="Consolas" panose="020B0609020204030204" pitchFamily="49" charset="0"/>
               </a:rPr>
-              <a:t> SCHEME </a:t>
+              <a:t> </a:t>
+            </a:r>
+            <a:r>
+              <a:rPr lang="en-GB" dirty="0">
+                <a:solidFill>
+                  <a:srgbClr val="0000FF"/>
+                </a:solidFill>
+                <a:latin typeface="Consolas" panose="020B0609020204030204" pitchFamily="49" charset="0"/>
+              </a:rPr>
+              <a:t>FUNCTION</a:t>
+            </a:r>
+            <a:r>
+              <a:rPr lang="en-GB" dirty="0">
+                <a:solidFill>
+                  <a:prstClr val="black"/>
+                </a:solidFill>
+                <a:latin typeface="Consolas" panose="020B0609020204030204" pitchFamily="49" charset="0"/>
+              </a:rPr>
+              <a:t> </a:t>
             </a:r>
             <a:r>
               <a:rPr lang="en-GB" dirty="0">
@@ -5976,7 +5849,7 @@
                 </a:solidFill>
                 <a:latin typeface="Consolas" panose="020B0609020204030204" pitchFamily="49" charset="0"/>
               </a:rPr>
-              <a:t>]</a:t>
+              <a:t>]()</a:t>
             </a:r>
             <a:br>
               <a:rPr lang="en-GB" dirty="0">
@@ -5993,7 +5866,7 @@
                 </a:solidFill>
                 <a:latin typeface="Consolas" panose="020B0609020204030204" pitchFamily="49" charset="0"/>
               </a:rPr>
-              <a:t>	NEXT</a:t>
+              <a:t>	MERGE</a:t>
             </a:r>
             <a:r>
               <a:rPr lang="en-GB" dirty="0">
@@ -6002,148 +5875,7 @@
                 </a:solidFill>
                 <a:latin typeface="Consolas" panose="020B0609020204030204" pitchFamily="49" charset="0"/>
               </a:rPr>
-              <a:t> USED [</a:t>
-            </a:r>
-            <a:r>
-              <a:rPr lang="en-GB" i="1" dirty="0">
-                <a:solidFill>
-                  <a:prstClr val="black"/>
-                </a:solidFill>
-                <a:latin typeface="Consolas" panose="020B0609020204030204" pitchFamily="49" charset="0"/>
-              </a:rPr>
-              <a:t>FILEGROUP</a:t>
-            </a:r>
-            <a:r>
-              <a:rPr lang="en-GB" dirty="0">
-                <a:solidFill>
-                  <a:prstClr val="black"/>
-                </a:solidFill>
-                <a:latin typeface="Consolas" panose="020B0609020204030204" pitchFamily="49" charset="0"/>
-              </a:rPr>
-              <a:t>]</a:t>
-            </a:r>
-            <a:r>
-              <a:rPr lang="en-GB" dirty="0">
-                <a:solidFill>
-                  <a:srgbClr val="808080"/>
-                </a:solidFill>
-                <a:latin typeface="Consolas" panose="020B0609020204030204" pitchFamily="49" charset="0"/>
-              </a:rPr>
-              <a:t>;</a:t>
-            </a:r>
-            <a:br>
-              <a:rPr lang="en-GB" dirty="0">
-                <a:solidFill>
-                  <a:prstClr val="black"/>
-                </a:solidFill>
-                <a:latin typeface="Consolas" panose="020B0609020204030204" pitchFamily="49" charset="0"/>
-              </a:rPr>
-            </a:br>
-            <a:br>
-              <a:rPr lang="en-GB" dirty="0">
-                <a:solidFill>
-                  <a:prstClr val="black"/>
-                </a:solidFill>
-                <a:latin typeface="Consolas" panose="020B0609020204030204" pitchFamily="49" charset="0"/>
-              </a:rPr>
-            </a:br>
-            <a:r>
-              <a:rPr lang="en-GB" dirty="0">
-                <a:solidFill>
-                  <a:srgbClr val="0000FF"/>
-                </a:solidFill>
-                <a:latin typeface="Consolas" panose="020B0609020204030204" pitchFamily="49" charset="0"/>
-              </a:rPr>
-              <a:t>ALTER</a:t>
-            </a:r>
-            <a:r>
-              <a:rPr lang="en-GB" dirty="0">
-                <a:solidFill>
-                  <a:prstClr val="black"/>
-                </a:solidFill>
-                <a:latin typeface="Consolas" panose="020B0609020204030204" pitchFamily="49" charset="0"/>
-              </a:rPr>
               <a:t> </a:t>
-            </a:r>
-            <a:r>
-              <a:rPr lang="en-GB" dirty="0">
-                <a:solidFill>
-                  <a:srgbClr val="0000FF"/>
-                </a:solidFill>
-                <a:latin typeface="Consolas" panose="020B0609020204030204" pitchFamily="49" charset="0"/>
-              </a:rPr>
-              <a:t>PARTITION</a:t>
-            </a:r>
-            <a:r>
-              <a:rPr lang="en-GB" dirty="0">
-                <a:solidFill>
-                  <a:prstClr val="black"/>
-                </a:solidFill>
-                <a:latin typeface="Consolas" panose="020B0609020204030204" pitchFamily="49" charset="0"/>
-              </a:rPr>
-              <a:t> </a:t>
-            </a:r>
-            <a:r>
-              <a:rPr lang="en-GB" dirty="0">
-                <a:solidFill>
-                  <a:srgbClr val="0000FF"/>
-                </a:solidFill>
-                <a:latin typeface="Consolas" panose="020B0609020204030204" pitchFamily="49" charset="0"/>
-              </a:rPr>
-              <a:t>FUNCTION</a:t>
-            </a:r>
-            <a:r>
-              <a:rPr lang="en-GB" dirty="0">
-                <a:solidFill>
-                  <a:prstClr val="black"/>
-                </a:solidFill>
-                <a:latin typeface="Consolas" panose="020B0609020204030204" pitchFamily="49" charset="0"/>
-              </a:rPr>
-              <a:t> </a:t>
-            </a:r>
-            <a:r>
-              <a:rPr lang="en-GB" dirty="0">
-                <a:solidFill>
-                  <a:srgbClr val="808080"/>
-                </a:solidFill>
-                <a:latin typeface="Consolas" panose="020B0609020204030204" pitchFamily="49" charset="0"/>
-              </a:rPr>
-              <a:t>[</a:t>
-            </a:r>
-            <a:r>
-              <a:rPr lang="en-GB" i="1" dirty="0">
-                <a:solidFill>
-                  <a:prstClr val="black"/>
-                </a:solidFill>
-                <a:latin typeface="Consolas" panose="020B0609020204030204" pitchFamily="49" charset="0"/>
-              </a:rPr>
-              <a:t>NAME</a:t>
-            </a:r>
-            <a:r>
-              <a:rPr lang="en-GB" dirty="0">
-                <a:solidFill>
-                  <a:srgbClr val="808080"/>
-                </a:solidFill>
-                <a:latin typeface="Consolas" panose="020B0609020204030204" pitchFamily="49" charset="0"/>
-              </a:rPr>
-              <a:t>]()</a:t>
-            </a:r>
-            <a:br>
-              <a:rPr lang="en-GB" dirty="0">
-                <a:solidFill>
-                  <a:prstClr val="black"/>
-                </a:solidFill>
-                <a:latin typeface="Consolas" panose="020B0609020204030204" pitchFamily="49" charset="0"/>
-              </a:rPr>
-            </a:br>
-            <a:r>
-              <a:rPr lang="en-GB" dirty="0">
-                <a:solidFill>
-                  <a:prstClr val="black"/>
-                </a:solidFill>
-                <a:latin typeface="Consolas" panose="020B0609020204030204" pitchFamily="49" charset="0"/>
-              </a:rPr>
-              <a:t>	SPLIT </a:t>
             </a:r>
             <a:r>
               <a:rPr lang="en-GB" dirty="0">
@@ -6185,7 +5917,7 @@
     </p:spTree>
     <p:extLst>
       <p:ext uri="{BB962C8B-B14F-4D97-AF65-F5344CB8AC3E}">
-        <p14:creationId xmlns:p14="http://schemas.microsoft.com/office/powerpoint/2010/main" val="741211705"/>
+        <p14:creationId xmlns:p14="http://schemas.microsoft.com/office/powerpoint/2010/main" val="2920366641"/>
       </p:ext>
     </p:extLst>
   </p:cSld>
@@ -6219,23 +5951,28 @@
             <a:spLocks noGrp="1"/>
           </p:cNvSpPr>
           <p:nvPr>
-            <p:ph type="ctrTitle"/>
-          </p:nvPr>
-        </p:nvSpPr>
-        <p:spPr/>
-        <p:txBody>
-          <a:bodyPr/>
-          <a:lstStyle/>
-          <a:p>
-            <a:r>
-              <a:rPr lang="en-GB" dirty="0">
+            <p:ph type="title"/>
+          </p:nvPr>
+        </p:nvSpPr>
+        <p:spPr>
+          <a:xfrm>
+            <a:off x="336755" y="550606"/>
+            <a:ext cx="10515600" cy="717755"/>
+          </a:xfrm>
+        </p:spPr>
+        <p:txBody>
+          <a:bodyPr/>
+          <a:lstStyle/>
+          <a:p>
+            <a:r>
+              <a:rPr lang="en-US" altLang="en-US" dirty="0">
                 <a:solidFill>
                   <a:schemeClr val="accent1">
                     <a:lumMod val="75000"/>
                   </a:schemeClr>
                 </a:solidFill>
               </a:rPr>
-              <a:t>Demo</a:t>
+              <a:t>Splitting partitions</a:t>
             </a:r>
           </a:p>
         </p:txBody>
@@ -6247,17 +5984,110 @@
             <a:spLocks noGrp="1"/>
           </p:cNvSpPr>
           <p:nvPr>
-            <p:ph type="subTitle" idx="1"/>
-          </p:nvPr>
-        </p:nvSpPr>
-        <p:spPr/>
-        <p:txBody>
-          <a:bodyPr/>
-          <a:lstStyle/>
-          <a:p>
-            <a:endParaRPr lang="en-GB" dirty="0"/>
-          </a:p>
-          <a:p>
+            <p:ph idx="1"/>
+          </p:nvPr>
+        </p:nvSpPr>
+        <p:spPr>
+          <a:xfrm>
+            <a:off x="838200" y="1859492"/>
+            <a:ext cx="10515600" cy="4351338"/>
+          </a:xfrm>
+        </p:spPr>
+        <p:txBody>
+          <a:bodyPr>
+            <a:normAutofit fontScale="85000" lnSpcReduction="10000"/>
+          </a:bodyPr>
+          <a:lstStyle/>
+          <a:p>
+            <a:pPr marL="0" indent="0">
+              <a:buNone/>
+            </a:pPr>
+            <a:r>
+              <a:rPr lang="en-US" altLang="en-US" dirty="0"/>
+              <a:t>Creates a new partition with new boundary value</a:t>
+            </a:r>
+          </a:p>
+          <a:p>
+            <a:pPr marL="0" indent="0">
+              <a:buNone/>
+            </a:pPr>
+            <a:endParaRPr lang="en-US" altLang="en-US" dirty="0"/>
+          </a:p>
+          <a:p>
+            <a:pPr marL="0" indent="0">
+              <a:buNone/>
+            </a:pPr>
+            <a:r>
+              <a:rPr lang="en-US" altLang="en-US" dirty="0"/>
+              <a:t>New boundary value must be distinct from other values</a:t>
+            </a:r>
+          </a:p>
+          <a:p>
+            <a:pPr marL="0" indent="0">
+              <a:buNone/>
+            </a:pPr>
+            <a:endParaRPr lang="en-US" altLang="en-US" dirty="0"/>
+          </a:p>
+          <a:p>
+            <a:pPr marL="0" indent="0">
+              <a:buNone/>
+            </a:pPr>
+            <a:r>
+              <a:rPr lang="en-US" altLang="en-US" dirty="0"/>
+              <a:t>Takes a schema modification lock on the table</a:t>
+            </a:r>
+          </a:p>
+          <a:p>
+            <a:pPr marL="0" indent="0">
+              <a:buNone/>
+            </a:pPr>
+            <a:endParaRPr lang="en-US" altLang="en-US" dirty="0"/>
+          </a:p>
+          <a:p>
+            <a:pPr marL="0" indent="0">
+              <a:buNone/>
+            </a:pPr>
+            <a:r>
+              <a:rPr lang="en-US" altLang="en-US" dirty="0"/>
+              <a:t>Meta-data only operation if partition is empty</a:t>
+            </a:r>
+          </a:p>
+          <a:p>
+            <a:pPr marL="0" indent="0">
+              <a:buNone/>
+            </a:pPr>
+            <a:endParaRPr lang="en-US" altLang="en-US" dirty="0"/>
+          </a:p>
+          <a:p>
+            <a:pPr marL="0" indent="0">
+              <a:buNone/>
+            </a:pPr>
+            <a:r>
+              <a:rPr lang="en-US" altLang="en-US" dirty="0"/>
+              <a:t>SQL </a:t>
+            </a:r>
+            <a:r>
+              <a:rPr lang="en-US" altLang="en-US" i="1" dirty="0"/>
+              <a:t>will</a:t>
+            </a:r>
+            <a:r>
+              <a:rPr lang="en-US" altLang="en-US" dirty="0"/>
+              <a:t> move data to the new partition if the data crosses the new boundary value</a:t>
+            </a:r>
+            <a:br>
+              <a:rPr lang="en-US" altLang="en-US" dirty="0">
+                <a:solidFill>
+                  <a:srgbClr val="0064C3"/>
+                </a:solidFill>
+              </a:rPr>
+            </a:br>
+            <a:br>
+              <a:rPr lang="en-US" altLang="en-US" dirty="0">
+                <a:solidFill>
+                  <a:srgbClr val="0064C3"/>
+                </a:solidFill>
+              </a:rPr>
+            </a:br>
             <a:endParaRPr lang="en-GB" dirty="0"/>
           </a:p>
         </p:txBody>
@@ -6265,7 +6095,7 @@
     </p:spTree>
     <p:extLst>
       <p:ext uri="{BB962C8B-B14F-4D97-AF65-F5344CB8AC3E}">
-        <p14:creationId xmlns:p14="http://schemas.microsoft.com/office/powerpoint/2010/main" val="2111517751"/>
+        <p14:creationId xmlns:p14="http://schemas.microsoft.com/office/powerpoint/2010/main" val="2323194146"/>
       </p:ext>
     </p:extLst>
   </p:cSld>
@@ -6304,8 +6134,8 @@
         </p:nvSpPr>
         <p:spPr>
           <a:xfrm>
-            <a:off x="346587" y="550606"/>
-            <a:ext cx="10515600" cy="727588"/>
+            <a:off x="326922" y="540774"/>
+            <a:ext cx="10515600" cy="727587"/>
           </a:xfrm>
         </p:spPr>
         <p:txBody>
@@ -6320,7 +6150,7 @@
                   </a:schemeClr>
                 </a:solidFill>
               </a:rPr>
-              <a:t>Switching partitions</a:t>
+              <a:t>Splitting partitions</a:t>
             </a:r>
           </a:p>
         </p:txBody>
@@ -6337,84 +6167,294 @@
         </p:nvSpPr>
         <p:spPr>
           <a:xfrm>
-            <a:off x="838200" y="1859491"/>
-            <a:ext cx="10515600" cy="4521643"/>
+            <a:off x="838200" y="1859492"/>
+            <a:ext cx="10515600" cy="4351338"/>
           </a:xfrm>
         </p:spPr>
         <p:txBody>
-          <a:bodyPr>
-            <a:normAutofit/>
-          </a:bodyPr>
+          <a:bodyPr/>
           <a:lstStyle/>
           <a:p>
             <a:pPr marL="0" indent="0">
               <a:buNone/>
             </a:pPr>
-            <a:r>
-              <a:rPr lang="en-US" altLang="en-US" dirty="0"/>
-              <a:t>Move a partition from one table to another</a:t>
-            </a:r>
-          </a:p>
-          <a:p>
-            <a:pPr marL="0" indent="0">
-              <a:buNone/>
-            </a:pPr>
-            <a:endParaRPr lang="en-US" altLang="en-US" dirty="0">
-              <a:solidFill>
-                <a:srgbClr val="0064C3"/>
-              </a:solidFill>
-            </a:endParaRPr>
-          </a:p>
-          <a:p>
-            <a:pPr marL="0" indent="0">
-              <a:buNone/>
-            </a:pPr>
-            <a:r>
-              <a:rPr lang="en-US" altLang="en-US" dirty="0"/>
-              <a:t>Meta-data operation, runs immediately </a:t>
-            </a:r>
-          </a:p>
-          <a:p>
-            <a:pPr marL="0" indent="0">
-              <a:buNone/>
-            </a:pPr>
-            <a:endParaRPr lang="en-US" altLang="en-US" dirty="0"/>
-          </a:p>
-          <a:p>
-            <a:pPr marL="0" indent="0">
-              <a:buNone/>
-            </a:pPr>
-            <a:r>
-              <a:rPr lang="en-US" altLang="en-US" dirty="0"/>
-              <a:t>Both tables must have the same structures</a:t>
-            </a:r>
-          </a:p>
-          <a:p>
-            <a:pPr marL="0" indent="0">
-              <a:buNone/>
-            </a:pPr>
-            <a:endParaRPr lang="en-US" altLang="en-US" dirty="0"/>
-          </a:p>
-          <a:p>
-            <a:pPr marL="0" indent="0">
-              <a:buNone/>
-            </a:pPr>
-            <a:r>
-              <a:rPr lang="en-US" altLang="en-US" dirty="0"/>
-              <a:t>Destination partition must be empty or…</a:t>
-            </a:r>
             <a:br>
-              <a:rPr lang="en-US" altLang="en-US" dirty="0"/>
+              <a:rPr lang="en-US" altLang="en-US" dirty="0">
+                <a:solidFill>
+                  <a:srgbClr val="0064C3"/>
+                </a:solidFill>
+              </a:rPr>
             </a:br>
-            <a:r>
-              <a:rPr lang="en-US" altLang="en-US" dirty="0"/>
-              <a:t>if destination table is not partitioned, it must be completely empty</a:t>
-            </a:r>
-          </a:p>
-          <a:p>
-            <a:pPr marL="0" indent="0">
-              <a:buNone/>
-            </a:pPr>
+            <a:br>
+              <a:rPr lang="en-US" altLang="en-US" dirty="0">
+                <a:solidFill>
+                  <a:srgbClr val="0064C3"/>
+                </a:solidFill>
+              </a:rPr>
+            </a:br>
+            <a:r>
+              <a:rPr lang="en-GB" dirty="0">
+                <a:solidFill>
+                  <a:srgbClr val="0000FF"/>
+                </a:solidFill>
+                <a:latin typeface="Consolas" panose="020B0609020204030204" pitchFamily="49" charset="0"/>
+              </a:rPr>
+              <a:t>ALTER</a:t>
+            </a:r>
+            <a:r>
+              <a:rPr lang="en-GB" dirty="0">
+                <a:solidFill>
+                  <a:prstClr val="black"/>
+                </a:solidFill>
+                <a:latin typeface="Consolas" panose="020B0609020204030204" pitchFamily="49" charset="0"/>
+              </a:rPr>
+              <a:t> </a:t>
+            </a:r>
+            <a:r>
+              <a:rPr lang="en-GB" dirty="0">
+                <a:solidFill>
+                  <a:srgbClr val="0000FF"/>
+                </a:solidFill>
+                <a:latin typeface="Consolas" panose="020B0609020204030204" pitchFamily="49" charset="0"/>
+              </a:rPr>
+              <a:t>PARTITION</a:t>
+            </a:r>
+            <a:r>
+              <a:rPr lang="en-GB" dirty="0">
+                <a:solidFill>
+                  <a:prstClr val="black"/>
+                </a:solidFill>
+                <a:latin typeface="Consolas" panose="020B0609020204030204" pitchFamily="49" charset="0"/>
+              </a:rPr>
+              <a:t> SCHEME </a:t>
+            </a:r>
+            <a:r>
+              <a:rPr lang="en-GB" dirty="0">
+                <a:solidFill>
+                  <a:srgbClr val="808080"/>
+                </a:solidFill>
+                <a:latin typeface="Consolas" panose="020B0609020204030204" pitchFamily="49" charset="0"/>
+              </a:rPr>
+              <a:t>[</a:t>
+            </a:r>
+            <a:r>
+              <a:rPr lang="en-GB" i="1" dirty="0">
+                <a:solidFill>
+                  <a:prstClr val="black"/>
+                </a:solidFill>
+                <a:latin typeface="Consolas" panose="020B0609020204030204" pitchFamily="49" charset="0"/>
+              </a:rPr>
+              <a:t>NAME</a:t>
+            </a:r>
+            <a:r>
+              <a:rPr lang="en-GB" dirty="0">
+                <a:solidFill>
+                  <a:srgbClr val="808080"/>
+                </a:solidFill>
+                <a:latin typeface="Consolas" panose="020B0609020204030204" pitchFamily="49" charset="0"/>
+              </a:rPr>
+              <a:t>]</a:t>
+            </a:r>
+            <a:br>
+              <a:rPr lang="en-GB" dirty="0">
+                <a:solidFill>
+                  <a:prstClr val="black"/>
+                </a:solidFill>
+                <a:latin typeface="Consolas" panose="020B0609020204030204" pitchFamily="49" charset="0"/>
+              </a:rPr>
+            </a:br>
+            <a:r>
+              <a:rPr lang="en-GB" dirty="0">
+                <a:solidFill>
+                  <a:srgbClr val="0000FF"/>
+                </a:solidFill>
+                <a:latin typeface="Consolas" panose="020B0609020204030204" pitchFamily="49" charset="0"/>
+              </a:rPr>
+              <a:t>	NEXT</a:t>
+            </a:r>
+            <a:r>
+              <a:rPr lang="en-GB" dirty="0">
+                <a:solidFill>
+                  <a:prstClr val="black"/>
+                </a:solidFill>
+                <a:latin typeface="Consolas" panose="020B0609020204030204" pitchFamily="49" charset="0"/>
+              </a:rPr>
+              <a:t> USED [</a:t>
+            </a:r>
+            <a:r>
+              <a:rPr lang="en-GB" i="1" dirty="0">
+                <a:solidFill>
+                  <a:prstClr val="black"/>
+                </a:solidFill>
+                <a:latin typeface="Consolas" panose="020B0609020204030204" pitchFamily="49" charset="0"/>
+              </a:rPr>
+              <a:t>FILEGROUP</a:t>
+            </a:r>
+            <a:r>
+              <a:rPr lang="en-GB" dirty="0">
+                <a:solidFill>
+                  <a:prstClr val="black"/>
+                </a:solidFill>
+                <a:latin typeface="Consolas" panose="020B0609020204030204" pitchFamily="49" charset="0"/>
+              </a:rPr>
+              <a:t>]</a:t>
+            </a:r>
+            <a:r>
+              <a:rPr lang="en-GB" dirty="0">
+                <a:solidFill>
+                  <a:srgbClr val="808080"/>
+                </a:solidFill>
+                <a:latin typeface="Consolas" panose="020B0609020204030204" pitchFamily="49" charset="0"/>
+              </a:rPr>
+              <a:t>;</a:t>
+            </a:r>
+            <a:br>
+              <a:rPr lang="en-GB" dirty="0">
+                <a:solidFill>
+                  <a:prstClr val="black"/>
+                </a:solidFill>
+                <a:latin typeface="Consolas" panose="020B0609020204030204" pitchFamily="49" charset="0"/>
+              </a:rPr>
+            </a:br>
+            <a:br>
+              <a:rPr lang="en-GB" dirty="0">
+                <a:solidFill>
+                  <a:prstClr val="black"/>
+                </a:solidFill>
+                <a:latin typeface="Consolas" panose="020B0609020204030204" pitchFamily="49" charset="0"/>
+              </a:rPr>
+            </a:br>
+            <a:r>
+              <a:rPr lang="en-GB" dirty="0">
+                <a:solidFill>
+                  <a:srgbClr val="0000FF"/>
+                </a:solidFill>
+                <a:latin typeface="Consolas" panose="020B0609020204030204" pitchFamily="49" charset="0"/>
+              </a:rPr>
+              <a:t>ALTER</a:t>
+            </a:r>
+            <a:r>
+              <a:rPr lang="en-GB" dirty="0">
+                <a:solidFill>
+                  <a:prstClr val="black"/>
+                </a:solidFill>
+                <a:latin typeface="Consolas" panose="020B0609020204030204" pitchFamily="49" charset="0"/>
+              </a:rPr>
+              <a:t> </a:t>
+            </a:r>
+            <a:r>
+              <a:rPr lang="en-GB" dirty="0">
+                <a:solidFill>
+                  <a:srgbClr val="0000FF"/>
+                </a:solidFill>
+                <a:latin typeface="Consolas" panose="020B0609020204030204" pitchFamily="49" charset="0"/>
+              </a:rPr>
+              <a:t>PARTITION</a:t>
+            </a:r>
+            <a:r>
+              <a:rPr lang="en-GB" dirty="0">
+                <a:solidFill>
+                  <a:prstClr val="black"/>
+                </a:solidFill>
+                <a:latin typeface="Consolas" panose="020B0609020204030204" pitchFamily="49" charset="0"/>
+              </a:rPr>
+              <a:t> </a:t>
+            </a:r>
+            <a:r>
+              <a:rPr lang="en-GB" dirty="0">
+                <a:solidFill>
+                  <a:srgbClr val="0000FF"/>
+                </a:solidFill>
+                <a:latin typeface="Consolas" panose="020B0609020204030204" pitchFamily="49" charset="0"/>
+              </a:rPr>
+              <a:t>FUNCTION</a:t>
+            </a:r>
+            <a:r>
+              <a:rPr lang="en-GB" dirty="0">
+                <a:solidFill>
+                  <a:prstClr val="black"/>
+                </a:solidFill>
+                <a:latin typeface="Consolas" panose="020B0609020204030204" pitchFamily="49" charset="0"/>
+              </a:rPr>
+              <a:t> </a:t>
+            </a:r>
+            <a:r>
+              <a:rPr lang="en-GB" dirty="0">
+                <a:solidFill>
+                  <a:srgbClr val="808080"/>
+                </a:solidFill>
+                <a:latin typeface="Consolas" panose="020B0609020204030204" pitchFamily="49" charset="0"/>
+              </a:rPr>
+              <a:t>[</a:t>
+            </a:r>
+            <a:r>
+              <a:rPr lang="en-GB" i="1" dirty="0">
+                <a:solidFill>
+                  <a:prstClr val="black"/>
+                </a:solidFill>
+                <a:latin typeface="Consolas" panose="020B0609020204030204" pitchFamily="49" charset="0"/>
+              </a:rPr>
+              <a:t>NAME</a:t>
+            </a:r>
+            <a:r>
+              <a:rPr lang="en-GB" dirty="0">
+                <a:solidFill>
+                  <a:srgbClr val="808080"/>
+                </a:solidFill>
+                <a:latin typeface="Consolas" panose="020B0609020204030204" pitchFamily="49" charset="0"/>
+              </a:rPr>
+              <a:t>]()</a:t>
+            </a:r>
+            <a:br>
+              <a:rPr lang="en-GB" dirty="0">
+                <a:solidFill>
+                  <a:prstClr val="black"/>
+                </a:solidFill>
+                <a:latin typeface="Consolas" panose="020B0609020204030204" pitchFamily="49" charset="0"/>
+              </a:rPr>
+            </a:br>
+            <a:r>
+              <a:rPr lang="en-GB" dirty="0">
+                <a:solidFill>
+                  <a:prstClr val="black"/>
+                </a:solidFill>
+                <a:latin typeface="Consolas" panose="020B0609020204030204" pitchFamily="49" charset="0"/>
+              </a:rPr>
+              <a:t>	SPLIT </a:t>
+            </a:r>
+            <a:r>
+              <a:rPr lang="en-GB" dirty="0">
+                <a:solidFill>
+                  <a:srgbClr val="0000FF"/>
+                </a:solidFill>
+                <a:latin typeface="Consolas" panose="020B0609020204030204" pitchFamily="49" charset="0"/>
+              </a:rPr>
+              <a:t>RANGE </a:t>
+            </a:r>
+            <a:r>
+              <a:rPr lang="en-GB" dirty="0">
+                <a:solidFill>
+                  <a:srgbClr val="808080"/>
+                </a:solidFill>
+                <a:latin typeface="Consolas" panose="020B0609020204030204" pitchFamily="49" charset="0"/>
+              </a:rPr>
+              <a:t>(</a:t>
+            </a:r>
+            <a:r>
+              <a:rPr lang="en-GB" i="1" dirty="0">
+                <a:latin typeface="Consolas" panose="020B0609020204030204" pitchFamily="49" charset="0"/>
+              </a:rPr>
+              <a:t>VALUE</a:t>
+            </a:r>
+            <a:r>
+              <a:rPr lang="en-GB" dirty="0">
+                <a:solidFill>
+                  <a:srgbClr val="808080"/>
+                </a:solidFill>
+                <a:latin typeface="Consolas" panose="020B0609020204030204" pitchFamily="49" charset="0"/>
+              </a:rPr>
+              <a:t>);</a:t>
+            </a:r>
             <a:endParaRPr lang="en-GB" dirty="0"/>
           </a:p>
         </p:txBody>
@@ -6422,7 +6462,7 @@
     </p:spTree>
     <p:extLst>
       <p:ext uri="{BB962C8B-B14F-4D97-AF65-F5344CB8AC3E}">
-        <p14:creationId xmlns:p14="http://schemas.microsoft.com/office/powerpoint/2010/main" val="2219803157"/>
+        <p14:creationId xmlns:p14="http://schemas.microsoft.com/office/powerpoint/2010/main" val="741211705"/>
       </p:ext>
     </p:extLst>
   </p:cSld>
@@ -6451,7 +6491,7 @@
       </p:grpSpPr>
       <p:sp>
         <p:nvSpPr>
-          <p:cNvPr id="6" name="Title 5"/>
+          <p:cNvPr id="4" name="Title 3"/>
           <p:cNvSpPr>
             <a:spLocks noGrp="1"/>
           </p:cNvSpPr>
@@ -6459,253 +6499,39 @@
             <p:ph type="title"/>
           </p:nvPr>
         </p:nvSpPr>
-        <p:spPr>
-          <a:xfrm>
-            <a:off x="346587" y="550606"/>
-            <a:ext cx="10515600" cy="717755"/>
-          </a:xfrm>
-        </p:spPr>
-        <p:txBody>
-          <a:bodyPr/>
-          <a:lstStyle/>
-          <a:p>
-            <a:r>
-              <a:rPr lang="en-US" altLang="en-US" dirty="0">
-                <a:solidFill>
-                  <a:schemeClr val="accent1">
-                    <a:lumMod val="75000"/>
-                  </a:schemeClr>
-                </a:solidFill>
-              </a:rPr>
-              <a:t>Switching partitions</a:t>
-            </a:r>
-          </a:p>
-        </p:txBody>
-      </p:sp>
-      <p:sp>
-        <p:nvSpPr>
-          <p:cNvPr id="3" name="Subtitle 2"/>
-          <p:cNvSpPr>
-            <a:spLocks noGrp="1"/>
-          </p:cNvSpPr>
-          <p:nvPr>
-            <p:ph idx="1"/>
-          </p:nvPr>
-        </p:nvSpPr>
-        <p:spPr>
-          <a:xfrm>
-            <a:off x="838200" y="1859492"/>
-            <a:ext cx="10515600" cy="4351338"/>
-          </a:xfrm>
-        </p:spPr>
-        <p:txBody>
-          <a:bodyPr/>
-          <a:lstStyle/>
-          <a:p>
-            <a:pPr marL="0" indent="0">
-              <a:buNone/>
-            </a:pPr>
-            <a:br>
-              <a:rPr lang="en-US" altLang="en-US" dirty="0">
-                <a:solidFill>
-                  <a:srgbClr val="0064C3"/>
-                </a:solidFill>
-              </a:rPr>
-            </a:br>
-            <a:br>
-              <a:rPr lang="en-US" altLang="en-US" dirty="0">
-                <a:solidFill>
-                  <a:srgbClr val="0064C3"/>
-                </a:solidFill>
-              </a:rPr>
-            </a:br>
-            <a:r>
-              <a:rPr lang="en-GB" dirty="0">
-                <a:solidFill>
-                  <a:srgbClr val="0000FF"/>
-                </a:solidFill>
-                <a:latin typeface="Consolas" panose="020B0609020204030204" pitchFamily="49" charset="0"/>
-              </a:rPr>
-              <a:t>ALTER</a:t>
-            </a:r>
-            <a:r>
-              <a:rPr lang="en-GB" dirty="0">
-                <a:solidFill>
-                  <a:prstClr val="black"/>
-                </a:solidFill>
-                <a:latin typeface="Consolas" panose="020B0609020204030204" pitchFamily="49" charset="0"/>
-              </a:rPr>
-              <a:t> </a:t>
-            </a:r>
-            <a:r>
-              <a:rPr lang="en-GB" dirty="0">
-                <a:solidFill>
-                  <a:srgbClr val="0000FF"/>
-                </a:solidFill>
-                <a:latin typeface="Consolas" panose="020B0609020204030204" pitchFamily="49" charset="0"/>
-              </a:rPr>
-              <a:t>TABLE</a:t>
-            </a:r>
-            <a:r>
-              <a:rPr lang="en-GB" dirty="0">
-                <a:solidFill>
-                  <a:prstClr val="black"/>
-                </a:solidFill>
-                <a:latin typeface="Consolas" panose="020B0609020204030204" pitchFamily="49" charset="0"/>
-              </a:rPr>
-              <a:t> </a:t>
-            </a:r>
-            <a:r>
-              <a:rPr lang="en-GB" dirty="0">
-                <a:solidFill>
-                  <a:srgbClr val="808080"/>
-                </a:solidFill>
-                <a:latin typeface="Consolas" panose="020B0609020204030204" pitchFamily="49" charset="0"/>
-              </a:rPr>
-              <a:t>[</a:t>
-            </a:r>
-            <a:r>
-              <a:rPr lang="en-GB" i="1" dirty="0">
-                <a:latin typeface="Consolas" panose="020B0609020204030204" pitchFamily="49" charset="0"/>
-              </a:rPr>
-              <a:t>Source Table</a:t>
-            </a:r>
-            <a:r>
-              <a:rPr lang="en-GB" dirty="0">
-                <a:solidFill>
-                  <a:srgbClr val="808080"/>
-                </a:solidFill>
-                <a:latin typeface="Consolas" panose="020B0609020204030204" pitchFamily="49" charset="0"/>
-              </a:rPr>
-              <a:t>]</a:t>
-            </a:r>
-            <a:br>
-              <a:rPr lang="en-GB" dirty="0">
-                <a:solidFill>
-                  <a:srgbClr val="808080"/>
-                </a:solidFill>
-                <a:latin typeface="Consolas" panose="020B0609020204030204" pitchFamily="49" charset="0"/>
-              </a:rPr>
-            </a:br>
-            <a:r>
-              <a:rPr lang="en-GB" dirty="0">
-                <a:solidFill>
-                  <a:prstClr val="black"/>
-                </a:solidFill>
-                <a:latin typeface="Consolas" panose="020B0609020204030204" pitchFamily="49" charset="0"/>
-              </a:rPr>
-              <a:t>	SWITCH </a:t>
-            </a:r>
-            <a:r>
-              <a:rPr lang="en-GB" dirty="0">
-                <a:solidFill>
-                  <a:srgbClr val="0000FF"/>
-                </a:solidFill>
-                <a:latin typeface="Consolas" panose="020B0609020204030204" pitchFamily="49" charset="0"/>
-              </a:rPr>
-              <a:t>PARTITION</a:t>
-            </a:r>
-            <a:r>
-              <a:rPr lang="en-GB" dirty="0">
-                <a:solidFill>
-                  <a:prstClr val="black"/>
-                </a:solidFill>
-                <a:latin typeface="Consolas" panose="020B0609020204030204" pitchFamily="49" charset="0"/>
-              </a:rPr>
-              <a:t> </a:t>
-            </a:r>
-            <a:r>
-              <a:rPr lang="en-GB" i="1" dirty="0" err="1">
-                <a:latin typeface="Consolas" panose="020B0609020204030204" pitchFamily="49" charset="0"/>
-              </a:rPr>
-              <a:t>Partition_Number</a:t>
-            </a:r>
-            <a:br>
-              <a:rPr lang="en-GB" dirty="0">
-                <a:solidFill>
-                  <a:srgbClr val="808080"/>
-                </a:solidFill>
-                <a:latin typeface="Consolas" panose="020B0609020204030204" pitchFamily="49" charset="0"/>
-              </a:rPr>
-            </a:br>
-            <a:r>
-              <a:rPr lang="en-GB" dirty="0">
-                <a:solidFill>
-                  <a:srgbClr val="0000FF"/>
-                </a:solidFill>
-                <a:latin typeface="Consolas" panose="020B0609020204030204" pitchFamily="49" charset="0"/>
-              </a:rPr>
-              <a:t>TO</a:t>
-            </a:r>
-            <a:r>
-              <a:rPr lang="en-GB" dirty="0">
-                <a:solidFill>
-                  <a:prstClr val="black"/>
-                </a:solidFill>
-                <a:latin typeface="Consolas" panose="020B0609020204030204" pitchFamily="49" charset="0"/>
-              </a:rPr>
-              <a:t> </a:t>
-            </a:r>
-            <a:r>
-              <a:rPr lang="en-GB" dirty="0">
-                <a:solidFill>
-                  <a:srgbClr val="808080"/>
-                </a:solidFill>
-                <a:latin typeface="Consolas" panose="020B0609020204030204" pitchFamily="49" charset="0"/>
-              </a:rPr>
-              <a:t>[</a:t>
-            </a:r>
-            <a:r>
-              <a:rPr lang="en-GB" i="1" dirty="0">
-                <a:latin typeface="Consolas" panose="020B0609020204030204" pitchFamily="49" charset="0"/>
-              </a:rPr>
-              <a:t>Destination Table</a:t>
-            </a:r>
-            <a:r>
-              <a:rPr lang="en-GB" dirty="0">
-                <a:solidFill>
-                  <a:srgbClr val="808080"/>
-                </a:solidFill>
-                <a:latin typeface="Consolas" panose="020B0609020204030204" pitchFamily="49" charset="0"/>
-              </a:rPr>
-              <a:t>] </a:t>
-            </a:r>
-            <a:br>
-              <a:rPr lang="en-GB" dirty="0">
-                <a:solidFill>
-                  <a:srgbClr val="808080"/>
-                </a:solidFill>
-                <a:latin typeface="Consolas" panose="020B0609020204030204" pitchFamily="49" charset="0"/>
-              </a:rPr>
-            </a:br>
-            <a:r>
-              <a:rPr lang="en-GB" dirty="0">
-                <a:solidFill>
-                  <a:srgbClr val="808080"/>
-                </a:solidFill>
-                <a:latin typeface="Consolas" panose="020B0609020204030204" pitchFamily="49" charset="0"/>
-              </a:rPr>
-              <a:t>	</a:t>
-            </a:r>
-            <a:r>
-              <a:rPr lang="en-GB" dirty="0"/>
-              <a:t>PARTITION </a:t>
-            </a:r>
-            <a:r>
-              <a:rPr lang="en-GB" i="1" dirty="0" err="1">
-                <a:latin typeface="Consolas" panose="020B0609020204030204" pitchFamily="49" charset="0"/>
-              </a:rPr>
-              <a:t>Partition_Number</a:t>
-            </a:r>
-            <a:r>
-              <a:rPr lang="en-GB" dirty="0">
-                <a:solidFill>
-                  <a:srgbClr val="808080"/>
-                </a:solidFill>
-                <a:latin typeface="Consolas" panose="020B0609020204030204" pitchFamily="49" charset="0"/>
-              </a:rPr>
-              <a:t>;</a:t>
-            </a:r>
+        <p:spPr/>
+        <p:txBody>
+          <a:bodyPr>
+            <a:normAutofit/>
+          </a:bodyPr>
+          <a:lstStyle/>
+          <a:p>
+            <a:r>
+              <a:rPr lang="en-GB" dirty="0">
+                <a:solidFill>
+                  <a:schemeClr val="accent1"/>
+                </a:solidFill>
+              </a:rPr>
+              <a:t>Demo</a:t>
+            </a:r>
+          </a:p>
+        </p:txBody>
+      </p:sp>
+      <p:sp>
+        <p:nvSpPr>
+          <p:cNvPr id="2" name="Text Placeholder 1"/>
+          <p:cNvSpPr>
+            <a:spLocks noGrp="1"/>
+          </p:cNvSpPr>
+          <p:nvPr>
+            <p:ph type="body" idx="1"/>
+          </p:nvPr>
+        </p:nvSpPr>
+        <p:spPr/>
+        <p:txBody>
+          <a:bodyPr/>
+          <a:lstStyle/>
+          <a:p>
             <a:endParaRPr lang="en-GB" dirty="0"/>
           </a:p>
         </p:txBody>
@@ -6713,7 +6539,7 @@
     </p:spTree>
     <p:extLst>
       <p:ext uri="{BB962C8B-B14F-4D97-AF65-F5344CB8AC3E}">
-        <p14:creationId xmlns:p14="http://schemas.microsoft.com/office/powerpoint/2010/main" val="2532181687"/>
+        <p14:creationId xmlns:p14="http://schemas.microsoft.com/office/powerpoint/2010/main" val="2184868820"/>
       </p:ext>
     </p:extLst>
   </p:cSld>
@@ -6742,49 +6568,46 @@
       </p:grpSpPr>
       <p:sp>
         <p:nvSpPr>
-          <p:cNvPr id="6" name="Title 5"/>
-          <p:cNvSpPr>
-            <a:spLocks noGrp="1"/>
-          </p:cNvSpPr>
-          <p:nvPr>
-            <p:ph type="ctrTitle"/>
+          <p:cNvPr id="4" name="Title 3"/>
+          <p:cNvSpPr>
+            <a:spLocks noGrp="1"/>
+          </p:cNvSpPr>
+          <p:nvPr>
+            <p:ph type="title"/>
           </p:nvPr>
         </p:nvSpPr>
         <p:spPr/>
         <p:txBody>
-          <a:bodyPr/>
-          <a:lstStyle/>
-          <a:p>
-            <a:r>
-              <a:rPr lang="en-GB" dirty="0">
-                <a:solidFill>
-                  <a:schemeClr val="accent1">
-                    <a:lumMod val="75000"/>
-                  </a:schemeClr>
-                </a:solidFill>
-              </a:rPr>
-              <a:t>Demo</a:t>
-            </a:r>
-          </a:p>
-        </p:txBody>
-      </p:sp>
-      <p:sp>
-        <p:nvSpPr>
-          <p:cNvPr id="3" name="Subtitle 2"/>
-          <p:cNvSpPr>
-            <a:spLocks noGrp="1"/>
-          </p:cNvSpPr>
-          <p:nvPr>
-            <p:ph type="subTitle" idx="1"/>
+          <a:bodyPr>
+            <a:normAutofit/>
+          </a:bodyPr>
+          <a:lstStyle/>
+          <a:p>
+            <a:r>
+              <a:rPr lang="en-GB" dirty="0">
+                <a:solidFill>
+                  <a:schemeClr val="accent1"/>
+                </a:solidFill>
+              </a:rPr>
+              <a:t>Switching partitions</a:t>
+            </a:r>
+          </a:p>
+        </p:txBody>
+      </p:sp>
+      <p:sp>
+        <p:nvSpPr>
+          <p:cNvPr id="2" name="Text Placeholder 1"/>
+          <p:cNvSpPr>
+            <a:spLocks noGrp="1"/>
+          </p:cNvSpPr>
+          <p:nvPr>
+            <p:ph type="body" idx="1"/>
           </p:nvPr>
         </p:nvSpPr>
         <p:spPr/>
         <p:txBody>
           <a:bodyPr/>
           <a:lstStyle/>
-          <a:p>
-            <a:endParaRPr lang="en-GB" dirty="0"/>
-          </a:p>
           <a:p>
             <a:endParaRPr lang="en-GB" dirty="0"/>
           </a:p>
@@ -6793,7 +6616,7 @@
     </p:spTree>
     <p:extLst>
       <p:ext uri="{BB962C8B-B14F-4D97-AF65-F5344CB8AC3E}">
-        <p14:creationId xmlns:p14="http://schemas.microsoft.com/office/powerpoint/2010/main" val="2629043009"/>
+        <p14:creationId xmlns:p14="http://schemas.microsoft.com/office/powerpoint/2010/main" val="3255852966"/>
       </p:ext>
     </p:extLst>
   </p:cSld>
@@ -6822,13 +6645,7 @@
       </p:grpSpPr>
       <p:sp>
         <p:nvSpPr>
-          <p:cNvPr id="2" name="Title 1">
-            <a:extLst>
-              <a:ext uri="{FF2B5EF4-FFF2-40B4-BE49-F238E27FC236}">
-                <a16:creationId xmlns:a16="http://schemas.microsoft.com/office/drawing/2014/main" id="{33988BB0-01DA-437F-A550-1E082458D794}"/>
-              </a:ext>
-            </a:extLst>
-          </p:cNvPr>
+          <p:cNvPr id="6" name="Title 5"/>
           <p:cNvSpPr>
             <a:spLocks noGrp="1"/>
           </p:cNvSpPr>
@@ -6838,8 +6655,8 @@
         </p:nvSpPr>
         <p:spPr>
           <a:xfrm>
-            <a:off x="346587" y="540774"/>
-            <a:ext cx="10515600" cy="727587"/>
+            <a:off x="346587" y="550606"/>
+            <a:ext cx="10515600" cy="727588"/>
           </a:xfrm>
         </p:spPr>
         <p:txBody>
@@ -6847,52 +6664,102 @@
           <a:lstStyle/>
           <a:p>
             <a:r>
-              <a:rPr lang="en-GB" dirty="0">
+              <a:rPr lang="en-US" altLang="en-US" dirty="0">
                 <a:solidFill>
                   <a:schemeClr val="accent1">
                     <a:lumMod val="75000"/>
                   </a:schemeClr>
                 </a:solidFill>
               </a:rPr>
-              <a:t>Partition Sliding Windows</a:t>
-            </a:r>
-            <a:endParaRPr lang="en-IE" dirty="0">
+              <a:t>Switching partitions</a:t>
+            </a:r>
+          </a:p>
+        </p:txBody>
+      </p:sp>
+      <p:sp>
+        <p:nvSpPr>
+          <p:cNvPr id="3" name="Subtitle 2"/>
+          <p:cNvSpPr>
+            <a:spLocks noGrp="1"/>
+          </p:cNvSpPr>
+          <p:nvPr>
+            <p:ph idx="1"/>
+          </p:nvPr>
+        </p:nvSpPr>
+        <p:spPr>
+          <a:xfrm>
+            <a:off x="838200" y="1859491"/>
+            <a:ext cx="10515600" cy="4521643"/>
+          </a:xfrm>
+        </p:spPr>
+        <p:txBody>
+          <a:bodyPr>
+            <a:normAutofit/>
+          </a:bodyPr>
+          <a:lstStyle/>
+          <a:p>
+            <a:pPr marL="0" indent="0">
+              <a:buNone/>
+            </a:pPr>
+            <a:r>
+              <a:rPr lang="en-US" altLang="en-US" dirty="0"/>
+              <a:t>Move a partition from one table to another</a:t>
+            </a:r>
+          </a:p>
+          <a:p>
+            <a:pPr marL="0" indent="0">
+              <a:buNone/>
+            </a:pPr>
+            <a:endParaRPr lang="en-US" altLang="en-US" dirty="0">
               <a:solidFill>
-                <a:schemeClr val="accent1">
-                  <a:lumMod val="75000"/>
-                </a:schemeClr>
+                <a:srgbClr val="0064C3"/>
               </a:solidFill>
             </a:endParaRPr>
           </a:p>
-        </p:txBody>
-      </p:sp>
-      <p:sp>
-        <p:nvSpPr>
-          <p:cNvPr id="3" name="Content Placeholder 2">
-            <a:extLst>
-              <a:ext uri="{FF2B5EF4-FFF2-40B4-BE49-F238E27FC236}">
-                <a16:creationId xmlns:a16="http://schemas.microsoft.com/office/drawing/2014/main" id="{54EDE585-0FD9-4476-891F-8B898450614A}"/>
-              </a:ext>
-            </a:extLst>
-          </p:cNvPr>
-          <p:cNvSpPr>
-            <a:spLocks noGrp="1"/>
-          </p:cNvSpPr>
-          <p:nvPr>
-            <p:ph idx="1"/>
-          </p:nvPr>
-        </p:nvSpPr>
-        <p:spPr/>
-        <p:txBody>
-          <a:bodyPr/>
-          <a:lstStyle/>
           <a:p>
             <a:pPr marL="0" indent="0">
               <a:buNone/>
             </a:pPr>
             <a:r>
-              <a:rPr lang="en-GB" dirty="0"/>
-              <a:t>Method to remove old data and bring in new data periodically</a:t>
+              <a:rPr lang="en-US" altLang="en-US" dirty="0"/>
+              <a:t>Meta-data operation, runs immediately </a:t>
+            </a:r>
+          </a:p>
+          <a:p>
+            <a:pPr marL="0" indent="0">
+              <a:buNone/>
+            </a:pPr>
+            <a:endParaRPr lang="en-US" altLang="en-US" dirty="0"/>
+          </a:p>
+          <a:p>
+            <a:pPr marL="0" indent="0">
+              <a:buNone/>
+            </a:pPr>
+            <a:r>
+              <a:rPr lang="en-US" altLang="en-US" dirty="0"/>
+              <a:t>Both tables must have the same structures</a:t>
+            </a:r>
+          </a:p>
+          <a:p>
+            <a:pPr marL="0" indent="0">
+              <a:buNone/>
+            </a:pPr>
+            <a:endParaRPr lang="en-US" altLang="en-US" dirty="0"/>
+          </a:p>
+          <a:p>
+            <a:pPr marL="0" indent="0">
+              <a:buNone/>
+            </a:pPr>
+            <a:r>
+              <a:rPr lang="en-US" altLang="en-US" dirty="0"/>
+              <a:t>Destination partition must be empty or…</a:t>
+            </a:r>
+            <a:br>
+              <a:rPr lang="en-US" altLang="en-US" dirty="0"/>
+            </a:br>
+            <a:r>
+              <a:rPr lang="en-US" altLang="en-US" dirty="0"/>
+              <a:t>if destination table is not partitioned, it must be completely empty</a:t>
             </a:r>
           </a:p>
           <a:p>
@@ -6900,38 +6767,13 @@
               <a:buNone/>
             </a:pPr>
             <a:endParaRPr lang="en-GB" dirty="0"/>
-          </a:p>
-          <a:p>
-            <a:pPr marL="0" indent="0">
-              <a:buNone/>
-            </a:pPr>
-            <a:r>
-              <a:rPr lang="en-GB" dirty="0"/>
-              <a:t>Implements the SWITCH, MERGE, &amp; SPLIT functions</a:t>
-            </a:r>
-          </a:p>
-          <a:p>
-            <a:pPr marL="0" indent="0">
-              <a:buNone/>
-            </a:pPr>
-            <a:endParaRPr lang="en-GB" dirty="0"/>
-          </a:p>
-          <a:p>
-            <a:pPr marL="0" indent="0">
-              <a:buNone/>
-            </a:pPr>
-            <a:r>
-              <a:rPr lang="en-GB" dirty="0"/>
-              <a:t>Partitions in the table move “forward” but the overall number of partitions remains the same</a:t>
-            </a:r>
-            <a:endParaRPr lang="en-IE" dirty="0"/>
           </a:p>
         </p:txBody>
       </p:sp>
     </p:spTree>
     <p:extLst>
       <p:ext uri="{BB962C8B-B14F-4D97-AF65-F5344CB8AC3E}">
-        <p14:creationId xmlns:p14="http://schemas.microsoft.com/office/powerpoint/2010/main" val="3693410996"/>
+        <p14:creationId xmlns:p14="http://schemas.microsoft.com/office/powerpoint/2010/main" val="2219803157"/>
       </p:ext>
     </p:extLst>
   </p:cSld>
@@ -6960,13 +6802,7 @@
       </p:grpSpPr>
       <p:sp>
         <p:nvSpPr>
-          <p:cNvPr id="2" name="Title 1">
-            <a:extLst>
-              <a:ext uri="{FF2B5EF4-FFF2-40B4-BE49-F238E27FC236}">
-                <a16:creationId xmlns:a16="http://schemas.microsoft.com/office/drawing/2014/main" id="{33988BB0-01DA-437F-A550-1E082458D794}"/>
-              </a:ext>
-            </a:extLst>
-          </p:cNvPr>
+          <p:cNvPr id="6" name="Title 5"/>
           <p:cNvSpPr>
             <a:spLocks noGrp="1"/>
           </p:cNvSpPr>
@@ -6976,8 +6812,8 @@
         </p:nvSpPr>
         <p:spPr>
           <a:xfrm>
-            <a:off x="346587" y="540774"/>
-            <a:ext cx="10515600" cy="727587"/>
+            <a:off x="346587" y="550606"/>
+            <a:ext cx="10515600" cy="717755"/>
           </a:xfrm>
         </p:spPr>
         <p:txBody>
@@ -6985,34 +6821,21 @@
           <a:lstStyle/>
           <a:p>
             <a:r>
-              <a:rPr lang="en-GB" dirty="0">
+              <a:rPr lang="en-US" altLang="en-US" dirty="0">
                 <a:solidFill>
                   <a:schemeClr val="accent1">
                     <a:lumMod val="75000"/>
                   </a:schemeClr>
                 </a:solidFill>
               </a:rPr>
-              <a:t>Partition Sliding Windows</a:t>
-            </a:r>
-            <a:endParaRPr lang="en-IE" dirty="0">
-              <a:solidFill>
-                <a:schemeClr val="accent1">
-                  <a:lumMod val="75000"/>
-                </a:schemeClr>
-              </a:solidFill>
-            </a:endParaRPr>
-          </a:p>
-        </p:txBody>
-      </p:sp>
-      <p:sp>
-        <p:nvSpPr>
-          <p:cNvPr id="3" name="Content Placeholder 2">
-            <a:extLst>
-              <a:ext uri="{FF2B5EF4-FFF2-40B4-BE49-F238E27FC236}">
-                <a16:creationId xmlns:a16="http://schemas.microsoft.com/office/drawing/2014/main" id="{54EDE585-0FD9-4476-891F-8B898450614A}"/>
-              </a:ext>
-            </a:extLst>
-          </p:cNvPr>
+              <a:t>Switching partitions</a:t>
+            </a:r>
+          </a:p>
+        </p:txBody>
+      </p:sp>
+      <p:sp>
+        <p:nvSpPr>
+          <p:cNvPr id="3" name="Subtitle 2"/>
           <p:cNvSpPr>
             <a:spLocks noGrp="1"/>
           </p:cNvSpPr>
@@ -7020,71 +6843,237 @@
             <p:ph idx="1"/>
           </p:nvPr>
         </p:nvSpPr>
-        <p:spPr/>
-        <p:txBody>
-          <a:bodyPr/>
-          <a:lstStyle/>
-          <a:p>
-            <a:pPr marL="514350" indent="-514350">
-              <a:buAutoNum type="arabicPeriod"/>
+        <p:spPr>
+          <a:xfrm>
+            <a:off x="838200" y="1859492"/>
+            <a:ext cx="10515600" cy="4351338"/>
+          </a:xfrm>
+        </p:spPr>
+        <p:txBody>
+          <a:bodyPr/>
+          <a:lstStyle/>
+          <a:p>
+            <a:pPr marL="0" indent="0">
+              <a:buNone/>
             </a:pPr>
+            <a:br>
+              <a:rPr lang="en-US" altLang="en-US" dirty="0">
+                <a:solidFill>
+                  <a:srgbClr val="0064C3"/>
+                </a:solidFill>
+              </a:rPr>
+            </a:br>
+            <a:br>
+              <a:rPr lang="en-US" altLang="en-US" dirty="0">
+                <a:solidFill>
+                  <a:srgbClr val="0064C3"/>
+                </a:solidFill>
+              </a:rPr>
+            </a:br>
+            <a:r>
+              <a:rPr lang="en-GB" dirty="0">
+                <a:solidFill>
+                  <a:srgbClr val="0000FF"/>
+                </a:solidFill>
+                <a:latin typeface="Consolas" panose="020B0609020204030204" pitchFamily="49" charset="0"/>
+              </a:rPr>
+              <a:t>ALTER</a:t>
+            </a:r>
+            <a:r>
+              <a:rPr lang="en-GB" dirty="0">
+                <a:solidFill>
+                  <a:prstClr val="black"/>
+                </a:solidFill>
+                <a:latin typeface="Consolas" panose="020B0609020204030204" pitchFamily="49" charset="0"/>
+              </a:rPr>
+              <a:t> </a:t>
+            </a:r>
+            <a:r>
+              <a:rPr lang="en-GB" dirty="0">
+                <a:solidFill>
+                  <a:srgbClr val="0000FF"/>
+                </a:solidFill>
+                <a:latin typeface="Consolas" panose="020B0609020204030204" pitchFamily="49" charset="0"/>
+              </a:rPr>
+              <a:t>TABLE</a:t>
+            </a:r>
+            <a:r>
+              <a:rPr lang="en-GB" dirty="0">
+                <a:solidFill>
+                  <a:prstClr val="black"/>
+                </a:solidFill>
+                <a:latin typeface="Consolas" panose="020B0609020204030204" pitchFamily="49" charset="0"/>
+              </a:rPr>
+              <a:t> </a:t>
+            </a:r>
+            <a:r>
+              <a:rPr lang="en-GB" dirty="0">
+                <a:solidFill>
+                  <a:srgbClr val="808080"/>
+                </a:solidFill>
+                <a:latin typeface="Consolas" panose="020B0609020204030204" pitchFamily="49" charset="0"/>
+              </a:rPr>
+              <a:t>[</a:t>
+            </a:r>
+            <a:r>
+              <a:rPr lang="en-GB" i="1" dirty="0">
+                <a:latin typeface="Consolas" panose="020B0609020204030204" pitchFamily="49" charset="0"/>
+              </a:rPr>
+              <a:t>Source Table</a:t>
+            </a:r>
+            <a:r>
+              <a:rPr lang="en-GB" dirty="0">
+                <a:solidFill>
+                  <a:srgbClr val="808080"/>
+                </a:solidFill>
+                <a:latin typeface="Consolas" panose="020B0609020204030204" pitchFamily="49" charset="0"/>
+              </a:rPr>
+              <a:t>]</a:t>
+            </a:r>
+            <a:br>
+              <a:rPr lang="en-GB" dirty="0">
+                <a:solidFill>
+                  <a:srgbClr val="808080"/>
+                </a:solidFill>
+                <a:latin typeface="Consolas" panose="020B0609020204030204" pitchFamily="49" charset="0"/>
+              </a:rPr>
+            </a:br>
+            <a:r>
+              <a:rPr lang="en-GB" dirty="0">
+                <a:solidFill>
+                  <a:prstClr val="black"/>
+                </a:solidFill>
+                <a:latin typeface="Consolas" panose="020B0609020204030204" pitchFamily="49" charset="0"/>
+              </a:rPr>
+              <a:t>	SWITCH </a:t>
+            </a:r>
+            <a:r>
+              <a:rPr lang="en-GB" dirty="0">
+                <a:solidFill>
+                  <a:srgbClr val="0000FF"/>
+                </a:solidFill>
+                <a:latin typeface="Consolas" panose="020B0609020204030204" pitchFamily="49" charset="0"/>
+              </a:rPr>
+              <a:t>PARTITION</a:t>
+            </a:r>
+            <a:r>
+              <a:rPr lang="en-GB" dirty="0">
+                <a:solidFill>
+                  <a:prstClr val="black"/>
+                </a:solidFill>
+                <a:latin typeface="Consolas" panose="020B0609020204030204" pitchFamily="49" charset="0"/>
+              </a:rPr>
+              <a:t> </a:t>
+            </a:r>
+            <a:r>
+              <a:rPr lang="en-GB" i="1" dirty="0" err="1">
+                <a:latin typeface="Consolas" panose="020B0609020204030204" pitchFamily="49" charset="0"/>
+              </a:rPr>
+              <a:t>Partition_Number</a:t>
+            </a:r>
+            <a:br>
+              <a:rPr lang="en-GB" dirty="0">
+                <a:solidFill>
+                  <a:srgbClr val="808080"/>
+                </a:solidFill>
+                <a:latin typeface="Consolas" panose="020B0609020204030204" pitchFamily="49" charset="0"/>
+              </a:rPr>
+            </a:br>
+            <a:r>
+              <a:rPr lang="en-GB" dirty="0">
+                <a:solidFill>
+                  <a:srgbClr val="0000FF"/>
+                </a:solidFill>
+                <a:latin typeface="Consolas" panose="020B0609020204030204" pitchFamily="49" charset="0"/>
+              </a:rPr>
+              <a:t>TO</a:t>
+            </a:r>
+            <a:r>
+              <a:rPr lang="en-GB" dirty="0">
+                <a:solidFill>
+                  <a:prstClr val="black"/>
+                </a:solidFill>
+                <a:latin typeface="Consolas" panose="020B0609020204030204" pitchFamily="49" charset="0"/>
+              </a:rPr>
+              <a:t> </a:t>
+            </a:r>
+            <a:r>
+              <a:rPr lang="en-GB" dirty="0">
+                <a:solidFill>
+                  <a:srgbClr val="808080"/>
+                </a:solidFill>
+                <a:latin typeface="Consolas" panose="020B0609020204030204" pitchFamily="49" charset="0"/>
+              </a:rPr>
+              <a:t>[</a:t>
+            </a:r>
+            <a:r>
+              <a:rPr lang="en-GB" i="1" dirty="0">
+                <a:latin typeface="Consolas" panose="020B0609020204030204" pitchFamily="49" charset="0"/>
+              </a:rPr>
+              <a:t>Destination Table</a:t>
+            </a:r>
+            <a:r>
+              <a:rPr lang="en-GB" dirty="0">
+                <a:solidFill>
+                  <a:srgbClr val="808080"/>
+                </a:solidFill>
+                <a:latin typeface="Consolas" panose="020B0609020204030204" pitchFamily="49" charset="0"/>
+              </a:rPr>
+              <a:t>] </a:t>
+            </a:r>
+            <a:br>
+              <a:rPr lang="en-GB" dirty="0">
+                <a:solidFill>
+                  <a:srgbClr val="808080"/>
+                </a:solidFill>
+                <a:latin typeface="Consolas" panose="020B0609020204030204" pitchFamily="49" charset="0"/>
+              </a:rPr>
+            </a:br>
+            <a:r>
+              <a:rPr lang="en-GB" dirty="0">
+                <a:solidFill>
+                  <a:srgbClr val="808080"/>
+                </a:solidFill>
+                <a:latin typeface="Consolas" panose="020B0609020204030204" pitchFamily="49" charset="0"/>
+              </a:rPr>
+              <a:t>	</a:t>
+            </a:r>
+            <a:r>
+              <a:rPr lang="en-GB" dirty="0">
+                <a:solidFill>
+                  <a:srgbClr val="0000FF"/>
+                </a:solidFill>
+                <a:latin typeface="Consolas" panose="020B0609020204030204" pitchFamily="49" charset="0"/>
+              </a:rPr>
+              <a:t>PARTITION</a:t>
+            </a:r>
             <a:r>
               <a:rPr lang="en-GB" dirty="0"/>
-              <a:t>SWITCH oldest partition in live table to archive table</a:t>
-            </a:r>
-          </a:p>
-          <a:p>
-            <a:pPr marL="514350" indent="-514350">
-              <a:buAutoNum type="arabicPeriod"/>
-            </a:pPr>
-            <a:r>
-              <a:rPr lang="en-GB" dirty="0"/>
-              <a:t>MERGE oldest partition</a:t>
-            </a:r>
-          </a:p>
-          <a:p>
-            <a:pPr marL="514350" indent="-514350">
-              <a:buAutoNum type="arabicPeriod"/>
-            </a:pPr>
-            <a:r>
-              <a:rPr lang="en-GB" dirty="0"/>
-              <a:t>SPLIT new partition</a:t>
-            </a:r>
-          </a:p>
-          <a:p>
-            <a:pPr marL="514350" indent="-514350">
-              <a:buAutoNum type="arabicPeriod"/>
-            </a:pPr>
-            <a:r>
-              <a:rPr lang="en-GB" dirty="0"/>
-              <a:t>Load new data into staging table</a:t>
-            </a:r>
-          </a:p>
-          <a:p>
-            <a:pPr marL="514350" indent="-514350">
-              <a:buAutoNum type="arabicPeriod"/>
-            </a:pPr>
-            <a:r>
-              <a:rPr lang="en-GB" dirty="0"/>
-              <a:t>SWITCH data from staging table to live table</a:t>
-            </a:r>
-          </a:p>
-          <a:p>
-            <a:pPr marL="514350" indent="-514350">
-              <a:buAutoNum type="arabicPeriod"/>
-            </a:pPr>
-            <a:r>
-              <a:rPr lang="en-GB" dirty="0"/>
-              <a:t>Update statistics on live table</a:t>
-            </a:r>
-            <a:endParaRPr lang="en-IE" dirty="0"/>
+              <a:t> </a:t>
+            </a:r>
+            <a:r>
+              <a:rPr lang="en-GB" i="1" dirty="0" err="1">
+                <a:latin typeface="Consolas" panose="020B0609020204030204" pitchFamily="49" charset="0"/>
+              </a:rPr>
+              <a:t>Partition_Number</a:t>
+            </a:r>
+            <a:r>
+              <a:rPr lang="en-GB" dirty="0">
+                <a:solidFill>
+                  <a:srgbClr val="808080"/>
+                </a:solidFill>
+                <a:latin typeface="Consolas" panose="020B0609020204030204" pitchFamily="49" charset="0"/>
+              </a:rPr>
+              <a:t>;</a:t>
+            </a:r>
+            <a:endParaRPr lang="en-GB" dirty="0"/>
           </a:p>
         </p:txBody>
       </p:sp>
     </p:spTree>
     <p:extLst>
       <p:ext uri="{BB962C8B-B14F-4D97-AF65-F5344CB8AC3E}">
-        <p14:creationId xmlns:p14="http://schemas.microsoft.com/office/powerpoint/2010/main" val="3609046609"/>
+        <p14:creationId xmlns:p14="http://schemas.microsoft.com/office/powerpoint/2010/main" val="2532181687"/>
       </p:ext>
     </p:extLst>
   </p:cSld>
@@ -7113,25 +7102,25 @@
       </p:grpSpPr>
       <p:sp>
         <p:nvSpPr>
-          <p:cNvPr id="6" name="Title 5"/>
-          <p:cNvSpPr>
-            <a:spLocks noGrp="1"/>
-          </p:cNvSpPr>
-          <p:nvPr>
-            <p:ph type="ctrTitle"/>
+          <p:cNvPr id="4" name="Title 3"/>
+          <p:cNvSpPr>
+            <a:spLocks noGrp="1"/>
+          </p:cNvSpPr>
+          <p:nvPr>
+            <p:ph type="title"/>
           </p:nvPr>
         </p:nvSpPr>
         <p:spPr/>
         <p:txBody>
-          <a:bodyPr/>
-          <a:lstStyle/>
-          <a:p>
-            <a:r>
-              <a:rPr lang="en-GB" dirty="0">
-                <a:solidFill>
-                  <a:schemeClr val="accent1">
-                    <a:lumMod val="75000"/>
-                  </a:schemeClr>
+          <a:bodyPr>
+            <a:normAutofit/>
+          </a:bodyPr>
+          <a:lstStyle/>
+          <a:p>
+            <a:r>
+              <a:rPr lang="en-GB" dirty="0">
+                <a:solidFill>
+                  <a:schemeClr val="accent1"/>
                 </a:solidFill>
               </a:rPr>
               <a:t>Demo</a:t>
@@ -7141,21 +7130,18 @@
       </p:sp>
       <p:sp>
         <p:nvSpPr>
-          <p:cNvPr id="3" name="Subtitle 2"/>
-          <p:cNvSpPr>
-            <a:spLocks noGrp="1"/>
-          </p:cNvSpPr>
-          <p:nvPr>
-            <p:ph type="subTitle" idx="1"/>
+          <p:cNvPr id="2" name="Text Placeholder 1"/>
+          <p:cNvSpPr>
+            <a:spLocks noGrp="1"/>
+          </p:cNvSpPr>
+          <p:nvPr>
+            <p:ph type="body" idx="1"/>
           </p:nvPr>
         </p:nvSpPr>
         <p:spPr/>
         <p:txBody>
           <a:bodyPr/>
           <a:lstStyle/>
-          <a:p>
-            <a:endParaRPr lang="en-GB" dirty="0"/>
-          </a:p>
           <a:p>
             <a:endParaRPr lang="en-GB" dirty="0"/>
           </a:p>
@@ -7164,7 +7150,7 @@
     </p:spTree>
     <p:extLst>
       <p:ext uri="{BB962C8B-B14F-4D97-AF65-F5344CB8AC3E}">
-        <p14:creationId xmlns:p14="http://schemas.microsoft.com/office/powerpoint/2010/main" val="823402981"/>
+        <p14:creationId xmlns:p14="http://schemas.microsoft.com/office/powerpoint/2010/main" val="2024316704"/>
       </p:ext>
     </p:extLst>
   </p:cSld>
@@ -7193,173 +7179,81 @@
       </p:grpSpPr>
       <p:sp>
         <p:nvSpPr>
-          <p:cNvPr id="3" name="Content Placeholder 2"/>
-          <p:cNvSpPr>
-            <a:spLocks noGrp="1"/>
-          </p:cNvSpPr>
-          <p:nvPr>
-            <p:ph type="body" sz="half" idx="2"/>
+          <p:cNvPr id="6" name="Title 5"/>
+          <p:cNvSpPr>
+            <a:spLocks noGrp="1"/>
+          </p:cNvSpPr>
+          <p:nvPr>
+            <p:ph type="title"/>
           </p:nvPr>
         </p:nvSpPr>
         <p:spPr>
           <a:xfrm>
-            <a:off x="332496" y="1507253"/>
-            <a:ext cx="5687877" cy="4871940"/>
+            <a:off x="331596" y="552659"/>
+            <a:ext cx="10515600" cy="723482"/>
           </a:xfrm>
         </p:spPr>
         <p:txBody>
           <a:bodyPr>
-            <a:noAutofit/>
+            <a:normAutofit/>
           </a:bodyPr>
           <a:lstStyle/>
           <a:p>
             <a:r>
-              <a:rPr lang="en-GB" sz="2800" b="1" dirty="0"/>
-              <a:t>Andrew Pruski</a:t>
-            </a:r>
-          </a:p>
-          <a:p>
-            <a:endParaRPr lang="en-GB" sz="2000" b="1" dirty="0"/>
-          </a:p>
-          <a:p>
-            <a:r>
-              <a:rPr lang="en-GB" sz="2000" dirty="0"/>
-              <a:t>@</a:t>
-            </a:r>
-            <a:r>
-              <a:rPr lang="en-GB" sz="2000" dirty="0" err="1"/>
-              <a:t>DBAFromTheCold</a:t>
-            </a:r>
-            <a:endParaRPr lang="en-GB" sz="2000" dirty="0"/>
-          </a:p>
-          <a:p>
-            <a:r>
-              <a:rPr lang="en-GB" sz="2000" dirty="0">
-                <a:hlinkClick r:id="rId2"/>
-              </a:rPr>
-              <a:t>dbafromthecold@gmail.com</a:t>
-            </a:r>
-            <a:r>
-              <a:rPr lang="en-GB" sz="2000" dirty="0"/>
-              <a:t> </a:t>
-            </a:r>
-          </a:p>
-          <a:p>
-            <a:r>
-              <a:rPr lang="en-GB" sz="2000" dirty="0">
-                <a:hlinkClick r:id="rId3"/>
-              </a:rPr>
-              <a:t>www.dbafromthecold.com</a:t>
-            </a:r>
-            <a:r>
-              <a:rPr lang="en-GB" sz="2000" dirty="0"/>
-              <a:t> </a:t>
-            </a:r>
-          </a:p>
-          <a:p>
-            <a:endParaRPr lang="en-GB" sz="2000" dirty="0"/>
-          </a:p>
-          <a:p>
-            <a:r>
-              <a:rPr lang="en-GB" sz="2000" dirty="0"/>
-              <a:t>SQL Server DBA for 6 years</a:t>
-            </a:r>
-          </a:p>
-          <a:p>
-            <a:r>
-              <a:rPr lang="en-GB" sz="2000" dirty="0"/>
-              <a:t>Data Platform MVP</a:t>
-            </a:r>
-          </a:p>
-          <a:p>
-            <a:r>
-              <a:rPr lang="en-GB" sz="2000" dirty="0"/>
-              <a:t>Working with RDBMS for ~10 years</a:t>
-            </a:r>
-          </a:p>
-          <a:p>
-            <a:endParaRPr lang="en-GB" sz="2000" dirty="0"/>
-          </a:p>
-          <a:p>
-            <a:r>
-              <a:rPr lang="en-GB" sz="2000" dirty="0"/>
-              <a:t>Originally from Wales, now living in Dublin</a:t>
-            </a:r>
-          </a:p>
-        </p:txBody>
-      </p:sp>
-      <p:pic>
-        <p:nvPicPr>
-          <p:cNvPr id="11" name="Picture Placeholder 10">
-            <a:extLst>
-              <a:ext uri="{FF2B5EF4-FFF2-40B4-BE49-F238E27FC236}">
-                <a16:creationId xmlns:a16="http://schemas.microsoft.com/office/drawing/2014/main" id="{91456E69-669B-4B3F-8F79-98E110A2EBC9}"/>
-              </a:ext>
-            </a:extLst>
-          </p:cNvPr>
-          <p:cNvPicPr preferRelativeResize="0">
-            <a:picLocks noGrp="1" noChangeAspect="1"/>
-          </p:cNvPicPr>
-          <p:nvPr>
-            <p:ph type="pic" idx="1"/>
-          </p:nvPr>
-        </p:nvPicPr>
-        <p:blipFill>
-          <a:blip r:embed="rId4">
-            <a:extLst>
-              <a:ext uri="{28A0092B-C50C-407E-A947-70E740481C1C}">
-                <a14:useLocalDpi xmlns:a14="http://schemas.microsoft.com/office/drawing/2010/main" val="0"/>
-              </a:ext>
-            </a:extLst>
-          </a:blip>
-          <a:stretch>
-            <a:fillRect/>
-          </a:stretch>
-        </p:blipFill>
-        <p:spPr>
-          <a:xfrm>
-            <a:off x="6171629" y="1125933"/>
-            <a:ext cx="5033706" cy="4606133"/>
-          </a:xfrm>
-        </p:spPr>
-      </p:pic>
-      <p:sp>
-        <p:nvSpPr>
-          <p:cNvPr id="4" name="Title 5">
-            <a:extLst>
-              <a:ext uri="{FF2B5EF4-FFF2-40B4-BE49-F238E27FC236}">
-                <a16:creationId xmlns:a16="http://schemas.microsoft.com/office/drawing/2014/main" id="{70869C8A-19C3-4106-8ABE-A0D1E3A2EB00}"/>
-              </a:ext>
-            </a:extLst>
-          </p:cNvPr>
-          <p:cNvSpPr>
-            <a:spLocks noGrp="1"/>
-          </p:cNvSpPr>
-          <p:nvPr>
-            <p:ph type="title"/>
-          </p:nvPr>
-        </p:nvSpPr>
-        <p:spPr>
-          <a:xfrm>
-            <a:off x="332496" y="552658"/>
-            <a:ext cx="10184004" cy="693337"/>
-          </a:xfrm>
-        </p:spPr>
-        <p:txBody>
-          <a:bodyPr>
-            <a:noAutofit/>
-          </a:bodyPr>
-          <a:lstStyle/>
-          <a:p>
-            <a:r>
-              <a:rPr lang="en-US" altLang="en-US" sz="4400" dirty="0">
+              <a:rPr lang="en-US" altLang="en-US" dirty="0">
                 <a:solidFill>
                   <a:schemeClr val="accent1">
                     <a:lumMod val="75000"/>
                   </a:schemeClr>
                 </a:solidFill>
               </a:rPr>
-              <a:t>About Me</a:t>
+              <a:t>Session Aim</a:t>
+            </a:r>
+          </a:p>
+        </p:txBody>
+      </p:sp>
+      <p:sp>
+        <p:nvSpPr>
+          <p:cNvPr id="3" name="Subtitle 2"/>
+          <p:cNvSpPr>
+            <a:spLocks noGrp="1"/>
+          </p:cNvSpPr>
+          <p:nvPr>
+            <p:ph idx="1"/>
+          </p:nvPr>
+        </p:nvSpPr>
+        <p:spPr/>
+        <p:txBody>
+          <a:bodyPr/>
+          <a:lstStyle/>
+          <a:p>
+            <a:pPr marL="0" indent="0" algn="ctr">
+              <a:buNone/>
+            </a:pPr>
+            <a:endParaRPr lang="en-GB" dirty="0"/>
+          </a:p>
+          <a:p>
+            <a:pPr marL="0" indent="0" algn="ctr">
+              <a:buNone/>
+            </a:pPr>
+            <a:endParaRPr lang="en-GB" dirty="0"/>
+          </a:p>
+          <a:p>
+            <a:pPr marL="0" indent="0" algn="ctr">
+              <a:buNone/>
+            </a:pPr>
+            <a:r>
+              <a:rPr lang="en-GB" sz="4400" dirty="0"/>
+              <a:t>To give you a base of knowledge to work </a:t>
+            </a:r>
+          </a:p>
+          <a:p>
+            <a:pPr marL="0" indent="0" algn="ctr">
+              <a:buNone/>
+            </a:pPr>
+            <a:r>
+              <a:rPr lang="en-GB" sz="4400" dirty="0"/>
+              <a:t>with partitioning in SQL Server</a:t>
             </a:r>
           </a:p>
         </p:txBody>
@@ -7367,7 +7261,7 @@
     </p:spTree>
     <p:extLst>
       <p:ext uri="{BB962C8B-B14F-4D97-AF65-F5344CB8AC3E}">
-        <p14:creationId xmlns:p14="http://schemas.microsoft.com/office/powerpoint/2010/main" val="716322671"/>
+        <p14:creationId xmlns:p14="http://schemas.microsoft.com/office/powerpoint/2010/main" val="3724825034"/>
       </p:ext>
     </p:extLst>
   </p:cSld>
@@ -7396,13 +7290,7 @@
       </p:grpSpPr>
       <p:sp>
         <p:nvSpPr>
-          <p:cNvPr id="2" name="Title 1">
-            <a:extLst>
-              <a:ext uri="{FF2B5EF4-FFF2-40B4-BE49-F238E27FC236}">
-                <a16:creationId xmlns:a16="http://schemas.microsoft.com/office/drawing/2014/main" id="{5FF2DD40-C302-445D-9980-036F52F330E3}"/>
-              </a:ext>
-            </a:extLst>
-          </p:cNvPr>
+          <p:cNvPr id="4" name="Title 3"/>
           <p:cNvSpPr>
             <a:spLocks noGrp="1"/>
           </p:cNvSpPr>
@@ -7410,117 +7298,47 @@
             <p:ph type="title"/>
           </p:nvPr>
         </p:nvSpPr>
-        <p:spPr>
-          <a:xfrm>
-            <a:off x="346587" y="530943"/>
-            <a:ext cx="10515600" cy="747252"/>
-          </a:xfrm>
-        </p:spPr>
-        <p:txBody>
-          <a:bodyPr/>
-          <a:lstStyle/>
-          <a:p>
-            <a:r>
-              <a:rPr lang="en-GB" dirty="0">
-                <a:solidFill>
-                  <a:schemeClr val="accent1">
-                    <a:lumMod val="75000"/>
-                  </a:schemeClr>
-                </a:solidFill>
-              </a:rPr>
-              <a:t>Filegroup Restores</a:t>
-            </a:r>
-            <a:endParaRPr lang="en-IE" dirty="0">
-              <a:solidFill>
-                <a:schemeClr val="accent1">
-                  <a:lumMod val="75000"/>
-                </a:schemeClr>
-              </a:solidFill>
-            </a:endParaRPr>
-          </a:p>
-        </p:txBody>
-      </p:sp>
-      <p:sp>
-        <p:nvSpPr>
-          <p:cNvPr id="3" name="Content Placeholder 2">
-            <a:extLst>
-              <a:ext uri="{FF2B5EF4-FFF2-40B4-BE49-F238E27FC236}">
-                <a16:creationId xmlns:a16="http://schemas.microsoft.com/office/drawing/2014/main" id="{2CADD52D-D0A1-4DC6-B975-12A205A2BEF1}"/>
-              </a:ext>
-            </a:extLst>
-          </p:cNvPr>
-          <p:cNvSpPr>
-            <a:spLocks noGrp="1"/>
-          </p:cNvSpPr>
-          <p:nvPr>
-            <p:ph idx="1"/>
-          </p:nvPr>
-        </p:nvSpPr>
         <p:spPr/>
         <p:txBody>
-          <a:bodyPr/>
-          <a:lstStyle/>
-          <a:p>
-            <a:pPr marL="0" indent="0">
-              <a:buNone/>
-            </a:pPr>
-            <a:r>
-              <a:rPr lang="en-GB" dirty="0"/>
-              <a:t>Can be useful for VLDBs</a:t>
-            </a:r>
-          </a:p>
-          <a:p>
-            <a:pPr marL="0" indent="0">
-              <a:buNone/>
-            </a:pPr>
+          <a:bodyPr>
+            <a:normAutofit/>
+          </a:bodyPr>
+          <a:lstStyle/>
+          <a:p>
+            <a:r>
+              <a:rPr lang="en-GB" dirty="0">
+                <a:solidFill>
+                  <a:schemeClr val="accent1"/>
+                </a:solidFill>
+              </a:rPr>
+              <a:t>Implementing Partition Sliding Windows</a:t>
+            </a:r>
+          </a:p>
+        </p:txBody>
+      </p:sp>
+      <p:sp>
+        <p:nvSpPr>
+          <p:cNvPr id="2" name="Text Placeholder 1"/>
+          <p:cNvSpPr>
+            <a:spLocks noGrp="1"/>
+          </p:cNvSpPr>
+          <p:nvPr>
+            <p:ph type="body" idx="1"/>
+          </p:nvPr>
+        </p:nvSpPr>
+        <p:spPr/>
+        <p:txBody>
+          <a:bodyPr/>
+          <a:lstStyle/>
+          <a:p>
             <a:endParaRPr lang="en-GB" dirty="0"/>
-          </a:p>
-          <a:p>
-            <a:pPr marL="0" indent="0">
-              <a:buNone/>
-            </a:pPr>
-            <a:r>
-              <a:rPr lang="en-GB" dirty="0"/>
-              <a:t>Individual partitions are on different filegroups</a:t>
-            </a:r>
-          </a:p>
-          <a:p>
-            <a:pPr marL="0" indent="0">
-              <a:buNone/>
-            </a:pPr>
-            <a:endParaRPr lang="en-GB" dirty="0"/>
-          </a:p>
-          <a:p>
-            <a:pPr marL="0" indent="0">
-              <a:buNone/>
-            </a:pPr>
-            <a:r>
-              <a:rPr lang="en-GB" dirty="0"/>
-              <a:t>Data in older partitions does not change</a:t>
-            </a:r>
-          </a:p>
-          <a:p>
-            <a:pPr marL="0" indent="0">
-              <a:buNone/>
-            </a:pPr>
-            <a:endParaRPr lang="en-GB" dirty="0"/>
-          </a:p>
-          <a:p>
-            <a:pPr marL="0" indent="0">
-              <a:buNone/>
-            </a:pPr>
-            <a:r>
-              <a:rPr lang="en-GB" dirty="0"/>
-              <a:t>Reduce recovery time for “active” data</a:t>
-            </a:r>
-            <a:endParaRPr lang="en-IE" dirty="0"/>
           </a:p>
         </p:txBody>
       </p:sp>
     </p:spTree>
     <p:extLst>
       <p:ext uri="{BB962C8B-B14F-4D97-AF65-F5344CB8AC3E}">
-        <p14:creationId xmlns:p14="http://schemas.microsoft.com/office/powerpoint/2010/main" val="1181230955"/>
+        <p14:creationId xmlns:p14="http://schemas.microsoft.com/office/powerpoint/2010/main" val="4164532046"/>
       </p:ext>
     </p:extLst>
   </p:cSld>
@@ -7549,15 +7367,26 @@
       </p:grpSpPr>
       <p:sp>
         <p:nvSpPr>
-          <p:cNvPr id="6" name="Title 5"/>
-          <p:cNvSpPr>
-            <a:spLocks noGrp="1"/>
-          </p:cNvSpPr>
-          <p:nvPr>
-            <p:ph type="ctrTitle"/>
-          </p:nvPr>
-        </p:nvSpPr>
-        <p:spPr/>
+          <p:cNvPr id="2" name="Title 1">
+            <a:extLst>
+              <a:ext uri="{FF2B5EF4-FFF2-40B4-BE49-F238E27FC236}">
+                <a16:creationId xmlns:a16="http://schemas.microsoft.com/office/drawing/2014/main" id="{33988BB0-01DA-437F-A550-1E082458D794}"/>
+              </a:ext>
+            </a:extLst>
+          </p:cNvPr>
+          <p:cNvSpPr>
+            <a:spLocks noGrp="1"/>
+          </p:cNvSpPr>
+          <p:nvPr>
+            <p:ph type="title"/>
+          </p:nvPr>
+        </p:nvSpPr>
+        <p:spPr>
+          <a:xfrm>
+            <a:off x="346587" y="540774"/>
+            <a:ext cx="10515600" cy="727587"/>
+          </a:xfrm>
+        </p:spPr>
         <p:txBody>
           <a:bodyPr/>
           <a:lstStyle/>
@@ -7570,19 +7399,32 @@
                   </a:schemeClr>
                 </a:solidFill>
               </a:rPr>
-              <a:t>Demo</a:t>
-            </a:r>
-          </a:p>
-        </p:txBody>
-      </p:sp>
-      <p:sp>
-        <p:nvSpPr>
-          <p:cNvPr id="3" name="Subtitle 2"/>
-          <p:cNvSpPr>
-            <a:spLocks noGrp="1"/>
-          </p:cNvSpPr>
-          <p:nvPr>
-            <p:ph type="subTitle" idx="1"/>
+              <a:t>Partition Sliding Windows</a:t>
+            </a:r>
+            <a:endParaRPr lang="en-IE" dirty="0">
+              <a:solidFill>
+                <a:schemeClr val="accent1">
+                  <a:lumMod val="75000"/>
+                </a:schemeClr>
+              </a:solidFill>
+            </a:endParaRPr>
+          </a:p>
+        </p:txBody>
+      </p:sp>
+      <p:sp>
+        <p:nvSpPr>
+          <p:cNvPr id="3" name="Content Placeholder 2">
+            <a:extLst>
+              <a:ext uri="{FF2B5EF4-FFF2-40B4-BE49-F238E27FC236}">
+                <a16:creationId xmlns:a16="http://schemas.microsoft.com/office/drawing/2014/main" id="{54EDE585-0FD9-4476-891F-8B898450614A}"/>
+              </a:ext>
+            </a:extLst>
+          </p:cNvPr>
+          <p:cNvSpPr>
+            <a:spLocks noGrp="1"/>
+          </p:cNvSpPr>
+          <p:nvPr>
+            <p:ph idx="1"/>
           </p:nvPr>
         </p:nvSpPr>
         <p:spPr/>
@@ -7590,17 +7432,51 @@
           <a:bodyPr/>
           <a:lstStyle/>
           <a:p>
+            <a:pPr marL="0" indent="0">
+              <a:buNone/>
+            </a:pPr>
+            <a:r>
+              <a:rPr lang="en-GB" dirty="0"/>
+              <a:t>Method to remove old data and bring in new data periodically</a:t>
+            </a:r>
+          </a:p>
+          <a:p>
+            <a:pPr marL="0" indent="0">
+              <a:buNone/>
+            </a:pPr>
             <a:endParaRPr lang="en-GB" dirty="0"/>
           </a:p>
           <a:p>
+            <a:pPr marL="0" indent="0">
+              <a:buNone/>
+            </a:pPr>
+            <a:r>
+              <a:rPr lang="en-GB" dirty="0"/>
+              <a:t>Implements the SWITCH, MERGE, &amp; SPLIT functions</a:t>
+            </a:r>
+          </a:p>
+          <a:p>
+            <a:pPr marL="0" indent="0">
+              <a:buNone/>
+            </a:pPr>
             <a:endParaRPr lang="en-GB" dirty="0"/>
+          </a:p>
+          <a:p>
+            <a:pPr marL="0" indent="0">
+              <a:buNone/>
+            </a:pPr>
+            <a:r>
+              <a:rPr lang="en-GB" dirty="0"/>
+              <a:t>Partitions in the table move “forward” but the overall number of partitions remains the same</a:t>
+            </a:r>
+            <a:endParaRPr lang="en-IE" dirty="0"/>
           </a:p>
         </p:txBody>
       </p:sp>
     </p:spTree>
     <p:extLst>
       <p:ext uri="{BB962C8B-B14F-4D97-AF65-F5344CB8AC3E}">
-        <p14:creationId xmlns:p14="http://schemas.microsoft.com/office/powerpoint/2010/main" val="2918847096"/>
+        <p14:creationId xmlns:p14="http://schemas.microsoft.com/office/powerpoint/2010/main" val="3693410996"/>
       </p:ext>
     </p:extLst>
   </p:cSld>
@@ -7645,8 +7521,8 @@
         </p:nvSpPr>
         <p:spPr>
           <a:xfrm>
-            <a:off x="326923" y="530942"/>
-            <a:ext cx="10515600" cy="737420"/>
+            <a:off x="346587" y="540774"/>
+            <a:ext cx="10515600" cy="727587"/>
           </a:xfrm>
         </p:spPr>
         <p:txBody>
@@ -7661,7 +7537,7 @@
                   </a:schemeClr>
                 </a:solidFill>
               </a:rPr>
-              <a:t>A quick story</a:t>
+              <a:t>Partition Sliding Windows</a:t>
             </a:r>
             <a:endParaRPr lang="en-IE" dirty="0">
               <a:solidFill>
@@ -7694,14 +7570,66 @@
           <a:bodyPr/>
           <a:lstStyle/>
           <a:p>
-            <a:endParaRPr lang="en-IE"/>
+            <a:pPr marL="514350" indent="-514350">
+              <a:buAutoNum type="arabicPeriod"/>
+            </a:pPr>
+            <a:r>
+              <a:rPr lang="en-GB" dirty="0"/>
+              <a:t>SWITCH oldest partition in live table to archive table</a:t>
+            </a:r>
+          </a:p>
+          <a:p>
+            <a:pPr marL="514350" indent="-514350">
+              <a:buAutoNum type="arabicPeriod"/>
+            </a:pPr>
+            <a:r>
+              <a:rPr lang="en-GB" dirty="0"/>
+              <a:t>MERGE oldest partition</a:t>
+            </a:r>
+          </a:p>
+          <a:p>
+            <a:pPr marL="514350" indent="-514350">
+              <a:buAutoNum type="arabicPeriod"/>
+            </a:pPr>
+            <a:r>
+              <a:rPr lang="en-GB" dirty="0"/>
+              <a:t>SPLIT new partition</a:t>
+            </a:r>
+          </a:p>
+          <a:p>
+            <a:pPr marL="514350" indent="-514350">
+              <a:buAutoNum type="arabicPeriod"/>
+            </a:pPr>
+            <a:r>
+              <a:rPr lang="en-GB" dirty="0"/>
+              <a:t>Load new data into staging table</a:t>
+            </a:r>
+          </a:p>
+          <a:p>
+            <a:pPr marL="514350" indent="-514350">
+              <a:buAutoNum type="arabicPeriod"/>
+            </a:pPr>
+            <a:r>
+              <a:rPr lang="en-GB" dirty="0"/>
+              <a:t>SWITCH data from staging table to live table</a:t>
+            </a:r>
+          </a:p>
+          <a:p>
+            <a:pPr marL="514350" indent="-514350">
+              <a:buAutoNum type="arabicPeriod"/>
+            </a:pPr>
+            <a:r>
+              <a:rPr lang="en-GB" dirty="0"/>
+              <a:t>Update statistics on live table</a:t>
+            </a:r>
+            <a:endParaRPr lang="en-IE" dirty="0"/>
           </a:p>
         </p:txBody>
       </p:sp>
     </p:spTree>
     <p:extLst>
       <p:ext uri="{BB962C8B-B14F-4D97-AF65-F5344CB8AC3E}">
-        <p14:creationId xmlns:p14="http://schemas.microsoft.com/office/powerpoint/2010/main" val="3763562310"/>
+        <p14:creationId xmlns:p14="http://schemas.microsoft.com/office/powerpoint/2010/main" val="3609046609"/>
       </p:ext>
     </p:extLst>
   </p:cSld>
@@ -7730,6 +7658,491 @@
       </p:grpSpPr>
       <p:sp>
         <p:nvSpPr>
+          <p:cNvPr id="4" name="Title 3"/>
+          <p:cNvSpPr>
+            <a:spLocks noGrp="1"/>
+          </p:cNvSpPr>
+          <p:nvPr>
+            <p:ph type="title"/>
+          </p:nvPr>
+        </p:nvSpPr>
+        <p:spPr/>
+        <p:txBody>
+          <a:bodyPr>
+            <a:normAutofit/>
+          </a:bodyPr>
+          <a:lstStyle/>
+          <a:p>
+            <a:r>
+              <a:rPr lang="en-GB" dirty="0">
+                <a:solidFill>
+                  <a:schemeClr val="accent1"/>
+                </a:solidFill>
+              </a:rPr>
+              <a:t>Demo</a:t>
+            </a:r>
+          </a:p>
+        </p:txBody>
+      </p:sp>
+      <p:sp>
+        <p:nvSpPr>
+          <p:cNvPr id="2" name="Text Placeholder 1"/>
+          <p:cNvSpPr>
+            <a:spLocks noGrp="1"/>
+          </p:cNvSpPr>
+          <p:nvPr>
+            <p:ph type="body" idx="1"/>
+          </p:nvPr>
+        </p:nvSpPr>
+        <p:spPr/>
+        <p:txBody>
+          <a:bodyPr/>
+          <a:lstStyle/>
+          <a:p>
+            <a:endParaRPr lang="en-GB" dirty="0"/>
+          </a:p>
+        </p:txBody>
+      </p:sp>
+    </p:spTree>
+    <p:extLst>
+      <p:ext uri="{BB962C8B-B14F-4D97-AF65-F5344CB8AC3E}">
+        <p14:creationId xmlns:p14="http://schemas.microsoft.com/office/powerpoint/2010/main" val="2474417617"/>
+      </p:ext>
+    </p:extLst>
+  </p:cSld>
+  <p:clrMapOvr>
+    <a:masterClrMapping/>
+  </p:clrMapOvr>
+</p:sld>
+</file>
+
+<file path=ppt/slides/slide34.xml><?xml version="1.0" encoding="utf-8"?>
+<p:sld xmlns:a="http://schemas.openxmlformats.org/drawingml/2006/main" xmlns:r="http://schemas.openxmlformats.org/officeDocument/2006/relationships" xmlns:p="http://schemas.openxmlformats.org/presentationml/2006/main">
+  <p:cSld>
+    <p:spTree>
+      <p:nvGrpSpPr>
+        <p:cNvPr id="1" name=""/>
+        <p:cNvGrpSpPr/>
+        <p:nvPr/>
+      </p:nvGrpSpPr>
+      <p:grpSpPr>
+        <a:xfrm>
+          <a:off x="0" y="0"/>
+          <a:ext cx="0" cy="0"/>
+          <a:chOff x="0" y="0"/>
+          <a:chExt cx="0" cy="0"/>
+        </a:xfrm>
+      </p:grpSpPr>
+      <p:sp>
+        <p:nvSpPr>
+          <p:cNvPr id="4" name="Title 3"/>
+          <p:cNvSpPr>
+            <a:spLocks noGrp="1"/>
+          </p:cNvSpPr>
+          <p:nvPr>
+            <p:ph type="title"/>
+          </p:nvPr>
+        </p:nvSpPr>
+        <p:spPr/>
+        <p:txBody>
+          <a:bodyPr>
+            <a:normAutofit/>
+          </a:bodyPr>
+          <a:lstStyle/>
+          <a:p>
+            <a:r>
+              <a:rPr lang="en-GB" dirty="0">
+                <a:solidFill>
+                  <a:schemeClr val="accent1"/>
+                </a:solidFill>
+              </a:rPr>
+              <a:t>Filegroup Restores</a:t>
+            </a:r>
+          </a:p>
+        </p:txBody>
+      </p:sp>
+      <p:sp>
+        <p:nvSpPr>
+          <p:cNvPr id="2" name="Text Placeholder 1"/>
+          <p:cNvSpPr>
+            <a:spLocks noGrp="1"/>
+          </p:cNvSpPr>
+          <p:nvPr>
+            <p:ph type="body" idx="1"/>
+          </p:nvPr>
+        </p:nvSpPr>
+        <p:spPr/>
+        <p:txBody>
+          <a:bodyPr/>
+          <a:lstStyle/>
+          <a:p>
+            <a:endParaRPr lang="en-GB" dirty="0"/>
+          </a:p>
+        </p:txBody>
+      </p:sp>
+    </p:spTree>
+    <p:extLst>
+      <p:ext uri="{BB962C8B-B14F-4D97-AF65-F5344CB8AC3E}">
+        <p14:creationId xmlns:p14="http://schemas.microsoft.com/office/powerpoint/2010/main" val="2680523734"/>
+      </p:ext>
+    </p:extLst>
+  </p:cSld>
+  <p:clrMapOvr>
+    <a:masterClrMapping/>
+  </p:clrMapOvr>
+</p:sld>
+</file>
+
+<file path=ppt/slides/slide35.xml><?xml version="1.0" encoding="utf-8"?>
+<p:sld xmlns:a="http://schemas.openxmlformats.org/drawingml/2006/main" xmlns:r="http://schemas.openxmlformats.org/officeDocument/2006/relationships" xmlns:p="http://schemas.openxmlformats.org/presentationml/2006/main">
+  <p:cSld>
+    <p:spTree>
+      <p:nvGrpSpPr>
+        <p:cNvPr id="1" name=""/>
+        <p:cNvGrpSpPr/>
+        <p:nvPr/>
+      </p:nvGrpSpPr>
+      <p:grpSpPr>
+        <a:xfrm>
+          <a:off x="0" y="0"/>
+          <a:ext cx="0" cy="0"/>
+          <a:chOff x="0" y="0"/>
+          <a:chExt cx="0" cy="0"/>
+        </a:xfrm>
+      </p:grpSpPr>
+      <p:sp>
+        <p:nvSpPr>
+          <p:cNvPr id="2" name="Title 1">
+            <a:extLst>
+              <a:ext uri="{FF2B5EF4-FFF2-40B4-BE49-F238E27FC236}">
+                <a16:creationId xmlns:a16="http://schemas.microsoft.com/office/drawing/2014/main" id="{5FF2DD40-C302-445D-9980-036F52F330E3}"/>
+              </a:ext>
+            </a:extLst>
+          </p:cNvPr>
+          <p:cNvSpPr>
+            <a:spLocks noGrp="1"/>
+          </p:cNvSpPr>
+          <p:nvPr>
+            <p:ph type="title"/>
+          </p:nvPr>
+        </p:nvSpPr>
+        <p:spPr>
+          <a:xfrm>
+            <a:off x="346587" y="530943"/>
+            <a:ext cx="10515600" cy="747252"/>
+          </a:xfrm>
+        </p:spPr>
+        <p:txBody>
+          <a:bodyPr/>
+          <a:lstStyle/>
+          <a:p>
+            <a:r>
+              <a:rPr lang="en-GB" dirty="0">
+                <a:solidFill>
+                  <a:schemeClr val="accent1">
+                    <a:lumMod val="75000"/>
+                  </a:schemeClr>
+                </a:solidFill>
+              </a:rPr>
+              <a:t>Filegroup Restores</a:t>
+            </a:r>
+            <a:endParaRPr lang="en-IE" dirty="0">
+              <a:solidFill>
+                <a:schemeClr val="accent1">
+                  <a:lumMod val="75000"/>
+                </a:schemeClr>
+              </a:solidFill>
+            </a:endParaRPr>
+          </a:p>
+        </p:txBody>
+      </p:sp>
+      <p:sp>
+        <p:nvSpPr>
+          <p:cNvPr id="3" name="Content Placeholder 2">
+            <a:extLst>
+              <a:ext uri="{FF2B5EF4-FFF2-40B4-BE49-F238E27FC236}">
+                <a16:creationId xmlns:a16="http://schemas.microsoft.com/office/drawing/2014/main" id="{2CADD52D-D0A1-4DC6-B975-12A205A2BEF1}"/>
+              </a:ext>
+            </a:extLst>
+          </p:cNvPr>
+          <p:cNvSpPr>
+            <a:spLocks noGrp="1"/>
+          </p:cNvSpPr>
+          <p:nvPr>
+            <p:ph idx="1"/>
+          </p:nvPr>
+        </p:nvSpPr>
+        <p:spPr/>
+        <p:txBody>
+          <a:bodyPr/>
+          <a:lstStyle/>
+          <a:p>
+            <a:pPr marL="0" indent="0">
+              <a:buNone/>
+            </a:pPr>
+            <a:r>
+              <a:rPr lang="en-GB" dirty="0"/>
+              <a:t>Can be useful for VLDBs</a:t>
+            </a:r>
+          </a:p>
+          <a:p>
+            <a:pPr marL="0" indent="0">
+              <a:buNone/>
+            </a:pPr>
+            <a:endParaRPr lang="en-GB" dirty="0"/>
+          </a:p>
+          <a:p>
+            <a:pPr marL="0" indent="0">
+              <a:buNone/>
+            </a:pPr>
+            <a:r>
+              <a:rPr lang="en-GB" dirty="0"/>
+              <a:t>Individual partitions are on different filegroups</a:t>
+            </a:r>
+          </a:p>
+          <a:p>
+            <a:pPr marL="0" indent="0">
+              <a:buNone/>
+            </a:pPr>
+            <a:endParaRPr lang="en-GB" dirty="0"/>
+          </a:p>
+          <a:p>
+            <a:pPr marL="0" indent="0">
+              <a:buNone/>
+            </a:pPr>
+            <a:r>
+              <a:rPr lang="en-GB" dirty="0"/>
+              <a:t>Data in older partitions does not change</a:t>
+            </a:r>
+          </a:p>
+          <a:p>
+            <a:pPr marL="0" indent="0">
+              <a:buNone/>
+            </a:pPr>
+            <a:endParaRPr lang="en-GB" dirty="0"/>
+          </a:p>
+          <a:p>
+            <a:pPr marL="0" indent="0">
+              <a:buNone/>
+            </a:pPr>
+            <a:r>
+              <a:rPr lang="en-GB" dirty="0"/>
+              <a:t>Reduce recovery time for “active” data</a:t>
+            </a:r>
+            <a:endParaRPr lang="en-IE" dirty="0"/>
+          </a:p>
+        </p:txBody>
+      </p:sp>
+    </p:spTree>
+    <p:extLst>
+      <p:ext uri="{BB962C8B-B14F-4D97-AF65-F5344CB8AC3E}">
+        <p14:creationId xmlns:p14="http://schemas.microsoft.com/office/powerpoint/2010/main" val="1181230955"/>
+      </p:ext>
+    </p:extLst>
+  </p:cSld>
+  <p:clrMapOvr>
+    <a:masterClrMapping/>
+  </p:clrMapOvr>
+</p:sld>
+</file>
+
+<file path=ppt/slides/slide36.xml><?xml version="1.0" encoding="utf-8"?>
+<p:sld xmlns:a="http://schemas.openxmlformats.org/drawingml/2006/main" xmlns:r="http://schemas.openxmlformats.org/officeDocument/2006/relationships" xmlns:p="http://schemas.openxmlformats.org/presentationml/2006/main">
+  <p:cSld>
+    <p:spTree>
+      <p:nvGrpSpPr>
+        <p:cNvPr id="1" name=""/>
+        <p:cNvGrpSpPr/>
+        <p:nvPr/>
+      </p:nvGrpSpPr>
+      <p:grpSpPr>
+        <a:xfrm>
+          <a:off x="0" y="0"/>
+          <a:ext cx="0" cy="0"/>
+          <a:chOff x="0" y="0"/>
+          <a:chExt cx="0" cy="0"/>
+        </a:xfrm>
+      </p:grpSpPr>
+      <p:sp>
+        <p:nvSpPr>
+          <p:cNvPr id="4" name="Title 3"/>
+          <p:cNvSpPr>
+            <a:spLocks noGrp="1"/>
+          </p:cNvSpPr>
+          <p:nvPr>
+            <p:ph type="title"/>
+          </p:nvPr>
+        </p:nvSpPr>
+        <p:spPr/>
+        <p:txBody>
+          <a:bodyPr>
+            <a:normAutofit/>
+          </a:bodyPr>
+          <a:lstStyle/>
+          <a:p>
+            <a:r>
+              <a:rPr lang="en-GB" dirty="0">
+                <a:solidFill>
+                  <a:schemeClr val="accent1"/>
+                </a:solidFill>
+              </a:rPr>
+              <a:t>Demo</a:t>
+            </a:r>
+          </a:p>
+        </p:txBody>
+      </p:sp>
+      <p:sp>
+        <p:nvSpPr>
+          <p:cNvPr id="2" name="Text Placeholder 1"/>
+          <p:cNvSpPr>
+            <a:spLocks noGrp="1"/>
+          </p:cNvSpPr>
+          <p:nvPr>
+            <p:ph type="body" idx="1"/>
+          </p:nvPr>
+        </p:nvSpPr>
+        <p:spPr/>
+        <p:txBody>
+          <a:bodyPr/>
+          <a:lstStyle/>
+          <a:p>
+            <a:endParaRPr lang="en-GB" dirty="0"/>
+          </a:p>
+        </p:txBody>
+      </p:sp>
+    </p:spTree>
+    <p:extLst>
+      <p:ext uri="{BB962C8B-B14F-4D97-AF65-F5344CB8AC3E}">
+        <p14:creationId xmlns:p14="http://schemas.microsoft.com/office/powerpoint/2010/main" val="4207962566"/>
+      </p:ext>
+    </p:extLst>
+  </p:cSld>
+  <p:clrMapOvr>
+    <a:masterClrMapping/>
+  </p:clrMapOvr>
+</p:sld>
+</file>
+
+<file path=ppt/slides/slide37.xml><?xml version="1.0" encoding="utf-8"?>
+<p:sld xmlns:a="http://schemas.openxmlformats.org/drawingml/2006/main" xmlns:r="http://schemas.openxmlformats.org/officeDocument/2006/relationships" xmlns:p="http://schemas.openxmlformats.org/presentationml/2006/main">
+  <p:cSld>
+    <p:spTree>
+      <p:nvGrpSpPr>
+        <p:cNvPr id="1" name=""/>
+        <p:cNvGrpSpPr/>
+        <p:nvPr/>
+      </p:nvGrpSpPr>
+      <p:grpSpPr>
+        <a:xfrm>
+          <a:off x="0" y="0"/>
+          <a:ext cx="0" cy="0"/>
+          <a:chOff x="0" y="0"/>
+          <a:chExt cx="0" cy="0"/>
+        </a:xfrm>
+      </p:grpSpPr>
+      <p:sp>
+        <p:nvSpPr>
+          <p:cNvPr id="2" name="Title 1">
+            <a:extLst>
+              <a:ext uri="{FF2B5EF4-FFF2-40B4-BE49-F238E27FC236}">
+                <a16:creationId xmlns:a16="http://schemas.microsoft.com/office/drawing/2014/main" id="{33988BB0-01DA-437F-A550-1E082458D794}"/>
+              </a:ext>
+            </a:extLst>
+          </p:cNvPr>
+          <p:cNvSpPr>
+            <a:spLocks noGrp="1"/>
+          </p:cNvSpPr>
+          <p:nvPr>
+            <p:ph type="title"/>
+          </p:nvPr>
+        </p:nvSpPr>
+        <p:spPr>
+          <a:xfrm>
+            <a:off x="326923" y="530942"/>
+            <a:ext cx="10515600" cy="737420"/>
+          </a:xfrm>
+        </p:spPr>
+        <p:txBody>
+          <a:bodyPr/>
+          <a:lstStyle/>
+          <a:p>
+            <a:r>
+              <a:rPr lang="en-GB" dirty="0">
+                <a:solidFill>
+                  <a:schemeClr val="accent1">
+                    <a:lumMod val="75000"/>
+                  </a:schemeClr>
+                </a:solidFill>
+              </a:rPr>
+              <a:t>A quick story</a:t>
+            </a:r>
+            <a:endParaRPr lang="en-IE" dirty="0">
+              <a:solidFill>
+                <a:schemeClr val="accent1">
+                  <a:lumMod val="75000"/>
+                </a:schemeClr>
+              </a:solidFill>
+            </a:endParaRPr>
+          </a:p>
+        </p:txBody>
+      </p:sp>
+      <p:sp>
+        <p:nvSpPr>
+          <p:cNvPr id="3" name="Content Placeholder 2">
+            <a:extLst>
+              <a:ext uri="{FF2B5EF4-FFF2-40B4-BE49-F238E27FC236}">
+                <a16:creationId xmlns:a16="http://schemas.microsoft.com/office/drawing/2014/main" id="{54EDE585-0FD9-4476-891F-8B898450614A}"/>
+              </a:ext>
+            </a:extLst>
+          </p:cNvPr>
+          <p:cNvSpPr>
+            <a:spLocks noGrp="1"/>
+          </p:cNvSpPr>
+          <p:nvPr>
+            <p:ph idx="1"/>
+          </p:nvPr>
+        </p:nvSpPr>
+        <p:spPr/>
+        <p:txBody>
+          <a:bodyPr/>
+          <a:lstStyle/>
+          <a:p>
+            <a:endParaRPr lang="en-IE"/>
+          </a:p>
+        </p:txBody>
+      </p:sp>
+    </p:spTree>
+    <p:extLst>
+      <p:ext uri="{BB962C8B-B14F-4D97-AF65-F5344CB8AC3E}">
+        <p14:creationId xmlns:p14="http://schemas.microsoft.com/office/powerpoint/2010/main" val="3763562310"/>
+      </p:ext>
+    </p:extLst>
+  </p:cSld>
+  <p:clrMapOvr>
+    <a:masterClrMapping/>
+  </p:clrMapOvr>
+</p:sld>
+</file>
+
+<file path=ppt/slides/slide38.xml><?xml version="1.0" encoding="utf-8"?>
+<p:sld xmlns:a="http://schemas.openxmlformats.org/drawingml/2006/main" xmlns:r="http://schemas.openxmlformats.org/officeDocument/2006/relationships" xmlns:p="http://schemas.openxmlformats.org/presentationml/2006/main">
+  <p:cSld>
+    <p:spTree>
+      <p:nvGrpSpPr>
+        <p:cNvPr id="1" name=""/>
+        <p:cNvGrpSpPr/>
+        <p:nvPr/>
+      </p:nvGrpSpPr>
+      <p:grpSpPr>
+        <a:xfrm>
+          <a:off x="0" y="0"/>
+          <a:ext cx="0" cy="0"/>
+          <a:chOff x="0" y="0"/>
+          <a:chExt cx="0" cy="0"/>
+        </a:xfrm>
+      </p:grpSpPr>
+      <p:sp>
+        <p:nvSpPr>
           <p:cNvPr id="2" name="Title 1">
             <a:extLst>
               <a:ext uri="{FF2B5EF4-FFF2-40B4-BE49-F238E27FC236}">
@@ -7812,7 +8225,7 @@
 </p:sld>
 </file>
 
-<file path=ppt/slides/slide34.xml><?xml version="1.0" encoding="utf-8"?>
+<file path=ppt/slides/slide39.xml><?xml version="1.0" encoding="utf-8"?>
 <p:sld xmlns:a="http://schemas.openxmlformats.org/drawingml/2006/main" xmlns:r="http://schemas.openxmlformats.org/officeDocument/2006/relationships" xmlns:p="http://schemas.openxmlformats.org/presentationml/2006/main">
   <p:cSld>
     <p:spTree>
@@ -7926,32 +8339,195 @@
         </p:nvSpPr>
         <p:spPr>
           <a:xfrm>
-            <a:off x="331596" y="552659"/>
-            <a:ext cx="10515600" cy="723482"/>
+            <a:off x="331596" y="562708"/>
+            <a:ext cx="10184004" cy="713433"/>
           </a:xfrm>
         </p:spPr>
+        <p:txBody>
+          <a:bodyPr/>
+          <a:lstStyle/>
+          <a:p>
+            <a:r>
+              <a:rPr lang="en-GB" dirty="0">
+                <a:solidFill>
+                  <a:schemeClr val="accent1">
+                    <a:lumMod val="75000"/>
+                  </a:schemeClr>
+                </a:solidFill>
+              </a:rPr>
+              <a:t>Agenda</a:t>
+            </a:r>
+          </a:p>
+        </p:txBody>
+      </p:sp>
+      <p:sp>
+        <p:nvSpPr>
+          <p:cNvPr id="3" name="Subtitle 2"/>
+          <p:cNvSpPr>
+            <a:spLocks noGrp="1"/>
+          </p:cNvSpPr>
+          <p:nvPr>
+            <p:ph idx="1"/>
+          </p:nvPr>
+        </p:nvSpPr>
+        <p:spPr/>
         <p:txBody>
           <a:bodyPr>
             <a:normAutofit/>
           </a:bodyPr>
           <a:lstStyle/>
           <a:p>
-            <a:r>
-              <a:rPr lang="en-US" altLang="en-US" dirty="0">
+            <a:pPr marL="0" indent="0">
+              <a:buNone/>
+            </a:pPr>
+            <a:r>
+              <a:rPr lang="en-US" sz="3200" dirty="0"/>
+              <a:t>Partitioning Definition</a:t>
+            </a:r>
+          </a:p>
+          <a:p>
+            <a:pPr marL="0" indent="0">
+              <a:buNone/>
+            </a:pPr>
+            <a:r>
+              <a:rPr lang="en-US" sz="3200" dirty="0"/>
+              <a:t>Partitioning Key</a:t>
+            </a:r>
+          </a:p>
+          <a:p>
+            <a:pPr marL="0" indent="0">
+              <a:buNone/>
+            </a:pPr>
+            <a:r>
+              <a:rPr lang="en-US" sz="3200" dirty="0"/>
+              <a:t>Partition Functions &amp; Schemes</a:t>
+            </a:r>
+          </a:p>
+          <a:p>
+            <a:pPr marL="0" indent="0">
+              <a:buNone/>
+            </a:pPr>
+            <a:r>
+              <a:rPr lang="en-US" sz="3200" dirty="0"/>
+              <a:t>Indexing Considerations</a:t>
+            </a:r>
+          </a:p>
+          <a:p>
+            <a:pPr marL="0" indent="0">
+              <a:buNone/>
+            </a:pPr>
+            <a:r>
+              <a:rPr lang="en-US" sz="3200" dirty="0"/>
+              <a:t>Splitting, Merging &amp; Switching Partitions</a:t>
+            </a:r>
+          </a:p>
+          <a:p>
+            <a:pPr marL="0" indent="0">
+              <a:buNone/>
+            </a:pPr>
+            <a:r>
+              <a:rPr lang="en-US" sz="3200" dirty="0"/>
+              <a:t>Implementing Sliding Windows</a:t>
+            </a:r>
+          </a:p>
+          <a:p>
+            <a:pPr marL="0" indent="0">
+              <a:buNone/>
+            </a:pPr>
+            <a:r>
+              <a:rPr lang="en-US" sz="3200" dirty="0"/>
+              <a:t>Filegroup Restores</a:t>
+            </a:r>
+          </a:p>
+          <a:p>
+            <a:pPr marL="0" indent="0">
+              <a:buNone/>
+            </a:pPr>
+            <a:endParaRPr lang="en-GB" sz="3200" dirty="0"/>
+          </a:p>
+        </p:txBody>
+      </p:sp>
+    </p:spTree>
+    <p:extLst>
+      <p:ext uri="{BB962C8B-B14F-4D97-AF65-F5344CB8AC3E}">
+        <p14:creationId xmlns:p14="http://schemas.microsoft.com/office/powerpoint/2010/main" val="2024187958"/>
+      </p:ext>
+    </p:extLst>
+  </p:cSld>
+  <p:clrMapOvr>
+    <a:masterClrMapping/>
+  </p:clrMapOvr>
+</p:sld>
+</file>
+
+<file path=ppt/slides/slide40.xml><?xml version="1.0" encoding="utf-8"?>
+<p:sld xmlns:a="http://schemas.openxmlformats.org/drawingml/2006/main" xmlns:r="http://schemas.openxmlformats.org/officeDocument/2006/relationships" xmlns:p="http://schemas.openxmlformats.org/presentationml/2006/main">
+  <p:cSld>
+    <p:spTree>
+      <p:nvGrpSpPr>
+        <p:cNvPr id="1" name=""/>
+        <p:cNvGrpSpPr/>
+        <p:nvPr/>
+      </p:nvGrpSpPr>
+      <p:grpSpPr>
+        <a:xfrm>
+          <a:off x="0" y="0"/>
+          <a:ext cx="0" cy="0"/>
+          <a:chOff x="0" y="0"/>
+          <a:chExt cx="0" cy="0"/>
+        </a:xfrm>
+      </p:grpSpPr>
+      <p:sp>
+        <p:nvSpPr>
+          <p:cNvPr id="2" name="Title 1">
+            <a:extLst>
+              <a:ext uri="{FF2B5EF4-FFF2-40B4-BE49-F238E27FC236}">
+                <a16:creationId xmlns:a16="http://schemas.microsoft.com/office/drawing/2014/main" id="{7EB6FFC7-910E-4D91-BAFD-1FBEECCB965E}"/>
+              </a:ext>
+            </a:extLst>
+          </p:cNvPr>
+          <p:cNvSpPr>
+            <a:spLocks noGrp="1"/>
+          </p:cNvSpPr>
+          <p:nvPr>
+            <p:ph type="title"/>
+          </p:nvPr>
+        </p:nvSpPr>
+        <p:spPr/>
+        <p:txBody>
+          <a:bodyPr/>
+          <a:lstStyle/>
+          <a:p>
+            <a:r>
+              <a:rPr lang="en-US" dirty="0">
                 <a:solidFill>
                   <a:schemeClr val="accent1">
                     <a:lumMod val="75000"/>
                   </a:schemeClr>
                 </a:solidFill>
-              </a:rPr>
-              <a:t>Session Aim</a:t>
-            </a:r>
-          </a:p>
-        </p:txBody>
-      </p:sp>
-      <p:sp>
-        <p:nvSpPr>
-          <p:cNvPr id="3" name="Subtitle 2"/>
+                <a:cs typeface="Calibri Light"/>
+              </a:rPr>
+              <a:t>Just like Jimi Hendrix …</a:t>
+            </a:r>
+            <a:endParaRPr lang="en-IE" dirty="0">
+              <a:solidFill>
+                <a:schemeClr val="accent1">
+                  <a:lumMod val="75000"/>
+                </a:schemeClr>
+              </a:solidFill>
+            </a:endParaRPr>
+          </a:p>
+        </p:txBody>
+      </p:sp>
+      <p:sp>
+        <p:nvSpPr>
+          <p:cNvPr id="3" name="Content Placeholder 2">
+            <a:extLst>
+              <a:ext uri="{FF2B5EF4-FFF2-40B4-BE49-F238E27FC236}">
+                <a16:creationId xmlns:a16="http://schemas.microsoft.com/office/drawing/2014/main" id="{6189E34A-A8D0-4F7A-9BA7-500146BAEDFB}"/>
+              </a:ext>
+            </a:extLst>
+          </p:cNvPr>
           <p:cNvSpPr>
             <a:spLocks noGrp="1"/>
           </p:cNvSpPr>
@@ -7959,7 +8535,12 @@
             <p:ph idx="1"/>
           </p:nvPr>
         </p:nvSpPr>
-        <p:spPr/>
+        <p:spPr>
+          <a:xfrm>
+            <a:off x="838200" y="2307405"/>
+            <a:ext cx="10515600" cy="3051175"/>
+          </a:xfrm>
+        </p:spPr>
         <p:txBody>
           <a:bodyPr/>
           <a:lstStyle/>
@@ -7967,38 +8548,189 @@
             <a:pPr marL="0" indent="0" algn="ctr">
               <a:buNone/>
             </a:pPr>
-            <a:endParaRPr lang="en-GB" dirty="0"/>
+            <a:r>
+              <a:rPr lang="en-US" sz="4400" dirty="0">
+                <a:solidFill>
+                  <a:srgbClr val="222222"/>
+                </a:solidFill>
+                <a:ea typeface="Calibri"/>
+                <a:cs typeface="Calibri"/>
+              </a:rPr>
+              <a:t>We love to get feedback</a:t>
+            </a:r>
+            <a:endParaRPr lang="en-US" sz="4400" dirty="0">
+              <a:cs typeface="Calibri"/>
+            </a:endParaRPr>
           </a:p>
           <a:p>
             <a:pPr marL="0" indent="0" algn="ctr">
               <a:buNone/>
             </a:pPr>
-            <a:endParaRPr lang="en-GB" dirty="0"/>
+            <a:endParaRPr lang="en-US" sz="4400" dirty="0">
+              <a:solidFill>
+                <a:srgbClr val="222222"/>
+              </a:solidFill>
+              <a:ea typeface="Calibri"/>
+              <a:cs typeface="Calibri"/>
+            </a:endParaRPr>
           </a:p>
           <a:p>
             <a:pPr marL="0" indent="0" algn="ctr">
               <a:buNone/>
             </a:pPr>
             <a:r>
-              <a:rPr lang="en-GB" sz="4400" dirty="0"/>
-              <a:t>To give you a base of knowledge to work </a:t>
-            </a:r>
-          </a:p>
-          <a:p>
-            <a:pPr marL="0" indent="0" algn="ctr">
-              <a:buNone/>
-            </a:pPr>
-            <a:r>
-              <a:rPr lang="en-GB" sz="4400" dirty="0"/>
-              <a:t>with partitioning in SQL Server</a:t>
-            </a:r>
+              <a:rPr lang="en-US" sz="4400" dirty="0">
+                <a:solidFill>
+                  <a:srgbClr val="222222"/>
+                </a:solidFill>
+                <a:ea typeface="Calibri"/>
+                <a:cs typeface="Calibri"/>
+              </a:rPr>
+              <a:t>Please complete the </a:t>
+            </a:r>
+            <a:r>
+              <a:rPr lang="en-US" sz="4400" dirty="0">
+                <a:solidFill>
+                  <a:srgbClr val="222222"/>
+                </a:solidFill>
+                <a:cs typeface="Calibri"/>
+              </a:rPr>
+              <a:t>session feedback forms</a:t>
+            </a:r>
+          </a:p>
+          <a:p>
+            <a:endParaRPr lang="en-IE" dirty="0"/>
           </a:p>
         </p:txBody>
       </p:sp>
     </p:spTree>
     <p:extLst>
       <p:ext uri="{BB962C8B-B14F-4D97-AF65-F5344CB8AC3E}">
-        <p14:creationId xmlns:p14="http://schemas.microsoft.com/office/powerpoint/2010/main" val="3724825034"/>
+        <p14:creationId xmlns:p14="http://schemas.microsoft.com/office/powerpoint/2010/main" val="3949347269"/>
+      </p:ext>
+    </p:extLst>
+  </p:cSld>
+  <p:clrMapOvr>
+    <a:masterClrMapping/>
+  </p:clrMapOvr>
+</p:sld>
+</file>
+
+<file path=ppt/slides/slide41.xml><?xml version="1.0" encoding="utf-8"?>
+<p:sld xmlns:a="http://schemas.openxmlformats.org/drawingml/2006/main" xmlns:r="http://schemas.openxmlformats.org/officeDocument/2006/relationships" xmlns:p="http://schemas.openxmlformats.org/presentationml/2006/main">
+  <p:cSld>
+    <p:spTree>
+      <p:nvGrpSpPr>
+        <p:cNvPr id="1" name=""/>
+        <p:cNvGrpSpPr/>
+        <p:nvPr/>
+      </p:nvGrpSpPr>
+      <p:grpSpPr>
+        <a:xfrm>
+          <a:off x="0" y="0"/>
+          <a:ext cx="0" cy="0"/>
+          <a:chOff x="0" y="0"/>
+          <a:chExt cx="0" cy="0"/>
+        </a:xfrm>
+      </p:grpSpPr>
+      <p:sp>
+        <p:nvSpPr>
+          <p:cNvPr id="2" name="Title 1">
+            <a:extLst>
+              <a:ext uri="{FF2B5EF4-FFF2-40B4-BE49-F238E27FC236}">
+                <a16:creationId xmlns:a16="http://schemas.microsoft.com/office/drawing/2014/main" id="{D102548F-E4EC-4646-98B0-0B6115D99F93}"/>
+              </a:ext>
+            </a:extLst>
+          </p:cNvPr>
+          <p:cNvSpPr>
+            <a:spLocks noGrp="1"/>
+          </p:cNvSpPr>
+          <p:nvPr>
+            <p:ph type="title"/>
+          </p:nvPr>
+        </p:nvSpPr>
+        <p:spPr/>
+        <p:txBody>
+          <a:bodyPr/>
+          <a:lstStyle/>
+          <a:p>
+            <a:r>
+              <a:rPr lang="en-US" dirty="0" err="1">
+                <a:solidFill>
+                  <a:schemeClr val="accent1">
+                    <a:lumMod val="75000"/>
+                  </a:schemeClr>
+                </a:solidFill>
+                <a:cs typeface="Calibri Light"/>
+              </a:rPr>
+              <a:t>SQLBits</a:t>
+            </a:r>
+            <a:r>
+              <a:rPr lang="en-US" dirty="0">
+                <a:solidFill>
+                  <a:schemeClr val="accent1">
+                    <a:lumMod val="75000"/>
+                  </a:schemeClr>
+                </a:solidFill>
+                <a:cs typeface="Calibri Light"/>
+              </a:rPr>
+              <a:t> - It's all about the community...</a:t>
+            </a:r>
+            <a:endParaRPr lang="en-IE" dirty="0">
+              <a:solidFill>
+                <a:schemeClr val="accent1">
+                  <a:lumMod val="75000"/>
+                </a:schemeClr>
+              </a:solidFill>
+            </a:endParaRPr>
+          </a:p>
+        </p:txBody>
+      </p:sp>
+      <p:sp>
+        <p:nvSpPr>
+          <p:cNvPr id="3" name="Content Placeholder 2">
+            <a:extLst>
+              <a:ext uri="{FF2B5EF4-FFF2-40B4-BE49-F238E27FC236}">
+                <a16:creationId xmlns:a16="http://schemas.microsoft.com/office/drawing/2014/main" id="{E5FEE138-B02B-4422-A57C-EE0ABDC16BDA}"/>
+              </a:ext>
+            </a:extLst>
+          </p:cNvPr>
+          <p:cNvSpPr>
+            <a:spLocks noGrp="1"/>
+          </p:cNvSpPr>
+          <p:nvPr>
+            <p:ph idx="1"/>
+          </p:nvPr>
+        </p:nvSpPr>
+        <p:spPr>
+          <a:xfrm>
+            <a:off x="838200" y="2395896"/>
+            <a:ext cx="10515600" cy="4351338"/>
+          </a:xfrm>
+        </p:spPr>
+        <p:txBody>
+          <a:bodyPr/>
+          <a:lstStyle/>
+          <a:p>
+            <a:pPr marL="0" indent="0">
+              <a:buNone/>
+            </a:pPr>
+            <a:r>
+              <a:rPr lang="en-US" sz="3600" dirty="0">
+                <a:cs typeface="Calibri"/>
+              </a:rPr>
+              <a:t>Please visit Community Corner, we are trying this year to get more people to learn about the SQL Community, equally if you would be happy to visit the community corner we’d really appreciate it.</a:t>
+            </a:r>
+          </a:p>
+          <a:p>
+            <a:endParaRPr lang="en-IE" dirty="0"/>
+          </a:p>
+        </p:txBody>
+      </p:sp>
+    </p:spTree>
+    <p:extLst>
+      <p:ext uri="{BB962C8B-B14F-4D97-AF65-F5344CB8AC3E}">
+        <p14:creationId xmlns:p14="http://schemas.microsoft.com/office/powerpoint/2010/main" val="1786077821"/>
       </p:ext>
     </p:extLst>
   </p:cSld>
@@ -8037,7 +8769,7 @@
         </p:nvSpPr>
         <p:spPr>
           <a:xfrm>
-            <a:off x="331596" y="562708"/>
+            <a:off x="331596" y="552659"/>
             <a:ext cx="10184004" cy="713433"/>
           </a:xfrm>
         </p:spPr>
@@ -8046,14 +8778,14 @@
           <a:lstStyle/>
           <a:p>
             <a:r>
-              <a:rPr lang="en-GB" dirty="0">
+              <a:rPr lang="en-US" altLang="en-US" dirty="0">
                 <a:solidFill>
                   <a:schemeClr val="accent1">
                     <a:lumMod val="75000"/>
                   </a:schemeClr>
                 </a:solidFill>
               </a:rPr>
-              <a:t>Agenda</a:t>
+              <a:t>Partitioning Definition</a:t>
             </a:r>
           </a:p>
         </p:txBody>
@@ -8068,7 +8800,12 @@
             <p:ph idx="1"/>
           </p:nvPr>
         </p:nvSpPr>
-        <p:spPr/>
+        <p:spPr>
+          <a:xfrm>
+            <a:off x="838200" y="1920239"/>
+            <a:ext cx="10515600" cy="4232401"/>
+          </a:xfrm>
+        </p:spPr>
         <p:txBody>
           <a:bodyPr>
             <a:normAutofit/>
@@ -8079,8 +8816,8 @@
               <a:buNone/>
             </a:pPr>
             <a:r>
-              <a:rPr lang="en-US" sz="3200" dirty="0"/>
-              <a:t>Partitioning Definition</a:t>
+              <a:rPr lang="en-US" altLang="en-US" sz="3200" dirty="0"/>
+              <a:t>Splitting a table horizontally into different units</a:t>
             </a:r>
           </a:p>
           <a:p>
@@ -8088,26 +8825,28 @@
               <a:buNone/>
             </a:pPr>
             <a:r>
-              <a:rPr lang="en-US" sz="3200" dirty="0"/>
-              <a:t>Partition Functions</a:t>
-            </a:r>
+              <a:rPr lang="en-US" altLang="en-US" sz="3200" dirty="0"/>
+              <a:t>Units can be spread across different physical locations</a:t>
+            </a:r>
+            <a:endParaRPr lang="en-GB" sz="3200" dirty="0"/>
           </a:p>
           <a:p>
             <a:pPr marL="0" indent="0">
               <a:buNone/>
             </a:pPr>
             <a:r>
-              <a:rPr lang="en-US" sz="3200" dirty="0"/>
-              <a:t>Partition Schemes</a:t>
-            </a:r>
+              <a:rPr lang="en-GB" sz="3200" dirty="0"/>
+              <a:t>Limit of 15,000 partitions per table</a:t>
+            </a:r>
+            <a:endParaRPr lang="en-US" altLang="en-US" sz="3200" dirty="0"/>
           </a:p>
           <a:p>
             <a:pPr marL="0" indent="0">
               <a:buNone/>
             </a:pPr>
             <a:r>
-              <a:rPr lang="en-US" sz="3200" dirty="0"/>
-              <a:t>Indexing</a:t>
+              <a:rPr lang="en-US" altLang="en-US" sz="3200" dirty="0"/>
+              <a:t>Primarily for maintenance of data</a:t>
             </a:r>
           </a:p>
           <a:p>
@@ -8115,40 +8854,22 @@
               <a:buNone/>
             </a:pPr>
             <a:r>
-              <a:rPr lang="en-US" sz="3200" dirty="0"/>
-              <a:t>Splitting, merging &amp; switching partitions</a:t>
+              <a:rPr lang="en-US" altLang="en-US" sz="3200" dirty="0"/>
+              <a:t>Specialist functions available to manage data</a:t>
             </a:r>
           </a:p>
           <a:p>
             <a:pPr marL="0" indent="0">
               <a:buNone/>
             </a:pPr>
-            <a:r>
-              <a:rPr lang="en-US" sz="3200" dirty="0"/>
-              <a:t>Implementing Sliding Windows</a:t>
-            </a:r>
-          </a:p>
-          <a:p>
-            <a:pPr marL="0" indent="0">
-              <a:buNone/>
-            </a:pPr>
-            <a:r>
-              <a:rPr lang="en-US" sz="3200" dirty="0"/>
-              <a:t>Filegroup restores</a:t>
-            </a:r>
-          </a:p>
-          <a:p>
-            <a:pPr marL="0" indent="0">
-              <a:buNone/>
-            </a:pPr>
-            <a:endParaRPr lang="en-GB" sz="3200" dirty="0"/>
+            <a:endParaRPr lang="en-US" altLang="en-US" dirty="0"/>
           </a:p>
         </p:txBody>
       </p:sp>
     </p:spTree>
     <p:extLst>
       <p:ext uri="{BB962C8B-B14F-4D97-AF65-F5344CB8AC3E}">
-        <p14:creationId xmlns:p14="http://schemas.microsoft.com/office/powerpoint/2010/main" val="2024187958"/>
+        <p14:creationId xmlns:p14="http://schemas.microsoft.com/office/powerpoint/2010/main" val="3647072905"/>
       </p:ext>
     </p:extLst>
   </p:cSld>
@@ -8203,7 +8924,7 @@
                   </a:schemeClr>
                 </a:solidFill>
               </a:rPr>
-              <a:t>Partitioning Definition</a:t>
+              <a:t>Benefits</a:t>
             </a:r>
           </a:p>
         </p:txBody>
@@ -8220,8 +8941,8 @@
         </p:nvSpPr>
         <p:spPr>
           <a:xfrm>
-            <a:off x="838200" y="1920239"/>
-            <a:ext cx="10515600" cy="4232401"/>
+            <a:off x="838200" y="1936865"/>
+            <a:ext cx="10515600" cy="4368476"/>
           </a:xfrm>
         </p:spPr>
         <p:txBody>
@@ -8234,8 +8955,8 @@
               <a:buNone/>
             </a:pPr>
             <a:r>
-              <a:rPr lang="en-US" altLang="en-US" sz="3200" dirty="0"/>
-              <a:t>Splitting a table horizontally into different units</a:t>
+              <a:rPr lang="en-GB" sz="3200" dirty="0"/>
+              <a:t>Partitioned tables appear as normal tables</a:t>
             </a:r>
           </a:p>
           <a:p>
@@ -8243,10 +8964,9 @@
               <a:buNone/>
             </a:pPr>
             <a:r>
-              <a:rPr lang="en-US" altLang="en-US" sz="3200" dirty="0"/>
-              <a:t>Units can be spread across different physical locations</a:t>
-            </a:r>
-            <a:endParaRPr lang="en-GB" sz="3200" dirty="0"/>
+              <a:rPr lang="en-GB" sz="3200" dirty="0"/>
+              <a:t>Data is automatically mapped to the correct partition</a:t>
+            </a:r>
           </a:p>
           <a:p>
             <a:pPr marL="0" indent="0">
@@ -8254,17 +8974,16 @@
             </a:pPr>
             <a:r>
               <a:rPr lang="en-GB" sz="3200" dirty="0"/>
-              <a:t>Limit of 15,000 partitions per table</a:t>
-            </a:r>
-            <a:endParaRPr lang="en-US" altLang="en-US" sz="3200" dirty="0"/>
+              <a:t>Specialist operations allow for easy management of data</a:t>
+            </a:r>
           </a:p>
           <a:p>
             <a:pPr marL="0" indent="0">
               <a:buNone/>
             </a:pPr>
             <a:r>
-              <a:rPr lang="en-US" altLang="en-US" sz="3200" dirty="0"/>
-              <a:t>Primarily for maintenance of data</a:t>
+              <a:rPr lang="en-GB" sz="3200" dirty="0"/>
+              <a:t>Individual partitions can be compressed</a:t>
             </a:r>
           </a:p>
           <a:p>
@@ -8272,22 +8991,16 @@
               <a:buNone/>
             </a:pPr>
             <a:r>
-              <a:rPr lang="en-US" altLang="en-US" sz="3200" dirty="0"/>
-              <a:t>Specialist functions available to manage data</a:t>
-            </a:r>
-          </a:p>
-          <a:p>
-            <a:pPr marL="0" indent="0">
-              <a:buNone/>
-            </a:pPr>
-            <a:endParaRPr lang="en-US" altLang="en-US" dirty="0"/>
+              <a:rPr lang="en-GB" sz="3200" dirty="0"/>
+              <a:t>Individual partitions can be rebuilt</a:t>
+            </a:r>
           </a:p>
         </p:txBody>
       </p:sp>
     </p:spTree>
     <p:extLst>
       <p:ext uri="{BB962C8B-B14F-4D97-AF65-F5344CB8AC3E}">
-        <p14:creationId xmlns:p14="http://schemas.microsoft.com/office/powerpoint/2010/main" val="3647072905"/>
+        <p14:creationId xmlns:p14="http://schemas.microsoft.com/office/powerpoint/2010/main" val="2378811189"/>
       </p:ext>
     </p:extLst>
   </p:cSld>
@@ -8342,7 +9055,7 @@
                   </a:schemeClr>
                 </a:solidFill>
               </a:rPr>
-              <a:t>Benefits</a:t>
+              <a:t>Drawbacks</a:t>
             </a:r>
           </a:p>
         </p:txBody>
@@ -8359,8 +9072,8 @@
         </p:nvSpPr>
         <p:spPr>
           <a:xfrm>
-            <a:off x="838200" y="1936865"/>
-            <a:ext cx="10515600" cy="4368476"/>
+            <a:off x="838200" y="1859492"/>
+            <a:ext cx="10515600" cy="4351338"/>
           </a:xfrm>
         </p:spPr>
         <p:txBody>
@@ -8374,7 +9087,7 @@
             </a:pPr>
             <a:r>
               <a:rPr lang="en-GB" sz="3200" dirty="0"/>
-              <a:t>Partitioned tables appear as normal tables</a:t>
+              <a:t>Requires management of partitions and filegroups</a:t>
             </a:r>
           </a:p>
           <a:p>
@@ -8383,7 +9096,7 @@
             </a:pPr>
             <a:r>
               <a:rPr lang="en-GB" sz="3200" dirty="0"/>
-              <a:t>Data is automatically mapped to the correct partition</a:t>
+              <a:t>Specialist operations can be blocked by DML operations</a:t>
             </a:r>
           </a:p>
           <a:p>
@@ -8392,7 +9105,7 @@
             </a:pPr>
             <a:r>
               <a:rPr lang="en-GB" sz="3200" dirty="0"/>
-              <a:t>Specialist operations allow for easy management of data</a:t>
+              <a:t>Foreign keys referencing partitioned table will prevent switch operations</a:t>
             </a:r>
           </a:p>
           <a:p>
@@ -8401,16 +9114,7 @@
             </a:pPr>
             <a:r>
               <a:rPr lang="en-GB" sz="3200" dirty="0"/>
-              <a:t>Individual partitions can be compressed</a:t>
-            </a:r>
-          </a:p>
-          <a:p>
-            <a:pPr marL="0" indent="0">
-              <a:buNone/>
-            </a:pPr>
-            <a:r>
-              <a:rPr lang="en-GB" sz="3200" dirty="0"/>
-              <a:t>Individual partitions can be rebuilt</a:t>
+              <a:t>Performance of queries not referencing the partitioning key will be affected</a:t>
             </a:r>
           </a:p>
         </p:txBody>
@@ -8418,7 +9122,7 @@
     </p:spTree>
     <p:extLst>
       <p:ext uri="{BB962C8B-B14F-4D97-AF65-F5344CB8AC3E}">
-        <p14:creationId xmlns:p14="http://schemas.microsoft.com/office/powerpoint/2010/main" val="2378811189"/>
+        <p14:creationId xmlns:p14="http://schemas.microsoft.com/office/powerpoint/2010/main" val="568404927"/>
       </p:ext>
     </p:extLst>
   </p:cSld>
@@ -8447,7 +9151,7 @@
       </p:grpSpPr>
       <p:sp>
         <p:nvSpPr>
-          <p:cNvPr id="6" name="Title 5"/>
+          <p:cNvPr id="4" name="Title 3"/>
           <p:cNvSpPr>
             <a:spLocks noGrp="1"/>
           </p:cNvSpPr>
@@ -8455,92 +9159,47 @@
             <p:ph type="title"/>
           </p:nvPr>
         </p:nvSpPr>
-        <p:spPr>
-          <a:xfrm>
-            <a:off x="331596" y="552659"/>
-            <a:ext cx="10184004" cy="713433"/>
-          </a:xfrm>
-        </p:spPr>
-        <p:txBody>
-          <a:bodyPr/>
-          <a:lstStyle/>
-          <a:p>
-            <a:r>
-              <a:rPr lang="en-US" altLang="en-US" dirty="0">
-                <a:solidFill>
-                  <a:schemeClr val="accent1">
-                    <a:lumMod val="75000"/>
-                  </a:schemeClr>
-                </a:solidFill>
-              </a:rPr>
-              <a:t>Drawbacks</a:t>
-            </a:r>
-          </a:p>
-        </p:txBody>
-      </p:sp>
-      <p:sp>
-        <p:nvSpPr>
-          <p:cNvPr id="3" name="Subtitle 2"/>
-          <p:cNvSpPr>
-            <a:spLocks noGrp="1"/>
-          </p:cNvSpPr>
-          <p:nvPr>
-            <p:ph idx="1"/>
-          </p:nvPr>
-        </p:nvSpPr>
-        <p:spPr>
-          <a:xfrm>
-            <a:off x="838200" y="1859492"/>
-            <a:ext cx="10515600" cy="4351338"/>
-          </a:xfrm>
-        </p:spPr>
+        <p:spPr/>
         <p:txBody>
           <a:bodyPr>
             <a:normAutofit/>
           </a:bodyPr>
           <a:lstStyle/>
           <a:p>
-            <a:pPr marL="0" indent="0">
-              <a:buNone/>
-            </a:pPr>
-            <a:r>
-              <a:rPr lang="en-GB" sz="3200" dirty="0"/>
-              <a:t>Requires management of partitions and filegroups</a:t>
-            </a:r>
-          </a:p>
-          <a:p>
-            <a:pPr marL="0" indent="0">
-              <a:buNone/>
-            </a:pPr>
-            <a:r>
-              <a:rPr lang="en-GB" sz="3200" dirty="0"/>
-              <a:t>Specialist operations can be blocked by DML operations</a:t>
-            </a:r>
-          </a:p>
-          <a:p>
-            <a:pPr marL="0" indent="0">
-              <a:buNone/>
-            </a:pPr>
-            <a:r>
-              <a:rPr lang="en-GB" sz="3200" dirty="0"/>
-              <a:t>Foreign keys referencing partitioned table will prevent switch operations</a:t>
-            </a:r>
-          </a:p>
-          <a:p>
-            <a:pPr marL="0" indent="0">
-              <a:buNone/>
-            </a:pPr>
-            <a:r>
-              <a:rPr lang="en-GB" sz="3200" dirty="0"/>
-              <a:t>Performance of queries not referencing the partitioning key will be affected</a:t>
-            </a:r>
+            <a:r>
+              <a:rPr lang="en-GB" dirty="0">
+                <a:solidFill>
+                  <a:schemeClr val="accent1"/>
+                </a:solidFill>
+              </a:rPr>
+              <a:t>Building a partitioned table</a:t>
+            </a:r>
+          </a:p>
+        </p:txBody>
+      </p:sp>
+      <p:sp>
+        <p:nvSpPr>
+          <p:cNvPr id="2" name="Text Placeholder 1"/>
+          <p:cNvSpPr>
+            <a:spLocks noGrp="1"/>
+          </p:cNvSpPr>
+          <p:nvPr>
+            <p:ph type="body" idx="1"/>
+          </p:nvPr>
+        </p:nvSpPr>
+        <p:spPr/>
+        <p:txBody>
+          <a:bodyPr/>
+          <a:lstStyle/>
+          <a:p>
+            <a:endParaRPr lang="en-GB" dirty="0"/>
           </a:p>
         </p:txBody>
       </p:sp>
     </p:spTree>
     <p:extLst>
       <p:ext uri="{BB962C8B-B14F-4D97-AF65-F5344CB8AC3E}">
-        <p14:creationId xmlns:p14="http://schemas.microsoft.com/office/powerpoint/2010/main" val="568404927"/>
+        <p14:creationId xmlns:p14="http://schemas.microsoft.com/office/powerpoint/2010/main" val="1078281942"/>
       </p:ext>
     </p:extLst>
   </p:cSld>

--- a/Intro to Partitioning.pptx
+++ b/Intro to Partitioning.pptx
@@ -3593,7 +3593,7 @@
             </a:pPr>
             <a:r>
               <a:rPr lang="en-US" altLang="en-US" dirty="0"/>
-              <a:t>Defines partition boundaries</a:t>
+              <a:t>WORK ON THIS!!!!!</a:t>
             </a:r>
             <a:br>
               <a:rPr lang="en-US" altLang="en-US" dirty="0">
@@ -5452,21 +5452,8 @@
                   <a:schemeClr val="accent1"/>
                 </a:solidFill>
               </a:rPr>
-              <a:t>Merging &amp; Splitting </a:t>
-            </a:r>
-            <a:r>
-              <a:rPr lang="en-GB" dirty="0" err="1">
-                <a:solidFill>
-                  <a:schemeClr val="accent1"/>
-                </a:solidFill>
-              </a:rPr>
-              <a:t>Partions</a:t>
-            </a:r>
-            <a:endParaRPr lang="en-GB" dirty="0">
-              <a:solidFill>
-                <a:schemeClr val="accent1"/>
-              </a:solidFill>
-            </a:endParaRPr>
+              <a:t>Merging &amp; Splitting Partitions</a:t>
+            </a:r>
           </a:p>
         </p:txBody>
       </p:sp>

--- a/Intro to Partitioning.pptx
+++ b/Intro to Partitioning.pptx
@@ -4,6 +4,9 @@
   <p:sldMasterIdLst>
     <p:sldMasterId id="2147483648" r:id="rId1"/>
   </p:sldMasterIdLst>
+  <p:notesMasterIdLst>
+    <p:notesMasterId r:id="rId43"/>
+  </p:notesMasterIdLst>
   <p:sldIdLst>
     <p:sldId id="256" r:id="rId2"/>
     <p:sldId id="282" r:id="rId3"/>
@@ -152,6 +155,356 @@
 </p:presentation>
 </file>
 
+<file path=ppt/notesMasters/notesMaster1.xml><?xml version="1.0" encoding="utf-8"?>
+<p:notesMaster xmlns:a="http://schemas.openxmlformats.org/drawingml/2006/main" xmlns:r="http://schemas.openxmlformats.org/officeDocument/2006/relationships" xmlns:p="http://schemas.openxmlformats.org/presentationml/2006/main">
+  <p:cSld>
+    <p:bg>
+      <p:bgRef idx="1001">
+        <a:schemeClr val="bg1"/>
+      </p:bgRef>
+    </p:bg>
+    <p:spTree>
+      <p:nvGrpSpPr>
+        <p:cNvPr id="1" name=""/>
+        <p:cNvGrpSpPr/>
+        <p:nvPr/>
+      </p:nvGrpSpPr>
+      <p:grpSpPr>
+        <a:xfrm>
+          <a:off x="0" y="0"/>
+          <a:ext cx="0" cy="0"/>
+          <a:chOff x="0" y="0"/>
+          <a:chExt cx="0" cy="0"/>
+        </a:xfrm>
+      </p:grpSpPr>
+      <p:sp>
+        <p:nvSpPr>
+          <p:cNvPr id="2" name="Header Placeholder 1"/>
+          <p:cNvSpPr>
+            <a:spLocks noGrp="1"/>
+          </p:cNvSpPr>
+          <p:nvPr>
+            <p:ph type="hdr" sz="quarter"/>
+          </p:nvPr>
+        </p:nvSpPr>
+        <p:spPr>
+          <a:xfrm>
+            <a:off x="0" y="0"/>
+            <a:ext cx="2971800" cy="458788"/>
+          </a:xfrm>
+          <a:prstGeom prst="rect">
+            <a:avLst/>
+          </a:prstGeom>
+        </p:spPr>
+        <p:txBody>
+          <a:bodyPr vert="horz" lIns="91440" tIns="45720" rIns="91440" bIns="45720" rtlCol="0"/>
+          <a:lstStyle>
+            <a:lvl1pPr algn="l">
+              <a:defRPr sz="1200"/>
+            </a:lvl1pPr>
+          </a:lstStyle>
+          <a:p>
+            <a:endParaRPr lang="en-IE"/>
+          </a:p>
+        </p:txBody>
+      </p:sp>
+      <p:sp>
+        <p:nvSpPr>
+          <p:cNvPr id="3" name="Date Placeholder 2"/>
+          <p:cNvSpPr>
+            <a:spLocks noGrp="1"/>
+          </p:cNvSpPr>
+          <p:nvPr>
+            <p:ph type="dt" idx="1"/>
+          </p:nvPr>
+        </p:nvSpPr>
+        <p:spPr>
+          <a:xfrm>
+            <a:off x="3884613" y="0"/>
+            <a:ext cx="2971800" cy="458788"/>
+          </a:xfrm>
+          <a:prstGeom prst="rect">
+            <a:avLst/>
+          </a:prstGeom>
+        </p:spPr>
+        <p:txBody>
+          <a:bodyPr vert="horz" lIns="91440" tIns="45720" rIns="91440" bIns="45720" rtlCol="0"/>
+          <a:lstStyle>
+            <a:lvl1pPr algn="r">
+              <a:defRPr sz="1200"/>
+            </a:lvl1pPr>
+          </a:lstStyle>
+          <a:p>
+            <a:fld id="{5DD5D27D-F6C1-457C-97EB-5B89E5036C9E}" type="datetimeFigureOut">
+              <a:rPr lang="en-IE" smtClean="0"/>
+              <a:t>18/02/2018</a:t>
+            </a:fld>
+            <a:endParaRPr lang="en-IE"/>
+          </a:p>
+        </p:txBody>
+      </p:sp>
+      <p:sp>
+        <p:nvSpPr>
+          <p:cNvPr id="4" name="Slide Image Placeholder 3"/>
+          <p:cNvSpPr>
+            <a:spLocks noGrp="1" noRot="1" noChangeAspect="1"/>
+          </p:cNvSpPr>
+          <p:nvPr>
+            <p:ph type="sldImg" idx="2"/>
+          </p:nvPr>
+        </p:nvSpPr>
+        <p:spPr>
+          <a:xfrm>
+            <a:off x="685800" y="1143000"/>
+            <a:ext cx="5486400" cy="3086100"/>
+          </a:xfrm>
+          <a:prstGeom prst="rect">
+            <a:avLst/>
+          </a:prstGeom>
+          <a:noFill/>
+          <a:ln w="12700">
+            <a:solidFill>
+              <a:prstClr val="black"/>
+            </a:solidFill>
+          </a:ln>
+        </p:spPr>
+        <p:txBody>
+          <a:bodyPr vert="horz" lIns="91440" tIns="45720" rIns="91440" bIns="45720" rtlCol="0" anchor="ctr"/>
+          <a:lstStyle/>
+          <a:p>
+            <a:endParaRPr lang="en-IE"/>
+          </a:p>
+        </p:txBody>
+      </p:sp>
+      <p:sp>
+        <p:nvSpPr>
+          <p:cNvPr id="5" name="Notes Placeholder 4"/>
+          <p:cNvSpPr>
+            <a:spLocks noGrp="1"/>
+          </p:cNvSpPr>
+          <p:nvPr>
+            <p:ph type="body" sz="quarter" idx="3"/>
+          </p:nvPr>
+        </p:nvSpPr>
+        <p:spPr>
+          <a:xfrm>
+            <a:off x="685800" y="4400550"/>
+            <a:ext cx="5486400" cy="3600450"/>
+          </a:xfrm>
+          <a:prstGeom prst="rect">
+            <a:avLst/>
+          </a:prstGeom>
+        </p:spPr>
+        <p:txBody>
+          <a:bodyPr vert="horz" lIns="91440" tIns="45720" rIns="91440" bIns="45720" rtlCol="0"/>
+          <a:lstStyle/>
+          <a:p>
+            <a:pPr lvl="0"/>
+            <a:r>
+              <a:rPr lang="en-US"/>
+              <a:t>Edit Master text styles</a:t>
+            </a:r>
+          </a:p>
+          <a:p>
+            <a:pPr lvl="1"/>
+            <a:r>
+              <a:rPr lang="en-US"/>
+              <a:t>Second level</a:t>
+            </a:r>
+          </a:p>
+          <a:p>
+            <a:pPr lvl="2"/>
+            <a:r>
+              <a:rPr lang="en-US"/>
+              <a:t>Third level</a:t>
+            </a:r>
+          </a:p>
+          <a:p>
+            <a:pPr lvl="3"/>
+            <a:r>
+              <a:rPr lang="en-US"/>
+              <a:t>Fourth level</a:t>
+            </a:r>
+          </a:p>
+          <a:p>
+            <a:pPr lvl="4"/>
+            <a:r>
+              <a:rPr lang="en-US"/>
+              <a:t>Fifth level</a:t>
+            </a:r>
+            <a:endParaRPr lang="en-IE"/>
+          </a:p>
+        </p:txBody>
+      </p:sp>
+      <p:sp>
+        <p:nvSpPr>
+          <p:cNvPr id="6" name="Footer Placeholder 5"/>
+          <p:cNvSpPr>
+            <a:spLocks noGrp="1"/>
+          </p:cNvSpPr>
+          <p:nvPr>
+            <p:ph type="ftr" sz="quarter" idx="4"/>
+          </p:nvPr>
+        </p:nvSpPr>
+        <p:spPr>
+          <a:xfrm>
+            <a:off x="0" y="8685213"/>
+            <a:ext cx="2971800" cy="458787"/>
+          </a:xfrm>
+          <a:prstGeom prst="rect">
+            <a:avLst/>
+          </a:prstGeom>
+        </p:spPr>
+        <p:txBody>
+          <a:bodyPr vert="horz" lIns="91440" tIns="45720" rIns="91440" bIns="45720" rtlCol="0" anchor="b"/>
+          <a:lstStyle>
+            <a:lvl1pPr algn="l">
+              <a:defRPr sz="1200"/>
+            </a:lvl1pPr>
+          </a:lstStyle>
+          <a:p>
+            <a:endParaRPr lang="en-IE"/>
+          </a:p>
+        </p:txBody>
+      </p:sp>
+      <p:sp>
+        <p:nvSpPr>
+          <p:cNvPr id="7" name="Slide Number Placeholder 6"/>
+          <p:cNvSpPr>
+            <a:spLocks noGrp="1"/>
+          </p:cNvSpPr>
+          <p:nvPr>
+            <p:ph type="sldNum" sz="quarter" idx="5"/>
+          </p:nvPr>
+        </p:nvSpPr>
+        <p:spPr>
+          <a:xfrm>
+            <a:off x="3884613" y="8685213"/>
+            <a:ext cx="2971800" cy="458787"/>
+          </a:xfrm>
+          <a:prstGeom prst="rect">
+            <a:avLst/>
+          </a:prstGeom>
+        </p:spPr>
+        <p:txBody>
+          <a:bodyPr vert="horz" lIns="91440" tIns="45720" rIns="91440" bIns="45720" rtlCol="0" anchor="b"/>
+          <a:lstStyle>
+            <a:lvl1pPr algn="r">
+              <a:defRPr sz="1200"/>
+            </a:lvl1pPr>
+          </a:lstStyle>
+          <a:p>
+            <a:fld id="{1F33DCF1-0E0C-46D1-982B-9AC1FC9E571A}" type="slidenum">
+              <a:rPr lang="en-IE" smtClean="0"/>
+              <a:t>‹#›</a:t>
+            </a:fld>
+            <a:endParaRPr lang="en-IE"/>
+          </a:p>
+        </p:txBody>
+      </p:sp>
+    </p:spTree>
+    <p:extLst>
+      <p:ext uri="{BB962C8B-B14F-4D97-AF65-F5344CB8AC3E}">
+        <p14:creationId xmlns:p14="http://schemas.microsoft.com/office/powerpoint/2010/main" val="3558912555"/>
+      </p:ext>
+    </p:extLst>
+  </p:cSld>
+  <p:clrMap bg1="lt1" tx1="dk1" bg2="lt2" tx2="dk2" accent1="accent1" accent2="accent2" accent3="accent3" accent4="accent4" accent5="accent5" accent6="accent6" hlink="hlink" folHlink="folHlink"/>
+  <p:notesStyle>
+    <a:lvl1pPr marL="0" algn="l" defTabSz="914400" rtl="0" eaLnBrk="1" latinLnBrk="0" hangingPunct="1">
+      <a:defRPr sz="1200" kern="1200">
+        <a:solidFill>
+          <a:schemeClr val="tx1"/>
+        </a:solidFill>
+        <a:latin typeface="+mn-lt"/>
+        <a:ea typeface="+mn-ea"/>
+        <a:cs typeface="+mn-cs"/>
+      </a:defRPr>
+    </a:lvl1pPr>
+    <a:lvl2pPr marL="457200" algn="l" defTabSz="914400" rtl="0" eaLnBrk="1" latinLnBrk="0" hangingPunct="1">
+      <a:defRPr sz="1200" kern="1200">
+        <a:solidFill>
+          <a:schemeClr val="tx1"/>
+        </a:solidFill>
+        <a:latin typeface="+mn-lt"/>
+        <a:ea typeface="+mn-ea"/>
+        <a:cs typeface="+mn-cs"/>
+      </a:defRPr>
+    </a:lvl2pPr>
+    <a:lvl3pPr marL="914400" algn="l" defTabSz="914400" rtl="0" eaLnBrk="1" latinLnBrk="0" hangingPunct="1">
+      <a:defRPr sz="1200" kern="1200">
+        <a:solidFill>
+          <a:schemeClr val="tx1"/>
+        </a:solidFill>
+        <a:latin typeface="+mn-lt"/>
+        <a:ea typeface="+mn-ea"/>
+        <a:cs typeface="+mn-cs"/>
+      </a:defRPr>
+    </a:lvl3pPr>
+    <a:lvl4pPr marL="1371600" algn="l" defTabSz="914400" rtl="0" eaLnBrk="1" latinLnBrk="0" hangingPunct="1">
+      <a:defRPr sz="1200" kern="1200">
+        <a:solidFill>
+          <a:schemeClr val="tx1"/>
+        </a:solidFill>
+        <a:latin typeface="+mn-lt"/>
+        <a:ea typeface="+mn-ea"/>
+        <a:cs typeface="+mn-cs"/>
+      </a:defRPr>
+    </a:lvl4pPr>
+    <a:lvl5pPr marL="1828800" algn="l" defTabSz="914400" rtl="0" eaLnBrk="1" latinLnBrk="0" hangingPunct="1">
+      <a:defRPr sz="1200" kern="1200">
+        <a:solidFill>
+          <a:schemeClr val="tx1"/>
+        </a:solidFill>
+        <a:latin typeface="+mn-lt"/>
+        <a:ea typeface="+mn-ea"/>
+        <a:cs typeface="+mn-cs"/>
+      </a:defRPr>
+    </a:lvl5pPr>
+    <a:lvl6pPr marL="2286000" algn="l" defTabSz="914400" rtl="0" eaLnBrk="1" latinLnBrk="0" hangingPunct="1">
+      <a:defRPr sz="1200" kern="1200">
+        <a:solidFill>
+          <a:schemeClr val="tx1"/>
+        </a:solidFill>
+        <a:latin typeface="+mn-lt"/>
+        <a:ea typeface="+mn-ea"/>
+        <a:cs typeface="+mn-cs"/>
+      </a:defRPr>
+    </a:lvl6pPr>
+    <a:lvl7pPr marL="2743200" algn="l" defTabSz="914400" rtl="0" eaLnBrk="1" latinLnBrk="0" hangingPunct="1">
+      <a:defRPr sz="1200" kern="1200">
+        <a:solidFill>
+          <a:schemeClr val="tx1"/>
+        </a:solidFill>
+        <a:latin typeface="+mn-lt"/>
+        <a:ea typeface="+mn-ea"/>
+        <a:cs typeface="+mn-cs"/>
+      </a:defRPr>
+    </a:lvl7pPr>
+    <a:lvl8pPr marL="3200400" algn="l" defTabSz="914400" rtl="0" eaLnBrk="1" latinLnBrk="0" hangingPunct="1">
+      <a:defRPr sz="1200" kern="1200">
+        <a:solidFill>
+          <a:schemeClr val="tx1"/>
+        </a:solidFill>
+        <a:latin typeface="+mn-lt"/>
+        <a:ea typeface="+mn-ea"/>
+        <a:cs typeface="+mn-cs"/>
+      </a:defRPr>
+    </a:lvl8pPr>
+    <a:lvl9pPr marL="3657600" algn="l" defTabSz="914400" rtl="0" eaLnBrk="1" latinLnBrk="0" hangingPunct="1">
+      <a:defRPr sz="1200" kern="1200">
+        <a:solidFill>
+          <a:schemeClr val="tx1"/>
+        </a:solidFill>
+        <a:latin typeface="+mn-lt"/>
+        <a:ea typeface="+mn-ea"/>
+        <a:cs typeface="+mn-cs"/>
+      </a:defRPr>
+    </a:lvl9pPr>
+  </p:notesStyle>
+</p:notesMaster>
+</file>
+
 <file path=ppt/slideLayouts/slideLayout1.xml><?xml version="1.0" encoding="utf-8"?>
 <p:sldLayout xmlns:a="http://schemas.openxmlformats.org/drawingml/2006/main" xmlns:r="http://schemas.openxmlformats.org/officeDocument/2006/relationships" xmlns:p="http://schemas.openxmlformats.org/presentationml/2006/main" type="title" preserve="1">
   <p:cSld name="Title Slide">
@@ -283,7 +636,7 @@
           <a:p>
             <a:fld id="{A64C863B-FA9B-4512-A178-D5CD000B838D}" type="datetimeFigureOut">
               <a:rPr lang="en-GB" smtClean="0"/>
-              <a:t>17/02/2018</a:t>
+              <a:t>18/02/2018</a:t>
             </a:fld>
             <a:endParaRPr lang="en-GB"/>
           </a:p>
@@ -453,7 +806,7 @@
           <a:p>
             <a:fld id="{A64C863B-FA9B-4512-A178-D5CD000B838D}" type="datetimeFigureOut">
               <a:rPr lang="en-GB" smtClean="0"/>
-              <a:t>17/02/2018</a:t>
+              <a:t>18/02/2018</a:t>
             </a:fld>
             <a:endParaRPr lang="en-GB"/>
           </a:p>
@@ -633,7 +986,7 @@
           <a:p>
             <a:fld id="{A64C863B-FA9B-4512-A178-D5CD000B838D}" type="datetimeFigureOut">
               <a:rPr lang="en-GB" smtClean="0"/>
-              <a:t>17/02/2018</a:t>
+              <a:t>18/02/2018</a:t>
             </a:fld>
             <a:endParaRPr lang="en-GB"/>
           </a:p>
@@ -803,7 +1156,7 @@
           <a:p>
             <a:fld id="{A64C863B-FA9B-4512-A178-D5CD000B838D}" type="datetimeFigureOut">
               <a:rPr lang="en-GB" smtClean="0"/>
-              <a:t>17/02/2018</a:t>
+              <a:t>18/02/2018</a:t>
             </a:fld>
             <a:endParaRPr lang="en-GB"/>
           </a:p>
@@ -1049,7 +1402,7 @@
           <a:p>
             <a:fld id="{A64C863B-FA9B-4512-A178-D5CD000B838D}" type="datetimeFigureOut">
               <a:rPr lang="en-GB" smtClean="0"/>
-              <a:t>17/02/2018</a:t>
+              <a:t>18/02/2018</a:t>
             </a:fld>
             <a:endParaRPr lang="en-GB"/>
           </a:p>
@@ -1281,7 +1634,7 @@
           <a:p>
             <a:fld id="{A64C863B-FA9B-4512-A178-D5CD000B838D}" type="datetimeFigureOut">
               <a:rPr lang="en-GB" smtClean="0"/>
-              <a:t>17/02/2018</a:t>
+              <a:t>18/02/2018</a:t>
             </a:fld>
             <a:endParaRPr lang="en-GB"/>
           </a:p>
@@ -1648,7 +2001,7 @@
           <a:p>
             <a:fld id="{A64C863B-FA9B-4512-A178-D5CD000B838D}" type="datetimeFigureOut">
               <a:rPr lang="en-GB" smtClean="0"/>
-              <a:t>17/02/2018</a:t>
+              <a:t>18/02/2018</a:t>
             </a:fld>
             <a:endParaRPr lang="en-GB"/>
           </a:p>
@@ -1766,7 +2119,7 @@
           <a:p>
             <a:fld id="{A64C863B-FA9B-4512-A178-D5CD000B838D}" type="datetimeFigureOut">
               <a:rPr lang="en-GB" smtClean="0"/>
-              <a:t>17/02/2018</a:t>
+              <a:t>18/02/2018</a:t>
             </a:fld>
             <a:endParaRPr lang="en-GB"/>
           </a:p>
@@ -1861,7 +2214,7 @@
           <a:p>
             <a:fld id="{A64C863B-FA9B-4512-A178-D5CD000B838D}" type="datetimeFigureOut">
               <a:rPr lang="en-GB" smtClean="0"/>
-              <a:t>17/02/2018</a:t>
+              <a:t>18/02/2018</a:t>
             </a:fld>
             <a:endParaRPr lang="en-GB"/>
           </a:p>
@@ -2138,7 +2491,7 @@
           <a:p>
             <a:fld id="{A64C863B-FA9B-4512-A178-D5CD000B838D}" type="datetimeFigureOut">
               <a:rPr lang="en-GB" smtClean="0"/>
-              <a:t>17/02/2018</a:t>
+              <a:t>18/02/2018</a:t>
             </a:fld>
             <a:endParaRPr lang="en-GB"/>
           </a:p>
@@ -2391,7 +2744,7 @@
           <a:p>
             <a:fld id="{A64C863B-FA9B-4512-A178-D5CD000B838D}" type="datetimeFigureOut">
               <a:rPr lang="en-GB" smtClean="0"/>
-              <a:t>17/02/2018</a:t>
+              <a:t>18/02/2018</a:t>
             </a:fld>
             <a:endParaRPr lang="en-GB"/>
           </a:p>
@@ -2613,7 +2966,7 @@
           <a:p>
             <a:fld id="{A64C863B-FA9B-4512-A178-D5CD000B838D}" type="datetimeFigureOut">
               <a:rPr lang="en-GB" smtClean="0"/>
-              <a:t>17/02/2018</a:t>
+              <a:t>18/02/2018</a:t>
             </a:fld>
             <a:endParaRPr lang="en-GB"/>
           </a:p>
@@ -3580,87 +3933,433 @@
         </p:nvSpPr>
         <p:spPr>
           <a:xfrm>
-            <a:off x="838200" y="1859492"/>
-            <a:ext cx="10515600" cy="4351338"/>
+            <a:off x="2481294" y="4274875"/>
+            <a:ext cx="6312309" cy="1840790"/>
           </a:xfrm>
         </p:spPr>
         <p:txBody>
-          <a:bodyPr/>
+          <a:bodyPr>
+            <a:normAutofit/>
+          </a:bodyPr>
           <a:lstStyle/>
           <a:p>
             <a:pPr marL="0" indent="0">
               <a:buNone/>
             </a:pPr>
             <a:r>
-              <a:rPr lang="en-US" altLang="en-US" dirty="0"/>
-              <a:t>WORK ON THIS!!!!!</a:t>
+              <a:rPr lang="en-GB" sz="2400" dirty="0">
+                <a:solidFill>
+                  <a:srgbClr val="808080"/>
+                </a:solidFill>
+                <a:latin typeface="Consolas" panose="020B0609020204030204" pitchFamily="49" charset="0"/>
+              </a:rPr>
+              <a:t>RIGHT</a:t>
             </a:r>
             <a:br>
-              <a:rPr lang="en-US" altLang="en-US" dirty="0">
-                <a:solidFill>
-                  <a:srgbClr val="0064C3"/>
+              <a:rPr lang="en-GB" sz="2400" dirty="0"/>
+            </a:br>
+            <a:r>
+              <a:rPr lang="en-GB" sz="2400" dirty="0"/>
+              <a:t>	</a:t>
+            </a:r>
+            <a:r>
+              <a:rPr lang="en-GB" sz="2400" dirty="0">
+                <a:solidFill>
+                  <a:prstClr val="black"/>
+                </a:solidFill>
+                <a:latin typeface="Consolas" panose="020B0609020204030204" pitchFamily="49" charset="0"/>
+              </a:rPr>
+              <a:t>2017-01-01</a:t>
+            </a:r>
+            <a:r>
+              <a:rPr lang="en-GB" sz="2400" dirty="0"/>
+              <a:t> &lt;= x &lt; </a:t>
+            </a:r>
+            <a:r>
+              <a:rPr lang="en-GB" sz="2400" u="sng" dirty="0">
+                <a:solidFill>
+                  <a:srgbClr val="FF0000"/>
+                </a:solidFill>
+                <a:latin typeface="Consolas" panose="020B0609020204030204" pitchFamily="49" charset="0"/>
+              </a:rPr>
+              <a:t>2018-01-01</a:t>
+            </a:r>
+            <a:br>
+              <a:rPr lang="en-GB" sz="2400" u="sng" dirty="0">
+                <a:solidFill>
+                  <a:srgbClr val="FF0000"/>
                 </a:solidFill>
               </a:rPr>
             </a:br>
             <a:br>
-              <a:rPr lang="en-US" altLang="en-US" dirty="0">
-                <a:solidFill>
-                  <a:srgbClr val="0064C3"/>
-                </a:solidFill>
-              </a:rPr>
+              <a:rPr lang="en-GB" sz="2400" dirty="0"/>
             </a:br>
             <a:r>
-              <a:rPr lang="en-US" altLang="en-US" dirty="0"/>
-              <a:t>Right</a:t>
+              <a:rPr lang="en-GB" sz="2400" dirty="0">
+                <a:solidFill>
+                  <a:srgbClr val="808080"/>
+                </a:solidFill>
+                <a:latin typeface="Consolas" panose="020B0609020204030204" pitchFamily="49" charset="0"/>
+              </a:rPr>
+              <a:t>LEFT</a:t>
             </a:r>
             <a:br>
-              <a:rPr lang="en-GB" dirty="0"/>
+              <a:rPr lang="en-GB" sz="2400" dirty="0"/>
             </a:br>
             <a:r>
-              <a:rPr lang="en-GB" dirty="0"/>
-              <a:t>	2017-01-01 &lt;= x &lt; </a:t>
-            </a:r>
-            <a:r>
-              <a:rPr lang="en-GB" u="sng" dirty="0">
+              <a:rPr lang="en-GB" sz="2400" dirty="0"/>
+              <a:t>	</a:t>
+            </a:r>
+            <a:r>
+              <a:rPr lang="en-GB" sz="2400" u="sng" dirty="0">
                 <a:solidFill>
                   <a:srgbClr val="FF0000"/>
                 </a:solidFill>
+                <a:latin typeface="Consolas" panose="020B0609020204030204" pitchFamily="49" charset="0"/>
+              </a:rPr>
+              <a:t>2017-01-01</a:t>
+            </a:r>
+            <a:r>
+              <a:rPr lang="en-GB" sz="2400" dirty="0"/>
+              <a:t> &lt; x &lt;= </a:t>
+            </a:r>
+            <a:r>
+              <a:rPr lang="en-GB" sz="2400" dirty="0">
+                <a:solidFill>
+                  <a:prstClr val="black"/>
+                </a:solidFill>
+                <a:latin typeface="Consolas" panose="020B0609020204030204" pitchFamily="49" charset="0"/>
               </a:rPr>
               <a:t>2018-01-01</a:t>
             </a:r>
+            <a:endParaRPr lang="en-GB" sz="2400" dirty="0"/>
+          </a:p>
+        </p:txBody>
+      </p:sp>
+      <p:sp>
+        <p:nvSpPr>
+          <p:cNvPr id="2" name="TextBox 1">
+            <a:extLst>
+              <a:ext uri="{FF2B5EF4-FFF2-40B4-BE49-F238E27FC236}">
+                <a16:creationId xmlns:a16="http://schemas.microsoft.com/office/drawing/2014/main" id="{7CC2500E-52F4-4A56-8D39-3C5CC84B8289}"/>
+              </a:ext>
+            </a:extLst>
+          </p:cNvPr>
+          <p:cNvSpPr txBox="1"/>
+          <p:nvPr/>
+        </p:nvSpPr>
+        <p:spPr>
+          <a:xfrm>
+            <a:off x="331596" y="1570139"/>
+            <a:ext cx="10611707" cy="523220"/>
+          </a:xfrm>
+          <a:prstGeom prst="rect">
+            <a:avLst/>
+          </a:prstGeom>
+          <a:noFill/>
+        </p:spPr>
+        <p:txBody>
+          <a:bodyPr wrap="square" rtlCol="0">
+            <a:spAutoFit/>
+          </a:bodyPr>
+          <a:lstStyle/>
+          <a:p>
+            <a:r>
+              <a:rPr lang="en-GB" sz="2800" dirty="0"/>
+              <a:t>Defines which side of the boundary the value specified belongs</a:t>
+            </a:r>
+            <a:endParaRPr lang="en-IE" sz="2800" dirty="0"/>
+          </a:p>
+        </p:txBody>
+      </p:sp>
+      <p:sp>
+        <p:nvSpPr>
+          <p:cNvPr id="4" name="TextBox 3">
+            <a:extLst>
+              <a:ext uri="{FF2B5EF4-FFF2-40B4-BE49-F238E27FC236}">
+                <a16:creationId xmlns:a16="http://schemas.microsoft.com/office/drawing/2014/main" id="{0D7F9205-C9CA-4532-BB58-72AB65563323}"/>
+              </a:ext>
+            </a:extLst>
+          </p:cNvPr>
+          <p:cNvSpPr txBox="1"/>
+          <p:nvPr/>
+        </p:nvSpPr>
+        <p:spPr>
+          <a:xfrm>
+            <a:off x="1460090" y="2477728"/>
+            <a:ext cx="9271819" cy="1200329"/>
+          </a:xfrm>
+          <a:prstGeom prst="rect">
+            <a:avLst/>
+          </a:prstGeom>
+          <a:noFill/>
+        </p:spPr>
+        <p:txBody>
+          <a:bodyPr wrap="square" rtlCol="0">
+            <a:spAutoFit/>
+          </a:bodyPr>
+          <a:lstStyle/>
+          <a:p>
+            <a:r>
+              <a:rPr lang="en-GB" sz="2400" dirty="0">
+                <a:solidFill>
+                  <a:srgbClr val="0000FF"/>
+                </a:solidFill>
+                <a:latin typeface="Consolas" panose="020B0609020204030204" pitchFamily="49" charset="0"/>
+              </a:rPr>
+              <a:t>CREATE</a:t>
+            </a:r>
+            <a:r>
+              <a:rPr lang="en-GB" sz="2400" dirty="0">
+                <a:solidFill>
+                  <a:prstClr val="black"/>
+                </a:solidFill>
+                <a:latin typeface="Consolas" panose="020B0609020204030204" pitchFamily="49" charset="0"/>
+              </a:rPr>
+              <a:t> </a:t>
+            </a:r>
+            <a:r>
+              <a:rPr lang="en-GB" sz="2400" dirty="0">
+                <a:solidFill>
+                  <a:srgbClr val="0000FF"/>
+                </a:solidFill>
+                <a:latin typeface="Consolas" panose="020B0609020204030204" pitchFamily="49" charset="0"/>
+              </a:rPr>
+              <a:t>PARTITION</a:t>
+            </a:r>
+            <a:r>
+              <a:rPr lang="en-GB" sz="2400" dirty="0">
+                <a:solidFill>
+                  <a:prstClr val="black"/>
+                </a:solidFill>
+                <a:latin typeface="Consolas" panose="020B0609020204030204" pitchFamily="49" charset="0"/>
+              </a:rPr>
+              <a:t> </a:t>
+            </a:r>
+            <a:r>
+              <a:rPr lang="en-GB" sz="2400" dirty="0">
+                <a:solidFill>
+                  <a:srgbClr val="0000FF"/>
+                </a:solidFill>
+                <a:latin typeface="Consolas" panose="020B0609020204030204" pitchFamily="49" charset="0"/>
+              </a:rPr>
+              <a:t>FUNCTION</a:t>
+            </a:r>
+            <a:r>
+              <a:rPr lang="en-GB" sz="2400" dirty="0">
+                <a:solidFill>
+                  <a:prstClr val="black"/>
+                </a:solidFill>
+                <a:latin typeface="Consolas" panose="020B0609020204030204" pitchFamily="49" charset="0"/>
+              </a:rPr>
+              <a:t> </a:t>
+            </a:r>
+            <a:r>
+              <a:rPr lang="en-GB" sz="2400" dirty="0">
+                <a:solidFill>
+                  <a:srgbClr val="808080"/>
+                </a:solidFill>
+                <a:latin typeface="Consolas" panose="020B0609020204030204" pitchFamily="49" charset="0"/>
+              </a:rPr>
+              <a:t>[</a:t>
+            </a:r>
+            <a:r>
+              <a:rPr lang="en-GB" sz="2400" dirty="0" err="1">
+                <a:solidFill>
+                  <a:prstClr val="black"/>
+                </a:solidFill>
+                <a:latin typeface="Consolas" panose="020B0609020204030204" pitchFamily="49" charset="0"/>
+              </a:rPr>
+              <a:t>MyPartitionFunction</a:t>
+            </a:r>
+            <a:r>
+              <a:rPr lang="en-GB" sz="2400" dirty="0">
+                <a:solidFill>
+                  <a:srgbClr val="808080"/>
+                </a:solidFill>
+                <a:latin typeface="Consolas" panose="020B0609020204030204" pitchFamily="49" charset="0"/>
+              </a:rPr>
+              <a:t>](</a:t>
+            </a:r>
+            <a:r>
+              <a:rPr lang="en-GB" sz="2400" dirty="0">
+                <a:solidFill>
+                  <a:prstClr val="black"/>
+                </a:solidFill>
+                <a:latin typeface="Consolas" panose="020B0609020204030204" pitchFamily="49" charset="0"/>
+              </a:rPr>
+              <a:t>DATE</a:t>
+            </a:r>
+            <a:r>
+              <a:rPr lang="en-GB" sz="2400" dirty="0">
+                <a:solidFill>
+                  <a:srgbClr val="808080"/>
+                </a:solidFill>
+                <a:latin typeface="Consolas" panose="020B0609020204030204" pitchFamily="49" charset="0"/>
+              </a:rPr>
+              <a:t>)</a:t>
+            </a:r>
             <a:br>
-              <a:rPr lang="en-GB" u="sng" dirty="0">
-                <a:solidFill>
-                  <a:srgbClr val="FF0000"/>
-                </a:solidFill>
+              <a:rPr lang="en-GB" sz="2400" dirty="0">
+                <a:solidFill>
+                  <a:prstClr val="black"/>
+                </a:solidFill>
+                <a:latin typeface="Consolas" panose="020B0609020204030204" pitchFamily="49" charset="0"/>
               </a:rPr>
             </a:br>
+            <a:r>
+              <a:rPr lang="en-GB" sz="2400" dirty="0">
+                <a:solidFill>
+                  <a:prstClr val="black"/>
+                </a:solidFill>
+                <a:latin typeface="Consolas" panose="020B0609020204030204" pitchFamily="49" charset="0"/>
+              </a:rPr>
+              <a:t>	</a:t>
+            </a:r>
+            <a:r>
+              <a:rPr lang="en-GB" sz="2400" dirty="0">
+                <a:solidFill>
+                  <a:srgbClr val="0000FF"/>
+                </a:solidFill>
+                <a:latin typeface="Consolas" panose="020B0609020204030204" pitchFamily="49" charset="0"/>
+              </a:rPr>
+              <a:t>AS</a:t>
+            </a:r>
+            <a:r>
+              <a:rPr lang="en-GB" sz="2400" dirty="0">
+                <a:solidFill>
+                  <a:prstClr val="black"/>
+                </a:solidFill>
+                <a:latin typeface="Consolas" panose="020B0609020204030204" pitchFamily="49" charset="0"/>
+              </a:rPr>
+              <a:t> </a:t>
+            </a:r>
+            <a:r>
+              <a:rPr lang="en-GB" sz="2400" dirty="0">
+                <a:solidFill>
+                  <a:srgbClr val="0000FF"/>
+                </a:solidFill>
+                <a:latin typeface="Consolas" panose="020B0609020204030204" pitchFamily="49" charset="0"/>
+              </a:rPr>
+              <a:t>RANGE</a:t>
+            </a:r>
+            <a:r>
+              <a:rPr lang="en-GB" sz="2400" dirty="0">
+                <a:solidFill>
+                  <a:prstClr val="black"/>
+                </a:solidFill>
+                <a:latin typeface="Consolas" panose="020B0609020204030204" pitchFamily="49" charset="0"/>
+              </a:rPr>
+              <a:t> </a:t>
+            </a:r>
+            <a:r>
+              <a:rPr lang="en-GB" sz="2400" dirty="0">
+                <a:solidFill>
+                  <a:srgbClr val="808080"/>
+                </a:solidFill>
+                <a:latin typeface="Consolas" panose="020B0609020204030204" pitchFamily="49" charset="0"/>
+              </a:rPr>
+              <a:t>RIGHT</a:t>
+            </a:r>
+            <a:r>
+              <a:rPr lang="en-GB" sz="2400" dirty="0">
+                <a:solidFill>
+                  <a:prstClr val="black"/>
+                </a:solidFill>
+                <a:latin typeface="Consolas" panose="020B0609020204030204" pitchFamily="49" charset="0"/>
+              </a:rPr>
+              <a:t> </a:t>
+            </a:r>
+            <a:r>
+              <a:rPr lang="en-GB" sz="2400" dirty="0">
+                <a:solidFill>
+                  <a:srgbClr val="808080"/>
+                </a:solidFill>
+                <a:latin typeface="Consolas" panose="020B0609020204030204" pitchFamily="49" charset="0"/>
+              </a:rPr>
+              <a:t>|</a:t>
+            </a:r>
+            <a:r>
+              <a:rPr lang="en-GB" sz="2400" dirty="0">
+                <a:solidFill>
+                  <a:prstClr val="black"/>
+                </a:solidFill>
+                <a:latin typeface="Consolas" panose="020B0609020204030204" pitchFamily="49" charset="0"/>
+              </a:rPr>
+              <a:t> </a:t>
+            </a:r>
+            <a:r>
+              <a:rPr lang="en-GB" sz="2400" dirty="0">
+                <a:solidFill>
+                  <a:srgbClr val="808080"/>
+                </a:solidFill>
+                <a:latin typeface="Consolas" panose="020B0609020204030204" pitchFamily="49" charset="0"/>
+              </a:rPr>
+              <a:t>LEFT</a:t>
+            </a:r>
             <a:br>
-              <a:rPr lang="en-GB" dirty="0"/>
+              <a:rPr lang="en-GB" sz="2400" dirty="0">
+                <a:solidFill>
+                  <a:prstClr val="black"/>
+                </a:solidFill>
+                <a:latin typeface="Consolas" panose="020B0609020204030204" pitchFamily="49" charset="0"/>
+              </a:rPr>
             </a:br>
             <a:r>
-              <a:rPr lang="en-US" altLang="en-US" dirty="0"/>
-              <a:t>Left</a:t>
-            </a:r>
-            <a:br>
-              <a:rPr lang="en-GB" dirty="0"/>
-            </a:br>
-            <a:r>
-              <a:rPr lang="en-GB" dirty="0"/>
-              <a:t>	</a:t>
-            </a:r>
-            <a:r>
-              <a:rPr lang="en-GB" u="sng" dirty="0">
-                <a:solidFill>
-                  <a:srgbClr val="FF0000"/>
-                </a:solidFill>
-              </a:rPr>
-              <a:t>2017-01-01 </a:t>
-            </a:r>
-            <a:r>
-              <a:rPr lang="en-GB" dirty="0"/>
-              <a:t>&lt; x &lt;= 2018-01-01</a:t>
-            </a:r>
+              <a:rPr lang="en-GB" sz="2400" dirty="0">
+                <a:solidFill>
+                  <a:srgbClr val="0000FF"/>
+                </a:solidFill>
+                <a:latin typeface="Consolas" panose="020B0609020204030204" pitchFamily="49" charset="0"/>
+              </a:rPr>
+              <a:t>FOR</a:t>
+            </a:r>
+            <a:r>
+              <a:rPr lang="en-GB" sz="2400" dirty="0">
+                <a:solidFill>
+                  <a:prstClr val="black"/>
+                </a:solidFill>
+                <a:latin typeface="Consolas" panose="020B0609020204030204" pitchFamily="49" charset="0"/>
+              </a:rPr>
+              <a:t> </a:t>
+            </a:r>
+            <a:r>
+              <a:rPr lang="en-GB" sz="2400" dirty="0">
+                <a:solidFill>
+                  <a:srgbClr val="0000FF"/>
+                </a:solidFill>
+                <a:latin typeface="Consolas" panose="020B0609020204030204" pitchFamily="49" charset="0"/>
+              </a:rPr>
+              <a:t>VALUES </a:t>
+            </a:r>
+            <a:r>
+              <a:rPr lang="en-GB" sz="2400" dirty="0">
+                <a:solidFill>
+                  <a:srgbClr val="808080"/>
+                </a:solidFill>
+                <a:latin typeface="Consolas" panose="020B0609020204030204" pitchFamily="49" charset="0"/>
+              </a:rPr>
+              <a:t>(</a:t>
+            </a:r>
+            <a:r>
+              <a:rPr lang="en-GB" sz="2400" dirty="0">
+                <a:solidFill>
+                  <a:prstClr val="black"/>
+                </a:solidFill>
+                <a:latin typeface="Consolas" panose="020B0609020204030204" pitchFamily="49" charset="0"/>
+              </a:rPr>
+              <a:t>2016-01-01,2017-01-01,2018-01-01</a:t>
+            </a:r>
+            <a:r>
+              <a:rPr lang="en-GB" sz="2400" dirty="0">
+                <a:solidFill>
+                  <a:srgbClr val="808080"/>
+                </a:solidFill>
+                <a:latin typeface="Consolas" panose="020B0609020204030204" pitchFamily="49" charset="0"/>
+              </a:rPr>
+              <a:t>);</a:t>
+            </a:r>
+            <a:endParaRPr lang="en-IE" sz="2400" dirty="0"/>
           </a:p>
         </p:txBody>
       </p:sp>
@@ -3752,11 +4451,7 @@
             </a:pPr>
             <a:r>
               <a:rPr lang="en-US" altLang="en-US" dirty="0"/>
-              <a:t>Maps partitions to </a:t>
-            </a:r>
-            <a:r>
-              <a:rPr lang="en-US" altLang="en-US" dirty="0" err="1"/>
-              <a:t>filegroups</a:t>
+              <a:t>Maps partitions to filegroups</a:t>
             </a:r>
             <a:br>
               <a:rPr lang="en-US" altLang="en-US" dirty="0">
@@ -3765,6 +4460,16 @@
                 </a:solidFill>
               </a:rPr>
             </a:br>
+            <a:endParaRPr lang="en-US" altLang="en-US" dirty="0">
+              <a:solidFill>
+                <a:srgbClr val="0064C3"/>
+              </a:solidFill>
+            </a:endParaRPr>
+          </a:p>
+          <a:p>
+            <a:pPr marL="0" indent="0">
+              <a:buNone/>
+            </a:pPr>
             <a:br>
               <a:rPr lang="en-US" altLang="en-US" dirty="0">
                 <a:solidFill>
@@ -9604,4 +10309,299 @@
     </a:ext>
   </a:extLst>
 </a:theme>
+</file>
+
+<file path=ppt/theme/theme2.xml><?xml version="1.0" encoding="utf-8"?>
+<a:theme xmlns:a="http://schemas.openxmlformats.org/drawingml/2006/main" name="Office Theme">
+  <a:themeElements>
+    <a:clrScheme name="Office">
+      <a:dk1>
+        <a:sysClr val="windowText" lastClr="000000"/>
+      </a:dk1>
+      <a:lt1>
+        <a:sysClr val="window" lastClr="FFFFFF"/>
+      </a:lt1>
+      <a:dk2>
+        <a:srgbClr val="44546A"/>
+      </a:dk2>
+      <a:lt2>
+        <a:srgbClr val="E7E6E6"/>
+      </a:lt2>
+      <a:accent1>
+        <a:srgbClr val="4472C4"/>
+      </a:accent1>
+      <a:accent2>
+        <a:srgbClr val="ED7D31"/>
+      </a:accent2>
+      <a:accent3>
+        <a:srgbClr val="A5A5A5"/>
+      </a:accent3>
+      <a:accent4>
+        <a:srgbClr val="FFC000"/>
+      </a:accent4>
+      <a:accent5>
+        <a:srgbClr val="5B9BD5"/>
+      </a:accent5>
+      <a:accent6>
+        <a:srgbClr val="70AD47"/>
+      </a:accent6>
+      <a:hlink>
+        <a:srgbClr val="0563C1"/>
+      </a:hlink>
+      <a:folHlink>
+        <a:srgbClr val="954F72"/>
+      </a:folHlink>
+    </a:clrScheme>
+    <a:fontScheme name="Office">
+      <a:majorFont>
+        <a:latin typeface="Calibri Light" panose="020F0302020204030204"/>
+        <a:ea typeface=""/>
+        <a:cs typeface=""/>
+        <a:font script="Jpan" typeface="游ゴシック Light"/>
+        <a:font script="Hang" typeface="맑은 고딕"/>
+        <a:font script="Hans" typeface="等线 Light"/>
+        <a:font script="Hant" typeface="新細明體"/>
+        <a:font script="Arab" typeface="Times New Roman"/>
+        <a:font script="Hebr" typeface="Times New Roman"/>
+        <a:font script="Thai" typeface="Angsana New"/>
+        <a:font script="Ethi" typeface="Nyala"/>
+        <a:font script="Beng" typeface="Vrinda"/>
+        <a:font script="Gujr" typeface="Shruti"/>
+        <a:font script="Khmr" typeface="MoolBoran"/>
+        <a:font script="Knda" typeface="Tunga"/>
+        <a:font script="Guru" typeface="Raavi"/>
+        <a:font script="Cans" typeface="Euphemia"/>
+        <a:font script="Cher" typeface="Plantagenet Cherokee"/>
+        <a:font script="Yiii" typeface="Microsoft Yi Baiti"/>
+        <a:font script="Tibt" typeface="Microsoft Himalaya"/>
+        <a:font script="Thaa" typeface="MV Boli"/>
+        <a:font script="Deva" typeface="Mangal"/>
+        <a:font script="Telu" typeface="Gautami"/>
+        <a:font script="Taml" typeface="Latha"/>
+        <a:font script="Syrc" typeface="Estrangelo Edessa"/>
+        <a:font script="Orya" typeface="Kalinga"/>
+        <a:font script="Mlym" typeface="Kartika"/>
+        <a:font script="Laoo" typeface="DokChampa"/>
+        <a:font script="Sinh" typeface="Iskoola Pota"/>
+        <a:font script="Mong" typeface="Mongolian Baiti"/>
+        <a:font script="Viet" typeface="Times New Roman"/>
+        <a:font script="Uigh" typeface="Microsoft Uighur"/>
+        <a:font script="Geor" typeface="Sylfaen"/>
+        <a:font script="Armn" typeface="Arial"/>
+        <a:font script="Bugi" typeface="Leelawadee UI"/>
+        <a:font script="Bopo" typeface="Microsoft JhengHei"/>
+        <a:font script="Java" typeface="Javanese Text"/>
+        <a:font script="Lisu" typeface="Segoe UI"/>
+        <a:font script="Mymr" typeface="Myanmar Text"/>
+        <a:font script="Nkoo" typeface="Ebrima"/>
+        <a:font script="Olck" typeface="Nirmala UI"/>
+        <a:font script="Osma" typeface="Ebrima"/>
+        <a:font script="Phag" typeface="Phagspa"/>
+        <a:font script="Syrn" typeface="Estrangelo Edessa"/>
+        <a:font script="Syrj" typeface="Estrangelo Edessa"/>
+        <a:font script="Syre" typeface="Estrangelo Edessa"/>
+        <a:font script="Sora" typeface="Nirmala UI"/>
+        <a:font script="Tale" typeface="Microsoft Tai Le"/>
+        <a:font script="Talu" typeface="Microsoft New Tai Lue"/>
+        <a:font script="Tfng" typeface="Ebrima"/>
+      </a:majorFont>
+      <a:minorFont>
+        <a:latin typeface="Calibri" panose="020F0502020204030204"/>
+        <a:ea typeface=""/>
+        <a:cs typeface=""/>
+        <a:font script="Jpan" typeface="游ゴシック"/>
+        <a:font script="Hang" typeface="맑은 고딕"/>
+        <a:font script="Hans" typeface="等线"/>
+        <a:font script="Hant" typeface="新細明體"/>
+        <a:font script="Arab" typeface="Arial"/>
+        <a:font script="Hebr" typeface="Arial"/>
+        <a:font script="Thai" typeface="Cordia New"/>
+        <a:font script="Ethi" typeface="Nyala"/>
+        <a:font script="Beng" typeface="Vrinda"/>
+        <a:font script="Gujr" typeface="Shruti"/>
+        <a:font script="Khmr" typeface="DaunPenh"/>
+        <a:font script="Knda" typeface="Tunga"/>
+        <a:font script="Guru" typeface="Raavi"/>
+        <a:font script="Cans" typeface="Euphemia"/>
+        <a:font script="Cher" typeface="Plantagenet Cherokee"/>
+        <a:font script="Yiii" typeface="Microsoft Yi Baiti"/>
+        <a:font script="Tibt" typeface="Microsoft Himalaya"/>
+        <a:font script="Thaa" typeface="MV Boli"/>
+        <a:font script="Deva" typeface="Mangal"/>
+        <a:font script="Telu" typeface="Gautami"/>
+        <a:font script="Taml" typeface="Latha"/>
+        <a:font script="Syrc" typeface="Estrangelo Edessa"/>
+        <a:font script="Orya" typeface="Kalinga"/>
+        <a:font script="Mlym" typeface="Kartika"/>
+        <a:font script="Laoo" typeface="DokChampa"/>
+        <a:font script="Sinh" typeface="Iskoola Pota"/>
+        <a:font script="Mong" typeface="Mongolian Baiti"/>
+        <a:font script="Viet" typeface="Arial"/>
+        <a:font script="Uigh" typeface="Microsoft Uighur"/>
+        <a:font script="Geor" typeface="Sylfaen"/>
+        <a:font script="Armn" typeface="Arial"/>
+        <a:font script="Bugi" typeface="Leelawadee UI"/>
+        <a:font script="Bopo" typeface="Microsoft JhengHei"/>
+        <a:font script="Java" typeface="Javanese Text"/>
+        <a:font script="Lisu" typeface="Segoe UI"/>
+        <a:font script="Mymr" typeface="Myanmar Text"/>
+        <a:font script="Nkoo" typeface="Ebrima"/>
+        <a:font script="Olck" typeface="Nirmala UI"/>
+        <a:font script="Osma" typeface="Ebrima"/>
+        <a:font script="Phag" typeface="Phagspa"/>
+        <a:font script="Syrn" typeface="Estrangelo Edessa"/>
+        <a:font script="Syrj" typeface="Estrangelo Edessa"/>
+        <a:font script="Syre" typeface="Estrangelo Edessa"/>
+        <a:font script="Sora" typeface="Nirmala UI"/>
+        <a:font script="Tale" typeface="Microsoft Tai Le"/>
+        <a:font script="Talu" typeface="Microsoft New Tai Lue"/>
+        <a:font script="Tfng" typeface="Ebrima"/>
+      </a:minorFont>
+    </a:fontScheme>
+    <a:fmtScheme name="Office">
+      <a:fillStyleLst>
+        <a:solidFill>
+          <a:schemeClr val="phClr"/>
+        </a:solidFill>
+        <a:gradFill rotWithShape="1">
+          <a:gsLst>
+            <a:gs pos="0">
+              <a:schemeClr val="phClr">
+                <a:lumMod val="110000"/>
+                <a:satMod val="105000"/>
+                <a:tint val="67000"/>
+              </a:schemeClr>
+            </a:gs>
+            <a:gs pos="50000">
+              <a:schemeClr val="phClr">
+                <a:lumMod val="105000"/>
+                <a:satMod val="103000"/>
+                <a:tint val="73000"/>
+              </a:schemeClr>
+            </a:gs>
+            <a:gs pos="100000">
+              <a:schemeClr val="phClr">
+                <a:lumMod val="105000"/>
+                <a:satMod val="109000"/>
+                <a:tint val="81000"/>
+              </a:schemeClr>
+            </a:gs>
+          </a:gsLst>
+          <a:lin ang="5400000" scaled="0"/>
+        </a:gradFill>
+        <a:gradFill rotWithShape="1">
+          <a:gsLst>
+            <a:gs pos="0">
+              <a:schemeClr val="phClr">
+                <a:satMod val="103000"/>
+                <a:lumMod val="102000"/>
+                <a:tint val="94000"/>
+              </a:schemeClr>
+            </a:gs>
+            <a:gs pos="50000">
+              <a:schemeClr val="phClr">
+                <a:satMod val="110000"/>
+                <a:lumMod val="100000"/>
+                <a:shade val="100000"/>
+              </a:schemeClr>
+            </a:gs>
+            <a:gs pos="100000">
+              <a:schemeClr val="phClr">
+                <a:lumMod val="99000"/>
+                <a:satMod val="120000"/>
+                <a:shade val="78000"/>
+              </a:schemeClr>
+            </a:gs>
+          </a:gsLst>
+          <a:lin ang="5400000" scaled="0"/>
+        </a:gradFill>
+      </a:fillStyleLst>
+      <a:lnStyleLst>
+        <a:ln w="6350" cap="flat" cmpd="sng" algn="ctr">
+          <a:solidFill>
+            <a:schemeClr val="phClr"/>
+          </a:solidFill>
+          <a:prstDash val="solid"/>
+          <a:miter lim="800000"/>
+        </a:ln>
+        <a:ln w="12700" cap="flat" cmpd="sng" algn="ctr">
+          <a:solidFill>
+            <a:schemeClr val="phClr"/>
+          </a:solidFill>
+          <a:prstDash val="solid"/>
+          <a:miter lim="800000"/>
+        </a:ln>
+        <a:ln w="19050" cap="flat" cmpd="sng" algn="ctr">
+          <a:solidFill>
+            <a:schemeClr val="phClr"/>
+          </a:solidFill>
+          <a:prstDash val="solid"/>
+          <a:miter lim="800000"/>
+        </a:ln>
+      </a:lnStyleLst>
+      <a:effectStyleLst>
+        <a:effectStyle>
+          <a:effectLst/>
+        </a:effectStyle>
+        <a:effectStyle>
+          <a:effectLst/>
+        </a:effectStyle>
+        <a:effectStyle>
+          <a:effectLst>
+            <a:outerShdw blurRad="57150" dist="19050" dir="5400000" algn="ctr" rotWithShape="0">
+              <a:srgbClr val="000000">
+                <a:alpha val="63000"/>
+              </a:srgbClr>
+            </a:outerShdw>
+          </a:effectLst>
+        </a:effectStyle>
+      </a:effectStyleLst>
+      <a:bgFillStyleLst>
+        <a:solidFill>
+          <a:schemeClr val="phClr"/>
+        </a:solidFill>
+        <a:solidFill>
+          <a:schemeClr val="phClr">
+            <a:tint val="95000"/>
+            <a:satMod val="170000"/>
+          </a:schemeClr>
+        </a:solidFill>
+        <a:gradFill rotWithShape="1">
+          <a:gsLst>
+            <a:gs pos="0">
+              <a:schemeClr val="phClr">
+                <a:tint val="93000"/>
+                <a:satMod val="150000"/>
+                <a:shade val="98000"/>
+                <a:lumMod val="102000"/>
+              </a:schemeClr>
+            </a:gs>
+            <a:gs pos="50000">
+              <a:schemeClr val="phClr">
+                <a:tint val="98000"/>
+                <a:satMod val="130000"/>
+                <a:shade val="90000"/>
+                <a:lumMod val="103000"/>
+              </a:schemeClr>
+            </a:gs>
+            <a:gs pos="100000">
+              <a:schemeClr val="phClr">
+                <a:shade val="63000"/>
+                <a:satMod val="120000"/>
+              </a:schemeClr>
+            </a:gs>
+          </a:gsLst>
+          <a:lin ang="5400000" scaled="0"/>
+        </a:gradFill>
+      </a:bgFillStyleLst>
+    </a:fmtScheme>
+  </a:themeElements>
+  <a:objectDefaults/>
+  <a:extraClrSchemeLst/>
+  <a:extLst>
+    <a:ext uri="{05A4C25C-085E-4340-85A3-A5531E510DB2}">
+      <thm15:themeFamily xmlns:thm15="http://schemas.microsoft.com/office/thememl/2012/main" name="Office Theme" id="{62F939B6-93AF-4DB8-9C6B-D6C7DFDC589F}" vid="{4A3C46E8-61CC-4603-A589-7422A47A8E4A}"/>
+    </a:ext>
+  </a:extLst>
+</a:theme>
 </file>
--- a/Intro to Partitioning.pptx
+++ b/Intro to Partitioning.pptx
@@ -149,7 +149,18 @@
   </p:defaultTextStyle>
   <p:extLst>
     <p:ext uri="{EFAFB233-063F-42B5-8137-9DF3F51BA10A}">
-      <p15:sldGuideLst xmlns:p15="http://schemas.microsoft.com/office/powerpoint/2012/main"/>
+      <p15:sldGuideLst xmlns:p15="http://schemas.microsoft.com/office/powerpoint/2012/main">
+        <p15:guide id="1" orient="horz" pos="2160" userDrawn="1">
+          <p15:clr>
+            <a:srgbClr val="A4A3A4"/>
+          </p15:clr>
+        </p15:guide>
+        <p15:guide id="2" pos="3840" userDrawn="1">
+          <p15:clr>
+            <a:srgbClr val="A4A3A4"/>
+          </p15:clr>
+        </p15:guide>
+      </p15:sldGuideLst>
     </p:ext>
   </p:extLst>
 </p:presentation>
@@ -237,7 +248,7 @@
           <a:p>
             <a:fld id="{5DD5D27D-F6C1-457C-97EB-5B89E5036C9E}" type="datetimeFigureOut">
               <a:rPr lang="en-IE" smtClean="0"/>
-              <a:t>18/02/2018</a:t>
+              <a:t>19/02/2018</a:t>
             </a:fld>
             <a:endParaRPr lang="en-IE"/>
           </a:p>
@@ -636,7 +647,7 @@
           <a:p>
             <a:fld id="{A64C863B-FA9B-4512-A178-D5CD000B838D}" type="datetimeFigureOut">
               <a:rPr lang="en-GB" smtClean="0"/>
-              <a:t>18/02/2018</a:t>
+              <a:t>19/02/2018</a:t>
             </a:fld>
             <a:endParaRPr lang="en-GB"/>
           </a:p>
@@ -806,7 +817,7 @@
           <a:p>
             <a:fld id="{A64C863B-FA9B-4512-A178-D5CD000B838D}" type="datetimeFigureOut">
               <a:rPr lang="en-GB" smtClean="0"/>
-              <a:t>18/02/2018</a:t>
+              <a:t>19/02/2018</a:t>
             </a:fld>
             <a:endParaRPr lang="en-GB"/>
           </a:p>
@@ -986,7 +997,7 @@
           <a:p>
             <a:fld id="{A64C863B-FA9B-4512-A178-D5CD000B838D}" type="datetimeFigureOut">
               <a:rPr lang="en-GB" smtClean="0"/>
-              <a:t>18/02/2018</a:t>
+              <a:t>19/02/2018</a:t>
             </a:fld>
             <a:endParaRPr lang="en-GB"/>
           </a:p>
@@ -1156,7 +1167,7 @@
           <a:p>
             <a:fld id="{A64C863B-FA9B-4512-A178-D5CD000B838D}" type="datetimeFigureOut">
               <a:rPr lang="en-GB" smtClean="0"/>
-              <a:t>18/02/2018</a:t>
+              <a:t>19/02/2018</a:t>
             </a:fld>
             <a:endParaRPr lang="en-GB"/>
           </a:p>
@@ -1402,7 +1413,7 @@
           <a:p>
             <a:fld id="{A64C863B-FA9B-4512-A178-D5CD000B838D}" type="datetimeFigureOut">
               <a:rPr lang="en-GB" smtClean="0"/>
-              <a:t>18/02/2018</a:t>
+              <a:t>19/02/2018</a:t>
             </a:fld>
             <a:endParaRPr lang="en-GB"/>
           </a:p>
@@ -1634,7 +1645,7 @@
           <a:p>
             <a:fld id="{A64C863B-FA9B-4512-A178-D5CD000B838D}" type="datetimeFigureOut">
               <a:rPr lang="en-GB" smtClean="0"/>
-              <a:t>18/02/2018</a:t>
+              <a:t>19/02/2018</a:t>
             </a:fld>
             <a:endParaRPr lang="en-GB"/>
           </a:p>
@@ -2001,7 +2012,7 @@
           <a:p>
             <a:fld id="{A64C863B-FA9B-4512-A178-D5CD000B838D}" type="datetimeFigureOut">
               <a:rPr lang="en-GB" smtClean="0"/>
-              <a:t>18/02/2018</a:t>
+              <a:t>19/02/2018</a:t>
             </a:fld>
             <a:endParaRPr lang="en-GB"/>
           </a:p>
@@ -2119,7 +2130,7 @@
           <a:p>
             <a:fld id="{A64C863B-FA9B-4512-A178-D5CD000B838D}" type="datetimeFigureOut">
               <a:rPr lang="en-GB" smtClean="0"/>
-              <a:t>18/02/2018</a:t>
+              <a:t>19/02/2018</a:t>
             </a:fld>
             <a:endParaRPr lang="en-GB"/>
           </a:p>
@@ -2214,7 +2225,7 @@
           <a:p>
             <a:fld id="{A64C863B-FA9B-4512-A178-D5CD000B838D}" type="datetimeFigureOut">
               <a:rPr lang="en-GB" smtClean="0"/>
-              <a:t>18/02/2018</a:t>
+              <a:t>19/02/2018</a:t>
             </a:fld>
             <a:endParaRPr lang="en-GB"/>
           </a:p>
@@ -2491,7 +2502,7 @@
           <a:p>
             <a:fld id="{A64C863B-FA9B-4512-A178-D5CD000B838D}" type="datetimeFigureOut">
               <a:rPr lang="en-GB" smtClean="0"/>
-              <a:t>18/02/2018</a:t>
+              <a:t>19/02/2018</a:t>
             </a:fld>
             <a:endParaRPr lang="en-GB"/>
           </a:p>
@@ -2744,7 +2755,7 @@
           <a:p>
             <a:fld id="{A64C863B-FA9B-4512-A178-D5CD000B838D}" type="datetimeFigureOut">
               <a:rPr lang="en-GB" smtClean="0"/>
-              <a:t>18/02/2018</a:t>
+              <a:t>19/02/2018</a:t>
             </a:fld>
             <a:endParaRPr lang="en-GB"/>
           </a:p>
@@ -2966,7 +2977,7 @@
           <a:p>
             <a:fld id="{A64C863B-FA9B-4512-A178-D5CD000B838D}" type="datetimeFigureOut">
               <a:rPr lang="en-GB" smtClean="0"/>
-              <a:t>18/02/2018</a:t>
+              <a:t>19/02/2018</a:t>
             </a:fld>
             <a:endParaRPr lang="en-GB"/>
           </a:p>
@@ -3383,8 +3394,8 @@
         </p:nvSpPr>
         <p:spPr>
           <a:xfrm>
-            <a:off x="1641984" y="1214438"/>
-            <a:ext cx="9144000" cy="2387600"/>
+            <a:off x="1524000" y="2651760"/>
+            <a:ext cx="9144000" cy="950278"/>
           </a:xfrm>
         </p:spPr>
         <p:txBody>
@@ -3403,30 +3414,6 @@
               </a:rPr>
               <a:t>Introduction to partitioning</a:t>
             </a:r>
-          </a:p>
-        </p:txBody>
-      </p:sp>
-      <p:sp>
-        <p:nvSpPr>
-          <p:cNvPr id="5" name="Subtitle 4"/>
-          <p:cNvSpPr>
-            <a:spLocks noGrp="1"/>
-          </p:cNvSpPr>
-          <p:nvPr>
-            <p:ph type="subTitle" idx="1"/>
-          </p:nvPr>
-        </p:nvSpPr>
-        <p:spPr>
-          <a:xfrm>
-            <a:off x="1641984" y="3602038"/>
-            <a:ext cx="9144000" cy="1655762"/>
-          </a:xfrm>
-        </p:spPr>
-        <p:txBody>
-          <a:bodyPr/>
-          <a:lstStyle/>
-          <a:p>
-            <a:endParaRPr lang="en-GB" dirty="0"/>
           </a:p>
         </p:txBody>
       </p:sp>
@@ -3517,7 +3504,7 @@
               <a:buNone/>
             </a:pPr>
             <a:r>
-              <a:rPr lang="en-US" altLang="en-US" dirty="0"/>
+              <a:rPr lang="en-US" altLang="en-US" sz="3200" dirty="0"/>
               <a:t>Maps rows in the table to a partition</a:t>
             </a:r>
             <a:br>
@@ -4051,7 +4038,7 @@
         <p:spPr>
           <a:xfrm>
             <a:off x="331596" y="1570139"/>
-            <a:ext cx="10611707" cy="523220"/>
+            <a:ext cx="10611707" cy="584775"/>
           </a:xfrm>
           <a:prstGeom prst="rect">
             <a:avLst/>
@@ -4065,10 +4052,10 @@
           <a:lstStyle/>
           <a:p>
             <a:r>
-              <a:rPr lang="en-GB" sz="2800" dirty="0"/>
+              <a:rPr lang="en-GB" sz="3200" dirty="0"/>
               <a:t>Defines which side of the boundary the value specified belongs</a:t>
             </a:r>
-            <a:endParaRPr lang="en-IE" sz="2800" dirty="0"/>
+            <a:endParaRPr lang="en-IE" sz="3200" dirty="0"/>
           </a:p>
         </p:txBody>
       </p:sp>
@@ -4450,7 +4437,7 @@
               <a:buNone/>
             </a:pPr>
             <a:r>
-              <a:rPr lang="en-US" altLang="en-US" dirty="0"/>
+              <a:rPr lang="en-US" altLang="en-US" sz="3200" dirty="0"/>
               <a:t>Maps partitions to filegroups</a:t>
             </a:r>
             <a:br>
@@ -5540,7 +5527,7 @@
               <a:buNone/>
             </a:pPr>
             <a:r>
-              <a:rPr lang="en-GB" dirty="0"/>
+              <a:rPr lang="en-GB" sz="3200" dirty="0"/>
               <a:t>Create on the partition scheme specifying the partitioning key</a:t>
             </a:r>
           </a:p>
@@ -5555,23 +5542,32 @@
               <a:buNone/>
             </a:pPr>
             <a:r>
-              <a:rPr lang="en-GB" dirty="0"/>
-              <a:t>Unique – the partitioning key has to be explicitly specified in the index</a:t>
-            </a:r>
-          </a:p>
-          <a:p>
-            <a:pPr marL="0" indent="0">
-              <a:buNone/>
-            </a:pPr>
-            <a:endParaRPr lang="en-GB" dirty="0"/>
-          </a:p>
-          <a:p>
-            <a:pPr marL="0" indent="0">
-              <a:buNone/>
-            </a:pPr>
-            <a:r>
-              <a:rPr lang="en-GB" dirty="0"/>
-              <a:t>Nonunique – the partitioning key will be added by SQL if not explicitly specified </a:t>
+              <a:rPr lang="en-GB" sz="3200" b="1" dirty="0">
+                <a:solidFill>
+                  <a:schemeClr val="accent1">
+                    <a:lumMod val="75000"/>
+                  </a:schemeClr>
+                </a:solidFill>
+              </a:rPr>
+              <a:t>Unique</a:t>
+            </a:r>
+            <a:r>
+              <a:rPr lang="en-GB" sz="3200" dirty="0"/>
+              <a:t> – the partitioning key has to be explicitly specified </a:t>
+            </a:r>
+            <a:r>
+              <a:rPr lang="en-GB" sz="3200" b="1" dirty="0">
+                <a:solidFill>
+                  <a:schemeClr val="accent1">
+                    <a:lumMod val="75000"/>
+                  </a:schemeClr>
+                </a:solidFill>
+              </a:rPr>
+              <a:t>Nonunique</a:t>
+            </a:r>
+            <a:r>
+              <a:rPr lang="en-GB" sz="3200" dirty="0"/>
+              <a:t> – the partitioning key will be added by SQL if not 		     explicitly specified </a:t>
             </a:r>
           </a:p>
         </p:txBody>
@@ -5666,43 +5662,58 @@
           </a:xfrm>
         </p:spPr>
         <p:txBody>
-          <a:bodyPr/>
+          <a:bodyPr>
+            <a:normAutofit/>
+          </a:bodyPr>
           <a:lstStyle/>
           <a:p>
             <a:pPr marL="0" indent="0">
               <a:buNone/>
             </a:pPr>
             <a:r>
-              <a:rPr lang="en-US" altLang="en-US" dirty="0"/>
+              <a:rPr lang="en-US" altLang="en-US" sz="3200" dirty="0"/>
               <a:t>An index that is created using the same partition scheme as the base table is </a:t>
             </a:r>
             <a:r>
-              <a:rPr lang="en-US" altLang="en-US" b="1" i="1" dirty="0"/>
+              <a:rPr lang="en-US" altLang="en-US" sz="3200" b="1" i="1" dirty="0">
+                <a:solidFill>
+                  <a:schemeClr val="accent1">
+                    <a:lumMod val="75000"/>
+                  </a:schemeClr>
+                </a:solidFill>
+              </a:rPr>
               <a:t>aligned</a:t>
             </a:r>
             <a:br>
-              <a:rPr lang="en-US" altLang="en-US" b="1" i="1" dirty="0"/>
+              <a:rPr lang="en-US" altLang="en-US" sz="3200" b="1" i="1" dirty="0"/>
             </a:br>
-            <a:br>
-              <a:rPr lang="en-US" altLang="en-US" b="1" i="1" dirty="0"/>
-            </a:br>
-            <a:r>
-              <a:rPr lang="en-US" altLang="en-US" dirty="0"/>
-              <a:t>An index that is created on a different </a:t>
-            </a:r>
-            <a:r>
-              <a:rPr lang="en-US" altLang="en-US" dirty="0" err="1"/>
-              <a:t>filegroup</a:t>
-            </a:r>
-            <a:r>
-              <a:rPr lang="en-US" altLang="en-US" dirty="0"/>
-              <a:t> or using a different partition scheme is </a:t>
-            </a:r>
-            <a:r>
-              <a:rPr lang="en-US" altLang="en-US" b="1" i="1" dirty="0"/>
+            <a:endParaRPr lang="en-US" altLang="en-US" sz="3200" b="1" i="1" dirty="0"/>
+          </a:p>
+          <a:p>
+            <a:pPr marL="0" indent="0">
+              <a:buNone/>
+            </a:pPr>
+            <a:r>
+              <a:rPr lang="en-US" altLang="en-US" sz="3200" dirty="0"/>
+              <a:t>An index that is created on a different filegroup or using a different partition scheme is </a:t>
+            </a:r>
+            <a:r>
+              <a:rPr lang="en-US" altLang="en-US" sz="3200" b="1" i="1" dirty="0">
+                <a:solidFill>
+                  <a:schemeClr val="accent1">
+                    <a:lumMod val="75000"/>
+                  </a:schemeClr>
+                </a:solidFill>
+              </a:rPr>
               <a:t>non-aligned</a:t>
             </a:r>
-            <a:endParaRPr lang="en-GB" dirty="0"/>
+            <a:endParaRPr lang="en-GB" sz="3200" dirty="0">
+              <a:solidFill>
+                <a:schemeClr val="accent1">
+                  <a:lumMod val="75000"/>
+                </a:schemeClr>
+              </a:solidFill>
+            </a:endParaRPr>
           </a:p>
         </p:txBody>
       </p:sp>
@@ -5796,30 +5807,56 @@
           </a:xfrm>
         </p:spPr>
         <p:txBody>
-          <a:bodyPr/>
+          <a:bodyPr>
+            <a:normAutofit/>
+          </a:bodyPr>
           <a:lstStyle/>
           <a:p>
             <a:pPr marL="0" indent="0">
               <a:buNone/>
             </a:pPr>
             <a:r>
-              <a:rPr lang="en-GB" dirty="0"/>
-              <a:t>Unique - the partitioning key has to be explicitly specified in the index</a:t>
+              <a:rPr lang="en-GB" sz="3200" b="1" dirty="0">
+                <a:solidFill>
+                  <a:schemeClr val="accent1">
+                    <a:lumMod val="75000"/>
+                  </a:schemeClr>
+                </a:solidFill>
+              </a:rPr>
+              <a:t>Unique</a:t>
+            </a:r>
+            <a:r>
+              <a:rPr lang="en-GB" sz="3200" b="1" dirty="0"/>
+              <a:t> </a:t>
+            </a:r>
+            <a:r>
+              <a:rPr lang="en-GB" sz="3200" dirty="0"/>
+              <a:t>- the partitioning key has to be explicitly specified</a:t>
             </a:r>
           </a:p>
           <a:p>
             <a:pPr marL="0" indent="0">
               <a:buNone/>
             </a:pPr>
-            <a:endParaRPr lang="en-GB" dirty="0"/>
+            <a:endParaRPr lang="en-GB" sz="3200" dirty="0"/>
           </a:p>
           <a:p>
             <a:pPr marL="0" indent="0">
               <a:buNone/>
             </a:pPr>
             <a:r>
-              <a:rPr lang="en-GB" dirty="0"/>
-              <a:t>Nonunique - the partitioning key will be added by SQL if not explicitly 			specified  as an included column</a:t>
+              <a:rPr lang="en-GB" sz="3200" b="1" dirty="0">
+                <a:solidFill>
+                  <a:schemeClr val="accent1">
+                    <a:lumMod val="75000"/>
+                  </a:schemeClr>
+                </a:solidFill>
+              </a:rPr>
+              <a:t>Nonunique</a:t>
+            </a:r>
+            <a:r>
+              <a:rPr lang="en-GB" sz="3200" dirty="0"/>
+              <a:t> - the partitioning key will be added by SQL if not 			  explicitly specified as an included column</a:t>
             </a:r>
           </a:p>
         </p:txBody>
@@ -5954,7 +5991,7 @@
           <a:lstStyle/>
           <a:p>
             <a:r>
-              <a:rPr lang="en-GB" sz="2800" b="1" dirty="0"/>
+              <a:rPr lang="en-GB" sz="3200" b="1" dirty="0"/>
               <a:t>Andrew Pruski</a:t>
             </a:r>
           </a:p>
@@ -6256,13 +6293,13 @@
         </p:nvSpPr>
         <p:spPr>
           <a:xfrm>
-            <a:off x="838200" y="1859492"/>
+            <a:off x="838200" y="1956056"/>
             <a:ext cx="10515600" cy="4351338"/>
           </a:xfrm>
         </p:spPr>
         <p:txBody>
           <a:bodyPr>
-            <a:normAutofit fontScale="92500" lnSpcReduction="10000"/>
+            <a:normAutofit lnSpcReduction="10000"/>
           </a:bodyPr>
           <a:lstStyle/>
           <a:p>
@@ -6270,7 +6307,7 @@
               <a:buNone/>
             </a:pPr>
             <a:r>
-              <a:rPr lang="en-US" altLang="en-US" dirty="0"/>
+              <a:rPr lang="en-US" altLang="en-US" sz="3500" dirty="0"/>
               <a:t>Removes a partition</a:t>
             </a:r>
           </a:p>
@@ -6278,56 +6315,34 @@
             <a:pPr marL="0" indent="0">
               <a:buNone/>
             </a:pPr>
-            <a:endParaRPr lang="en-US" altLang="en-US" dirty="0">
-              <a:solidFill>
-                <a:srgbClr val="0064C3"/>
-              </a:solidFill>
-            </a:endParaRPr>
+            <a:r>
+              <a:rPr lang="en-US" altLang="en-US" sz="3500" dirty="0"/>
+              <a:t>Effectively “merges” two partitions into one</a:t>
+            </a:r>
           </a:p>
           <a:p>
             <a:pPr marL="0" indent="0">
               <a:buNone/>
             </a:pPr>
             <a:r>
-              <a:rPr lang="en-US" altLang="en-US" dirty="0"/>
-              <a:t>Effectively “merges” two partitions into one</a:t>
+              <a:rPr lang="en-US" altLang="en-US" sz="3500" dirty="0"/>
+              <a:t>Meta-data only operation if performed on an empty partition</a:t>
             </a:r>
           </a:p>
           <a:p>
             <a:pPr marL="0" indent="0">
               <a:buNone/>
             </a:pPr>
-            <a:endParaRPr lang="en-US" altLang="en-US" dirty="0"/>
-          </a:p>
-          <a:p>
-            <a:pPr marL="0" indent="0">
-              <a:buNone/>
-            </a:pPr>
-            <a:r>
-              <a:rPr lang="en-US" altLang="en-US" dirty="0"/>
-              <a:t>Meta-data only operation if performed on an empty partition</a:t>
-            </a:r>
-          </a:p>
-          <a:p>
-            <a:pPr marL="0" indent="0">
-              <a:buNone/>
-            </a:pPr>
-            <a:endParaRPr lang="en-US" altLang="en-US" dirty="0"/>
-          </a:p>
-          <a:p>
-            <a:pPr marL="0" indent="0">
-              <a:buNone/>
-            </a:pPr>
-            <a:r>
-              <a:rPr lang="en-US" altLang="en-US" dirty="0"/>
+            <a:r>
+              <a:rPr lang="en-US" altLang="en-US" sz="3500" dirty="0"/>
               <a:t>Data </a:t>
             </a:r>
             <a:r>
-              <a:rPr lang="en-US" altLang="en-US" i="1" dirty="0"/>
+              <a:rPr lang="en-US" altLang="en-US" sz="3500" i="1" dirty="0"/>
               <a:t>will</a:t>
             </a:r>
             <a:r>
-              <a:rPr lang="en-US" altLang="en-US" dirty="0"/>
+              <a:rPr lang="en-US" altLang="en-US" sz="3500" dirty="0"/>
               <a:t> be moved if partition is not empty, causing blocking and transaction log growth</a:t>
             </a:r>
             <a:br>
@@ -6463,7 +6478,7 @@
               </a:rPr>
             </a:br>
             <a:r>
-              <a:rPr lang="en-GB" dirty="0">
+              <a:rPr lang="en-GB" sz="3200" dirty="0">
                 <a:solidFill>
                   <a:srgbClr val="0000FF"/>
                 </a:solidFill>
@@ -6472,7 +6487,7 @@
               <a:t>ALTER</a:t>
             </a:r>
             <a:r>
-              <a:rPr lang="en-GB" dirty="0">
+              <a:rPr lang="en-GB" sz="3200" dirty="0">
                 <a:solidFill>
                   <a:prstClr val="black"/>
                 </a:solidFill>
@@ -6481,7 +6496,7 @@
               <a:t> </a:t>
             </a:r>
             <a:r>
-              <a:rPr lang="en-GB" dirty="0">
+              <a:rPr lang="en-GB" sz="3200" dirty="0">
                 <a:solidFill>
                   <a:srgbClr val="0000FF"/>
                 </a:solidFill>
@@ -6490,7 +6505,7 @@
               <a:t>PARTITION</a:t>
             </a:r>
             <a:r>
-              <a:rPr lang="en-GB" dirty="0">
+              <a:rPr lang="en-GB" sz="3200" dirty="0">
                 <a:solidFill>
                   <a:prstClr val="black"/>
                 </a:solidFill>
@@ -6499,7 +6514,7 @@
               <a:t> </a:t>
             </a:r>
             <a:r>
-              <a:rPr lang="en-GB" dirty="0">
+              <a:rPr lang="en-GB" sz="3200" dirty="0">
                 <a:solidFill>
                   <a:srgbClr val="0000FF"/>
                 </a:solidFill>
@@ -6508,7 +6523,7 @@
               <a:t>FUNCTION</a:t>
             </a:r>
             <a:r>
-              <a:rPr lang="en-GB" dirty="0">
+              <a:rPr lang="en-GB" sz="3200" dirty="0">
                 <a:solidFill>
                   <a:prstClr val="black"/>
                 </a:solidFill>
@@ -6517,7 +6532,7 @@
               <a:t> </a:t>
             </a:r>
             <a:r>
-              <a:rPr lang="en-GB" dirty="0">
+              <a:rPr lang="en-GB" sz="3200" dirty="0">
                 <a:solidFill>
                   <a:srgbClr val="808080"/>
                 </a:solidFill>
@@ -6526,7 +6541,7 @@
               <a:t>[</a:t>
             </a:r>
             <a:r>
-              <a:rPr lang="en-GB" i="1" dirty="0">
+              <a:rPr lang="en-GB" sz="3200" i="1" dirty="0">
                 <a:solidFill>
                   <a:prstClr val="black"/>
                 </a:solidFill>
@@ -6535,7 +6550,7 @@
               <a:t>NAME</a:t>
             </a:r>
             <a:r>
-              <a:rPr lang="en-GB" dirty="0">
+              <a:rPr lang="en-GB" sz="3200" dirty="0">
                 <a:solidFill>
                   <a:srgbClr val="808080"/>
                 </a:solidFill>
@@ -6544,7 +6559,7 @@
               <a:t>]()</a:t>
             </a:r>
             <a:br>
-              <a:rPr lang="en-GB" dirty="0">
+              <a:rPr lang="en-GB" sz="3200" dirty="0">
                 <a:solidFill>
                   <a:prstClr val="black"/>
                 </a:solidFill>
@@ -6552,7 +6567,7 @@
               </a:rPr>
             </a:br>
             <a:r>
-              <a:rPr lang="en-GB" dirty="0">
+              <a:rPr lang="en-GB" sz="3200" dirty="0">
                 <a:solidFill>
                   <a:srgbClr val="0000FF"/>
                 </a:solidFill>
@@ -6561,7 +6576,7 @@
               <a:t>	MERGE</a:t>
             </a:r>
             <a:r>
-              <a:rPr lang="en-GB" dirty="0">
+              <a:rPr lang="en-GB" sz="3200" dirty="0">
                 <a:solidFill>
                   <a:prstClr val="black"/>
                 </a:solidFill>
@@ -6570,7 +6585,7 @@
               <a:t> </a:t>
             </a:r>
             <a:r>
-              <a:rPr lang="en-GB" dirty="0">
+              <a:rPr lang="en-GB" sz="3200" dirty="0">
                 <a:solidFill>
                   <a:srgbClr val="0000FF"/>
                 </a:solidFill>
@@ -6579,7 +6594,7 @@
               <a:t>RANGE </a:t>
             </a:r>
             <a:r>
-              <a:rPr lang="en-GB" dirty="0">
+              <a:rPr lang="en-GB" sz="3200" dirty="0">
                 <a:solidFill>
                   <a:srgbClr val="808080"/>
                 </a:solidFill>
@@ -6588,13 +6603,13 @@
               <a:t>(</a:t>
             </a:r>
             <a:r>
-              <a:rPr lang="en-GB" i="1" dirty="0">
+              <a:rPr lang="en-GB" sz="3200" i="1" dirty="0">
                 <a:latin typeface="Consolas" panose="020B0609020204030204" pitchFamily="49" charset="0"/>
               </a:rPr>
               <a:t>VALUE</a:t>
             </a:r>
             <a:r>
-              <a:rPr lang="en-GB" dirty="0">
+              <a:rPr lang="en-GB" sz="3200" dirty="0">
                 <a:solidFill>
                   <a:srgbClr val="808080"/>
                 </a:solidFill>
@@ -6602,7 +6617,7 @@
               </a:rPr>
               <a:t>);</a:t>
             </a:r>
-            <a:endParaRPr lang="en-GB" dirty="0"/>
+            <a:endParaRPr lang="en-GB" sz="3200" dirty="0"/>
           </a:p>
         </p:txBody>
       </p:sp>
@@ -6687,7 +6702,7 @@
         </p:spPr>
         <p:txBody>
           <a:bodyPr>
-            <a:normAutofit fontScale="85000" lnSpcReduction="10000"/>
+            <a:normAutofit/>
           </a:bodyPr>
           <a:lstStyle/>
           <a:p>
@@ -6695,7 +6710,7 @@
               <a:buNone/>
             </a:pPr>
             <a:r>
-              <a:rPr lang="en-US" altLang="en-US" dirty="0"/>
+              <a:rPr lang="en-US" altLang="en-US" sz="3200" dirty="0"/>
               <a:t>Creates a new partition with new boundary value</a:t>
             </a:r>
           </a:p>
@@ -6703,67 +6718,43 @@
             <a:pPr marL="0" indent="0">
               <a:buNone/>
             </a:pPr>
-            <a:endParaRPr lang="en-US" altLang="en-US" dirty="0"/>
+            <a:r>
+              <a:rPr lang="en-US" altLang="en-US" sz="3200" dirty="0"/>
+              <a:t>New boundary value must be distinct from other values</a:t>
+            </a:r>
           </a:p>
           <a:p>
             <a:pPr marL="0" indent="0">
               <a:buNone/>
             </a:pPr>
             <a:r>
-              <a:rPr lang="en-US" altLang="en-US" dirty="0"/>
-              <a:t>New boundary value must be distinct from other values</a:t>
+              <a:rPr lang="en-US" altLang="en-US" sz="3200" dirty="0"/>
+              <a:t>Takes a schema modification lock on the table</a:t>
             </a:r>
           </a:p>
           <a:p>
             <a:pPr marL="0" indent="0">
               <a:buNone/>
             </a:pPr>
-            <a:endParaRPr lang="en-US" altLang="en-US" dirty="0"/>
+            <a:r>
+              <a:rPr lang="en-US" altLang="en-US" sz="3200" dirty="0"/>
+              <a:t>Meta-data only operation if partition is empty</a:t>
+            </a:r>
           </a:p>
           <a:p>
             <a:pPr marL="0" indent="0">
               <a:buNone/>
             </a:pPr>
             <a:r>
-              <a:rPr lang="en-US" altLang="en-US" dirty="0"/>
-              <a:t>Takes a schema modification lock on the table</a:t>
-            </a:r>
-          </a:p>
-          <a:p>
-            <a:pPr marL="0" indent="0">
-              <a:buNone/>
-            </a:pPr>
-            <a:endParaRPr lang="en-US" altLang="en-US" dirty="0"/>
-          </a:p>
-          <a:p>
-            <a:pPr marL="0" indent="0">
-              <a:buNone/>
-            </a:pPr>
-            <a:r>
-              <a:rPr lang="en-US" altLang="en-US" dirty="0"/>
-              <a:t>Meta-data only operation if partition is empty</a:t>
-            </a:r>
-          </a:p>
-          <a:p>
-            <a:pPr marL="0" indent="0">
-              <a:buNone/>
-            </a:pPr>
-            <a:endParaRPr lang="en-US" altLang="en-US" dirty="0"/>
-          </a:p>
-          <a:p>
-            <a:pPr marL="0" indent="0">
-              <a:buNone/>
-            </a:pPr>
-            <a:r>
-              <a:rPr lang="en-US" altLang="en-US" dirty="0"/>
+              <a:rPr lang="en-US" altLang="en-US" sz="3200" dirty="0"/>
               <a:t>SQL </a:t>
             </a:r>
             <a:r>
-              <a:rPr lang="en-US" altLang="en-US" i="1" dirty="0"/>
+              <a:rPr lang="en-US" altLang="en-US" sz="3200" i="1" dirty="0"/>
               <a:t>will</a:t>
             </a:r>
             <a:r>
-              <a:rPr lang="en-US" altLang="en-US" dirty="0"/>
+              <a:rPr lang="en-US" altLang="en-US" sz="3200" dirty="0"/>
               <a:t> move data to the new partition if the data crosses the new boundary value</a:t>
             </a:r>
             <a:br>
@@ -6885,7 +6876,7 @@
               </a:rPr>
             </a:br>
             <a:r>
-              <a:rPr lang="en-GB" dirty="0">
+              <a:rPr lang="en-GB" sz="3200" dirty="0">
                 <a:solidFill>
                   <a:srgbClr val="0000FF"/>
                 </a:solidFill>
@@ -6894,7 +6885,7 @@
               <a:t>ALTER</a:t>
             </a:r>
             <a:r>
-              <a:rPr lang="en-GB" dirty="0">
+              <a:rPr lang="en-GB" sz="3200" dirty="0">
                 <a:solidFill>
                   <a:prstClr val="black"/>
                 </a:solidFill>
@@ -6903,7 +6894,7 @@
               <a:t> </a:t>
             </a:r>
             <a:r>
-              <a:rPr lang="en-GB" dirty="0">
+              <a:rPr lang="en-GB" sz="3200" dirty="0">
                 <a:solidFill>
                   <a:srgbClr val="0000FF"/>
                 </a:solidFill>
@@ -6912,7 +6903,7 @@
               <a:t>PARTITION</a:t>
             </a:r>
             <a:r>
-              <a:rPr lang="en-GB" dirty="0">
+              <a:rPr lang="en-GB" sz="3200" dirty="0">
                 <a:solidFill>
                   <a:prstClr val="black"/>
                 </a:solidFill>
@@ -6921,7 +6912,7 @@
               <a:t> SCHEME </a:t>
             </a:r>
             <a:r>
-              <a:rPr lang="en-GB" dirty="0">
+              <a:rPr lang="en-GB" sz="3200" dirty="0">
                 <a:solidFill>
                   <a:srgbClr val="808080"/>
                 </a:solidFill>
@@ -6930,7 +6921,7 @@
               <a:t>[</a:t>
             </a:r>
             <a:r>
-              <a:rPr lang="en-GB" i="1" dirty="0">
+              <a:rPr lang="en-GB" sz="3200" i="1" dirty="0">
                 <a:solidFill>
                   <a:prstClr val="black"/>
                 </a:solidFill>
@@ -6939,7 +6930,7 @@
               <a:t>NAME</a:t>
             </a:r>
             <a:r>
-              <a:rPr lang="en-GB" dirty="0">
+              <a:rPr lang="en-GB" sz="3200" dirty="0">
                 <a:solidFill>
                   <a:srgbClr val="808080"/>
                 </a:solidFill>
@@ -6948,7 +6939,7 @@
               <a:t>]</a:t>
             </a:r>
             <a:br>
-              <a:rPr lang="en-GB" dirty="0">
+              <a:rPr lang="en-GB" sz="3200" dirty="0">
                 <a:solidFill>
                   <a:prstClr val="black"/>
                 </a:solidFill>
@@ -6956,7 +6947,7 @@
               </a:rPr>
             </a:br>
             <a:r>
-              <a:rPr lang="en-GB" dirty="0">
+              <a:rPr lang="en-GB" sz="3200" dirty="0">
                 <a:solidFill>
                   <a:srgbClr val="0000FF"/>
                 </a:solidFill>
@@ -6965,7 +6956,7 @@
               <a:t>	NEXT</a:t>
             </a:r>
             <a:r>
-              <a:rPr lang="en-GB" dirty="0">
+              <a:rPr lang="en-GB" sz="3200" dirty="0">
                 <a:solidFill>
                   <a:prstClr val="black"/>
                 </a:solidFill>
@@ -6974,7 +6965,7 @@
               <a:t> USED [</a:t>
             </a:r>
             <a:r>
-              <a:rPr lang="en-GB" i="1" dirty="0">
+              <a:rPr lang="en-GB" sz="3200" i="1" dirty="0">
                 <a:solidFill>
                   <a:prstClr val="black"/>
                 </a:solidFill>
@@ -6983,7 +6974,7 @@
               <a:t>FILEGROUP</a:t>
             </a:r>
             <a:r>
-              <a:rPr lang="en-GB" dirty="0">
+              <a:rPr lang="en-GB" sz="3200" dirty="0">
                 <a:solidFill>
                   <a:prstClr val="black"/>
                 </a:solidFill>
@@ -6992,7 +6983,7 @@
               <a:t>]</a:t>
             </a:r>
             <a:r>
-              <a:rPr lang="en-GB" dirty="0">
+              <a:rPr lang="en-GB" sz="3200" dirty="0">
                 <a:solidFill>
                   <a:srgbClr val="808080"/>
                 </a:solidFill>
@@ -7001,7 +6992,7 @@
               <a:t>;</a:t>
             </a:r>
             <a:br>
-              <a:rPr lang="en-GB" dirty="0">
+              <a:rPr lang="en-GB" sz="3200" dirty="0">
                 <a:solidFill>
                   <a:prstClr val="black"/>
                 </a:solidFill>
@@ -7009,7 +7000,7 @@
               </a:rPr>
             </a:br>
             <a:br>
-              <a:rPr lang="en-GB" dirty="0">
+              <a:rPr lang="en-GB" sz="3200" dirty="0">
                 <a:solidFill>
                   <a:prstClr val="black"/>
                 </a:solidFill>
@@ -7017,7 +7008,7 @@
               </a:rPr>
             </a:br>
             <a:r>
-              <a:rPr lang="en-GB" dirty="0">
+              <a:rPr lang="en-GB" sz="3200" dirty="0">
                 <a:solidFill>
                   <a:srgbClr val="0000FF"/>
                 </a:solidFill>
@@ -7026,7 +7017,7 @@
               <a:t>ALTER</a:t>
             </a:r>
             <a:r>
-              <a:rPr lang="en-GB" dirty="0">
+              <a:rPr lang="en-GB" sz="3200" dirty="0">
                 <a:solidFill>
                   <a:prstClr val="black"/>
                 </a:solidFill>
@@ -7035,7 +7026,7 @@
               <a:t> </a:t>
             </a:r>
             <a:r>
-              <a:rPr lang="en-GB" dirty="0">
+              <a:rPr lang="en-GB" sz="3200" dirty="0">
                 <a:solidFill>
                   <a:srgbClr val="0000FF"/>
                 </a:solidFill>
@@ -7044,7 +7035,7 @@
               <a:t>PARTITION</a:t>
             </a:r>
             <a:r>
-              <a:rPr lang="en-GB" dirty="0">
+              <a:rPr lang="en-GB" sz="3200" dirty="0">
                 <a:solidFill>
                   <a:prstClr val="black"/>
                 </a:solidFill>
@@ -7053,7 +7044,7 @@
               <a:t> </a:t>
             </a:r>
             <a:r>
-              <a:rPr lang="en-GB" dirty="0">
+              <a:rPr lang="en-GB" sz="3200" dirty="0">
                 <a:solidFill>
                   <a:srgbClr val="0000FF"/>
                 </a:solidFill>
@@ -7062,7 +7053,7 @@
               <a:t>FUNCTION</a:t>
             </a:r>
             <a:r>
-              <a:rPr lang="en-GB" dirty="0">
+              <a:rPr lang="en-GB" sz="3200" dirty="0">
                 <a:solidFill>
                   <a:prstClr val="black"/>
                 </a:solidFill>
@@ -7071,7 +7062,7 @@
               <a:t> </a:t>
             </a:r>
             <a:r>
-              <a:rPr lang="en-GB" dirty="0">
+              <a:rPr lang="en-GB" sz="3200" dirty="0">
                 <a:solidFill>
                   <a:srgbClr val="808080"/>
                 </a:solidFill>
@@ -7080,7 +7071,7 @@
               <a:t>[</a:t>
             </a:r>
             <a:r>
-              <a:rPr lang="en-GB" i="1" dirty="0">
+              <a:rPr lang="en-GB" sz="3200" i="1" dirty="0">
                 <a:solidFill>
                   <a:prstClr val="black"/>
                 </a:solidFill>
@@ -7089,7 +7080,7 @@
               <a:t>NAME</a:t>
             </a:r>
             <a:r>
-              <a:rPr lang="en-GB" dirty="0">
+              <a:rPr lang="en-GB" sz="3200" dirty="0">
                 <a:solidFill>
                   <a:srgbClr val="808080"/>
                 </a:solidFill>
@@ -7098,7 +7089,7 @@
               <a:t>]()</a:t>
             </a:r>
             <a:br>
-              <a:rPr lang="en-GB" dirty="0">
+              <a:rPr lang="en-GB" sz="3200" dirty="0">
                 <a:solidFill>
                   <a:prstClr val="black"/>
                 </a:solidFill>
@@ -7106,7 +7097,7 @@
               </a:rPr>
             </a:br>
             <a:r>
-              <a:rPr lang="en-GB" dirty="0">
+              <a:rPr lang="en-GB" sz="3200" dirty="0">
                 <a:solidFill>
                   <a:prstClr val="black"/>
                 </a:solidFill>
@@ -7115,7 +7106,7 @@
               <a:t>	SPLIT </a:t>
             </a:r>
             <a:r>
-              <a:rPr lang="en-GB" dirty="0">
+              <a:rPr lang="en-GB" sz="3200" dirty="0">
                 <a:solidFill>
                   <a:srgbClr val="0000FF"/>
                 </a:solidFill>
@@ -7124,7 +7115,7 @@
               <a:t>RANGE </a:t>
             </a:r>
             <a:r>
-              <a:rPr lang="en-GB" dirty="0">
+              <a:rPr lang="en-GB" sz="3200" dirty="0">
                 <a:solidFill>
                   <a:srgbClr val="808080"/>
                 </a:solidFill>
@@ -7133,13 +7124,13 @@
               <a:t>(</a:t>
             </a:r>
             <a:r>
-              <a:rPr lang="en-GB" i="1" dirty="0">
+              <a:rPr lang="en-GB" sz="3200" i="1" dirty="0">
                 <a:latin typeface="Consolas" panose="020B0609020204030204" pitchFamily="49" charset="0"/>
               </a:rPr>
               <a:t>VALUE</a:t>
             </a:r>
             <a:r>
-              <a:rPr lang="en-GB" dirty="0">
+              <a:rPr lang="en-GB" sz="3200" dirty="0">
                 <a:solidFill>
                   <a:srgbClr val="808080"/>
                 </a:solidFill>
@@ -7147,7 +7138,7 @@
               </a:rPr>
               <a:t>);</a:t>
             </a:r>
-            <a:endParaRPr lang="en-GB" dirty="0"/>
+            <a:endParaRPr lang="en-GB" sz="3200" dirty="0"/>
           </a:p>
         </p:txBody>
       </p:sp>
@@ -7394,7 +7385,7 @@
               <a:buNone/>
             </a:pPr>
             <a:r>
-              <a:rPr lang="en-US" altLang="en-US" dirty="0"/>
+              <a:rPr lang="en-US" altLang="en-US" sz="3200" dirty="0"/>
               <a:t>Move a partition from one table to another</a:t>
             </a:r>
           </a:p>
@@ -7402,55 +7393,33 @@
             <a:pPr marL="0" indent="0">
               <a:buNone/>
             </a:pPr>
-            <a:endParaRPr lang="en-US" altLang="en-US" dirty="0">
-              <a:solidFill>
-                <a:srgbClr val="0064C3"/>
-              </a:solidFill>
-            </a:endParaRPr>
+            <a:r>
+              <a:rPr lang="en-US" altLang="en-US" sz="3200" dirty="0"/>
+              <a:t>Meta-data operation, runs immediately </a:t>
+            </a:r>
           </a:p>
           <a:p>
             <a:pPr marL="0" indent="0">
               <a:buNone/>
             </a:pPr>
             <a:r>
-              <a:rPr lang="en-US" altLang="en-US" dirty="0"/>
-              <a:t>Meta-data operation, runs immediately </a:t>
+              <a:rPr lang="en-US" altLang="en-US" sz="3200" dirty="0"/>
+              <a:t>Both tables must have the same structures</a:t>
             </a:r>
           </a:p>
           <a:p>
             <a:pPr marL="0" indent="0">
               <a:buNone/>
             </a:pPr>
-            <a:endParaRPr lang="en-US" altLang="en-US" dirty="0"/>
-          </a:p>
-          <a:p>
-            <a:pPr marL="0" indent="0">
-              <a:buNone/>
-            </a:pPr>
-            <a:r>
-              <a:rPr lang="en-US" altLang="en-US" dirty="0"/>
-              <a:t>Both tables must have the same structures</a:t>
-            </a:r>
-          </a:p>
-          <a:p>
-            <a:pPr marL="0" indent="0">
-              <a:buNone/>
-            </a:pPr>
-            <a:endParaRPr lang="en-US" altLang="en-US" dirty="0"/>
-          </a:p>
-          <a:p>
-            <a:pPr marL="0" indent="0">
-              <a:buNone/>
-            </a:pPr>
-            <a:r>
-              <a:rPr lang="en-US" altLang="en-US" dirty="0"/>
+            <a:r>
+              <a:rPr lang="en-US" altLang="en-US" sz="3200" dirty="0"/>
               <a:t>Destination partition must be empty or…</a:t>
             </a:r>
             <a:br>
-              <a:rPr lang="en-US" altLang="en-US" dirty="0"/>
+              <a:rPr lang="en-US" altLang="en-US" sz="3200" dirty="0"/>
             </a:br>
             <a:r>
-              <a:rPr lang="en-US" altLang="en-US" dirty="0"/>
+              <a:rPr lang="en-US" altLang="en-US" sz="3200" dirty="0"/>
               <a:t>if destination table is not partitioned, it must be completely empty</a:t>
             </a:r>
           </a:p>
@@ -7563,7 +7532,7 @@
               </a:rPr>
             </a:br>
             <a:r>
-              <a:rPr lang="en-GB" dirty="0">
+              <a:rPr lang="en-GB" sz="3200" dirty="0">
                 <a:solidFill>
                   <a:srgbClr val="0000FF"/>
                 </a:solidFill>
@@ -7572,7 +7541,7 @@
               <a:t>ALTER</a:t>
             </a:r>
             <a:r>
-              <a:rPr lang="en-GB" dirty="0">
+              <a:rPr lang="en-GB" sz="3200" dirty="0">
                 <a:solidFill>
                   <a:prstClr val="black"/>
                 </a:solidFill>
@@ -7581,7 +7550,7 @@
               <a:t> </a:t>
             </a:r>
             <a:r>
-              <a:rPr lang="en-GB" dirty="0">
+              <a:rPr lang="en-GB" sz="3200" dirty="0">
                 <a:solidFill>
                   <a:srgbClr val="0000FF"/>
                 </a:solidFill>
@@ -7590,7 +7559,7 @@
               <a:t>TABLE</a:t>
             </a:r>
             <a:r>
-              <a:rPr lang="en-GB" dirty="0">
+              <a:rPr lang="en-GB" sz="3200" dirty="0">
                 <a:solidFill>
                   <a:prstClr val="black"/>
                 </a:solidFill>
@@ -7599,7 +7568,7 @@
               <a:t> </a:t>
             </a:r>
             <a:r>
-              <a:rPr lang="en-GB" dirty="0">
+              <a:rPr lang="en-GB" sz="3200" dirty="0">
                 <a:solidFill>
                   <a:srgbClr val="808080"/>
                 </a:solidFill>
@@ -7608,13 +7577,13 @@
               <a:t>[</a:t>
             </a:r>
             <a:r>
-              <a:rPr lang="en-GB" i="1" dirty="0">
+              <a:rPr lang="en-GB" sz="3200" i="1" dirty="0">
                 <a:latin typeface="Consolas" panose="020B0609020204030204" pitchFamily="49" charset="0"/>
               </a:rPr>
               <a:t>Source Table</a:t>
             </a:r>
             <a:r>
-              <a:rPr lang="en-GB" dirty="0">
+              <a:rPr lang="en-GB" sz="3200" dirty="0">
                 <a:solidFill>
                   <a:srgbClr val="808080"/>
                 </a:solidFill>
@@ -7623,7 +7592,7 @@
               <a:t>]</a:t>
             </a:r>
             <a:br>
-              <a:rPr lang="en-GB" dirty="0">
+              <a:rPr lang="en-GB" sz="3200" dirty="0">
                 <a:solidFill>
                   <a:srgbClr val="808080"/>
                 </a:solidFill>
@@ -7631,7 +7600,7 @@
               </a:rPr>
             </a:br>
             <a:r>
-              <a:rPr lang="en-GB" dirty="0">
+              <a:rPr lang="en-GB" sz="3200" dirty="0">
                 <a:solidFill>
                   <a:prstClr val="black"/>
                 </a:solidFill>
@@ -7640,7 +7609,7 @@
               <a:t>	SWITCH </a:t>
             </a:r>
             <a:r>
-              <a:rPr lang="en-GB" dirty="0">
+              <a:rPr lang="en-GB" sz="3200" dirty="0">
                 <a:solidFill>
                   <a:srgbClr val="0000FF"/>
                 </a:solidFill>
@@ -7649,7 +7618,7 @@
               <a:t>PARTITION</a:t>
             </a:r>
             <a:r>
-              <a:rPr lang="en-GB" dirty="0">
+              <a:rPr lang="en-GB" sz="3200" dirty="0">
                 <a:solidFill>
                   <a:prstClr val="black"/>
                 </a:solidFill>
@@ -7658,13 +7627,13 @@
               <a:t> </a:t>
             </a:r>
             <a:r>
-              <a:rPr lang="en-GB" i="1" dirty="0" err="1">
+              <a:rPr lang="en-GB" sz="3200" i="1" dirty="0" err="1">
                 <a:latin typeface="Consolas" panose="020B0609020204030204" pitchFamily="49" charset="0"/>
               </a:rPr>
               <a:t>Partition_Number</a:t>
             </a:r>
             <a:br>
-              <a:rPr lang="en-GB" dirty="0">
+              <a:rPr lang="en-GB" sz="3200" dirty="0">
                 <a:solidFill>
                   <a:srgbClr val="808080"/>
                 </a:solidFill>
@@ -7672,7 +7641,7 @@
               </a:rPr>
             </a:br>
             <a:r>
-              <a:rPr lang="en-GB" dirty="0">
+              <a:rPr lang="en-GB" sz="3200" dirty="0">
                 <a:solidFill>
                   <a:srgbClr val="0000FF"/>
                 </a:solidFill>
@@ -7681,7 +7650,7 @@
               <a:t>TO</a:t>
             </a:r>
             <a:r>
-              <a:rPr lang="en-GB" dirty="0">
+              <a:rPr lang="en-GB" sz="3200" dirty="0">
                 <a:solidFill>
                   <a:prstClr val="black"/>
                 </a:solidFill>
@@ -7690,7 +7659,7 @@
               <a:t> </a:t>
             </a:r>
             <a:r>
-              <a:rPr lang="en-GB" dirty="0">
+              <a:rPr lang="en-GB" sz="3200" dirty="0">
                 <a:solidFill>
                   <a:srgbClr val="808080"/>
                 </a:solidFill>
@@ -7699,13 +7668,13 @@
               <a:t>[</a:t>
             </a:r>
             <a:r>
-              <a:rPr lang="en-GB" i="1" dirty="0">
+              <a:rPr lang="en-GB" sz="3200" i="1" dirty="0">
                 <a:latin typeface="Consolas" panose="020B0609020204030204" pitchFamily="49" charset="0"/>
               </a:rPr>
               <a:t>Destination Table</a:t>
             </a:r>
             <a:r>
-              <a:rPr lang="en-GB" dirty="0">
+              <a:rPr lang="en-GB" sz="3200" dirty="0">
                 <a:solidFill>
                   <a:srgbClr val="808080"/>
                 </a:solidFill>
@@ -7714,7 +7683,7 @@
               <a:t>] </a:t>
             </a:r>
             <a:br>
-              <a:rPr lang="en-GB" dirty="0">
+              <a:rPr lang="en-GB" sz="3200" dirty="0">
                 <a:solidFill>
                   <a:srgbClr val="808080"/>
                 </a:solidFill>
@@ -7722,7 +7691,7 @@
               </a:rPr>
             </a:br>
             <a:r>
-              <a:rPr lang="en-GB" dirty="0">
+              <a:rPr lang="en-GB" sz="3200" dirty="0">
                 <a:solidFill>
                   <a:srgbClr val="808080"/>
                 </a:solidFill>
@@ -7731,7 +7700,7 @@
               <a:t>	</a:t>
             </a:r>
             <a:r>
-              <a:rPr lang="en-GB" dirty="0">
+              <a:rPr lang="en-GB" sz="3200" dirty="0">
                 <a:solidFill>
                   <a:srgbClr val="0000FF"/>
                 </a:solidFill>
@@ -7740,17 +7709,17 @@
               <a:t>PARTITION</a:t>
             </a:r>
             <a:r>
-              <a:rPr lang="en-GB" dirty="0"/>
+              <a:rPr lang="en-GB" sz="3200" dirty="0"/>
               <a:t> </a:t>
             </a:r>
             <a:r>
-              <a:rPr lang="en-GB" i="1" dirty="0" err="1">
+              <a:rPr lang="en-GB" sz="3200" i="1" dirty="0" err="1">
                 <a:latin typeface="Consolas" panose="020B0609020204030204" pitchFamily="49" charset="0"/>
               </a:rPr>
               <a:t>Partition_Number</a:t>
             </a:r>
             <a:r>
-              <a:rPr lang="en-GB" dirty="0">
+              <a:rPr lang="en-GB" sz="3200" dirty="0">
                 <a:solidFill>
                   <a:srgbClr val="808080"/>
                 </a:solidFill>
@@ -7758,7 +7727,7 @@
               </a:rPr>
               <a:t>;</a:t>
             </a:r>
-            <a:endParaRPr lang="en-GB" dirty="0"/>
+            <a:endParaRPr lang="en-GB" sz="3200" dirty="0"/>
           </a:p>
         </p:txBody>
       </p:sp>
@@ -8119,16 +8088,23 @@
             <p:ph idx="1"/>
           </p:nvPr>
         </p:nvSpPr>
-        <p:spPr/>
-        <p:txBody>
-          <a:bodyPr/>
+        <p:spPr>
+          <a:xfrm>
+            <a:off x="838200" y="1936866"/>
+            <a:ext cx="10515600" cy="4015654"/>
+          </a:xfrm>
+        </p:spPr>
+        <p:txBody>
+          <a:bodyPr>
+            <a:normAutofit/>
+          </a:bodyPr>
           <a:lstStyle/>
           <a:p>
             <a:pPr marL="0" indent="0">
               <a:buNone/>
             </a:pPr>
             <a:r>
-              <a:rPr lang="en-GB" dirty="0"/>
+              <a:rPr lang="en-GB" sz="3200" dirty="0"/>
               <a:t>Method to remove old data and bring in new data periodically</a:t>
             </a:r>
           </a:p>
@@ -8136,32 +8112,20 @@
             <a:pPr marL="0" indent="0">
               <a:buNone/>
             </a:pPr>
-            <a:endParaRPr lang="en-GB" dirty="0"/>
+            <a:r>
+              <a:rPr lang="en-GB" sz="3200" dirty="0"/>
+              <a:t>Implements the SWITCH, MERGE, &amp; SPLIT functions</a:t>
+            </a:r>
           </a:p>
           <a:p>
             <a:pPr marL="0" indent="0">
               <a:buNone/>
             </a:pPr>
             <a:r>
-              <a:rPr lang="en-GB" dirty="0"/>
-              <a:t>Implements the SWITCH, MERGE, &amp; SPLIT functions</a:t>
-            </a:r>
-          </a:p>
-          <a:p>
-            <a:pPr marL="0" indent="0">
-              <a:buNone/>
-            </a:pPr>
-            <a:endParaRPr lang="en-GB" dirty="0"/>
-          </a:p>
-          <a:p>
-            <a:pPr marL="0" indent="0">
-              <a:buNone/>
-            </a:pPr>
-            <a:r>
-              <a:rPr lang="en-GB" dirty="0"/>
+              <a:rPr lang="en-GB" sz="3200" dirty="0"/>
               <a:t>Partitions in the table move “forward” but the overall number of partitions remains the same</a:t>
             </a:r>
-            <a:endParaRPr lang="en-IE" dirty="0"/>
+            <a:endParaRPr lang="en-IE" sz="3200" dirty="0"/>
           </a:p>
         </p:txBody>
       </p:sp>
@@ -8257,16 +8221,23 @@
             <p:ph idx="1"/>
           </p:nvPr>
         </p:nvSpPr>
-        <p:spPr/>
-        <p:txBody>
-          <a:bodyPr/>
+        <p:spPr>
+          <a:xfrm>
+            <a:off x="838200" y="1965888"/>
+            <a:ext cx="10515600" cy="4351338"/>
+          </a:xfrm>
+        </p:spPr>
+        <p:txBody>
+          <a:bodyPr>
+            <a:normAutofit/>
+          </a:bodyPr>
           <a:lstStyle/>
           <a:p>
             <a:pPr marL="514350" indent="-514350">
               <a:buAutoNum type="arabicPeriod"/>
             </a:pPr>
             <a:r>
-              <a:rPr lang="en-GB" dirty="0"/>
+              <a:rPr lang="en-GB" sz="3200" dirty="0"/>
               <a:t>SWITCH oldest partition in live table to archive table</a:t>
             </a:r>
           </a:p>
@@ -8275,7 +8246,7 @@
               <a:buAutoNum type="arabicPeriod"/>
             </a:pPr>
             <a:r>
-              <a:rPr lang="en-GB" dirty="0"/>
+              <a:rPr lang="en-GB" sz="3200" dirty="0"/>
               <a:t>MERGE oldest partition</a:t>
             </a:r>
           </a:p>
@@ -8284,7 +8255,7 @@
               <a:buAutoNum type="arabicPeriod"/>
             </a:pPr>
             <a:r>
-              <a:rPr lang="en-GB" dirty="0"/>
+              <a:rPr lang="en-GB" sz="3200" dirty="0"/>
               <a:t>SPLIT new partition</a:t>
             </a:r>
           </a:p>
@@ -8293,7 +8264,7 @@
               <a:buAutoNum type="arabicPeriod"/>
             </a:pPr>
             <a:r>
-              <a:rPr lang="en-GB" dirty="0"/>
+              <a:rPr lang="en-GB" sz="3200" dirty="0"/>
               <a:t>Load new data into staging table</a:t>
             </a:r>
           </a:p>
@@ -8302,7 +8273,7 @@
               <a:buAutoNum type="arabicPeriod"/>
             </a:pPr>
             <a:r>
-              <a:rPr lang="en-GB" dirty="0"/>
+              <a:rPr lang="en-GB" sz="3200" dirty="0"/>
               <a:t>SWITCH data from staging table to live table</a:t>
             </a:r>
           </a:p>
@@ -8311,10 +8282,10 @@
               <a:buAutoNum type="arabicPeriod"/>
             </a:pPr>
             <a:r>
-              <a:rPr lang="en-GB" dirty="0"/>
+              <a:rPr lang="en-GB" sz="3200" dirty="0"/>
               <a:t>Update statistics on live table</a:t>
             </a:r>
-            <a:endParaRPr lang="en-IE" dirty="0"/>
+            <a:endParaRPr lang="en-IE" sz="3200" dirty="0"/>
           </a:p>
         </p:txBody>
       </p:sp>
@@ -8550,77 +8521,63 @@
       </p:sp>
       <p:sp>
         <p:nvSpPr>
-          <p:cNvPr id="3" name="Content Placeholder 2">
+          <p:cNvPr id="4" name="TextBox 3">
             <a:extLst>
               <a:ext uri="{FF2B5EF4-FFF2-40B4-BE49-F238E27FC236}">
-                <a16:creationId xmlns:a16="http://schemas.microsoft.com/office/drawing/2014/main" id="{2CADD52D-D0A1-4DC6-B975-12A205A2BEF1}"/>
+                <a16:creationId xmlns:a16="http://schemas.microsoft.com/office/drawing/2014/main" id="{20BDBE67-F44E-4BE4-A6CA-B5E4A56E6312}"/>
               </a:ext>
             </a:extLst>
           </p:cNvPr>
-          <p:cNvSpPr>
-            <a:spLocks noGrp="1"/>
-          </p:cNvSpPr>
-          <p:nvPr>
-            <p:ph idx="1"/>
-          </p:nvPr>
-        </p:nvSpPr>
-        <p:spPr/>
-        <p:txBody>
-          <a:bodyPr/>
-          <a:lstStyle/>
-          <a:p>
-            <a:pPr marL="0" indent="0">
-              <a:buNone/>
-            </a:pPr>
-            <a:r>
-              <a:rPr lang="en-GB" dirty="0"/>
+          <p:cNvSpPr txBox="1"/>
+          <p:nvPr/>
+        </p:nvSpPr>
+        <p:spPr>
+          <a:xfrm>
+            <a:off x="1086568" y="2013228"/>
+            <a:ext cx="10018863" cy="2831544"/>
+          </a:xfrm>
+          <a:prstGeom prst="rect">
+            <a:avLst/>
+          </a:prstGeom>
+          <a:noFill/>
+        </p:spPr>
+        <p:txBody>
+          <a:bodyPr wrap="square" rtlCol="0">
+            <a:spAutoFit/>
+          </a:bodyPr>
+          <a:lstStyle/>
+          <a:p>
+            <a:r>
+              <a:rPr lang="en-GB" sz="3200" dirty="0"/>
               <a:t>Can be useful for VLDBs</a:t>
             </a:r>
           </a:p>
           <a:p>
-            <a:pPr marL="0" indent="0">
-              <a:buNone/>
-            </a:pPr>
-            <a:endParaRPr lang="en-GB" dirty="0"/>
-          </a:p>
-          <a:p>
-            <a:pPr marL="0" indent="0">
-              <a:buNone/>
-            </a:pPr>
-            <a:r>
-              <a:rPr lang="en-GB" dirty="0"/>
+            <a:r>
+              <a:rPr lang="en-GB" sz="3200" dirty="0"/>
+              <a:t>Can be used to restore live partitions to development </a:t>
+            </a:r>
+          </a:p>
+          <a:p>
+            <a:r>
+              <a:rPr lang="en-GB" sz="3200" dirty="0"/>
               <a:t>Individual partitions are on different filegroups</a:t>
             </a:r>
           </a:p>
           <a:p>
-            <a:pPr marL="0" indent="0">
-              <a:buNone/>
-            </a:pPr>
-            <a:endParaRPr lang="en-GB" dirty="0"/>
-          </a:p>
-          <a:p>
-            <a:pPr marL="0" indent="0">
-              <a:buNone/>
-            </a:pPr>
-            <a:r>
-              <a:rPr lang="en-GB" dirty="0"/>
-              <a:t>Data in older partitions does not change</a:t>
-            </a:r>
-          </a:p>
-          <a:p>
-            <a:pPr marL="0" indent="0">
-              <a:buNone/>
-            </a:pPr>
-            <a:endParaRPr lang="en-GB" dirty="0"/>
-          </a:p>
-          <a:p>
-            <a:pPr marL="0" indent="0">
-              <a:buNone/>
-            </a:pPr>
-            <a:r>
-              <a:rPr lang="en-GB" dirty="0"/>
+            <a:r>
+              <a:rPr lang="en-GB" sz="3200" dirty="0"/>
+              <a:t>Data in older partitions does not change or is not needed </a:t>
+            </a:r>
+          </a:p>
+          <a:p>
+            <a:r>
+              <a:rPr lang="en-GB" sz="3200" dirty="0"/>
               <a:t>Reduce recovery time for “active” data</a:t>
             </a:r>
+            <a:endParaRPr lang="en-IE" sz="3200" dirty="0"/>
+          </a:p>
+          <a:p>
             <a:endParaRPr lang="en-IE" dirty="0"/>
           </a:p>
         </p:txBody>
@@ -8750,16 +8707,19 @@
         </p:nvSpPr>
         <p:spPr>
           <a:xfrm>
-            <a:off x="326923" y="530942"/>
-            <a:ext cx="10515600" cy="737420"/>
+            <a:off x="1133169" y="3060290"/>
+            <a:ext cx="3389671" cy="737420"/>
           </a:xfrm>
         </p:spPr>
         <p:txBody>
-          <a:bodyPr/>
-          <a:lstStyle/>
-          <a:p>
-            <a:r>
-              <a:rPr lang="en-GB" dirty="0">
+          <a:bodyPr>
+            <a:noAutofit/>
+          </a:bodyPr>
+          <a:lstStyle/>
+          <a:p>
+            <a:pPr algn="ctr"/>
+            <a:r>
+              <a:rPr lang="en-GB" sz="6000" dirty="0">
                 <a:solidFill>
                   <a:schemeClr val="accent1">
                     <a:lumMod val="75000"/>
@@ -8768,7 +8728,7 @@
               </a:rPr>
               <a:t>A quick story</a:t>
             </a:r>
-            <a:endParaRPr lang="en-IE" dirty="0">
+            <a:endParaRPr lang="en-IE" sz="6000" dirty="0">
               <a:solidFill>
                 <a:schemeClr val="accent1">
                   <a:lumMod val="75000"/>
@@ -8778,31 +8738,41 @@
           </a:p>
         </p:txBody>
       </p:sp>
-      <p:sp>
-        <p:nvSpPr>
-          <p:cNvPr id="3" name="Content Placeholder 2">
+      <p:pic>
+        <p:nvPicPr>
+          <p:cNvPr id="14" name="Content Placeholder 13">
             <a:extLst>
               <a:ext uri="{FF2B5EF4-FFF2-40B4-BE49-F238E27FC236}">
-                <a16:creationId xmlns:a16="http://schemas.microsoft.com/office/drawing/2014/main" id="{54EDE585-0FD9-4476-891F-8B898450614A}"/>
+                <a16:creationId xmlns:a16="http://schemas.microsoft.com/office/drawing/2014/main" id="{8CAF58FB-D7CF-4417-8D15-C8847A91B5D7}"/>
               </a:ext>
             </a:extLst>
           </p:cNvPr>
-          <p:cNvSpPr>
-            <a:spLocks noGrp="1"/>
-          </p:cNvSpPr>
+          <p:cNvPicPr>
+            <a:picLocks noGrp="1" noChangeAspect="1"/>
+          </p:cNvPicPr>
           <p:nvPr>
             <p:ph idx="1"/>
           </p:nvPr>
-        </p:nvSpPr>
-        <p:spPr/>
-        <p:txBody>
-          <a:bodyPr/>
-          <a:lstStyle/>
-          <a:p>
-            <a:endParaRPr lang="en-IE"/>
-          </a:p>
-        </p:txBody>
-      </p:sp>
+        </p:nvPicPr>
+        <p:blipFill>
+          <a:blip r:embed="rId2">
+            <a:extLst>
+              <a:ext uri="{28A0092B-C50C-407E-A947-70E740481C1C}">
+                <a14:useLocalDpi xmlns:a14="http://schemas.microsoft.com/office/drawing/2010/main" val="0"/>
+              </a:ext>
+            </a:extLst>
+          </a:blip>
+          <a:stretch>
+            <a:fillRect/>
+          </a:stretch>
+        </p:blipFill>
+        <p:spPr>
+          <a:xfrm>
+            <a:off x="5536276" y="835526"/>
+            <a:ext cx="5253643" cy="5186947"/>
+          </a:xfrm>
+        </p:spPr>
+      </p:pic>
     </p:spTree>
     <p:extLst>
       <p:ext uri="{BB962C8B-B14F-4D97-AF65-F5344CB8AC3E}">
@@ -8895,12 +8865,104 @@
             <p:ph idx="1"/>
           </p:nvPr>
         </p:nvSpPr>
-        <p:spPr/>
+        <p:spPr>
+          <a:xfrm>
+            <a:off x="731520" y="1825625"/>
+            <a:ext cx="11039302" cy="4351338"/>
+          </a:xfrm>
+        </p:spPr>
         <p:txBody>
           <a:bodyPr/>
           <a:lstStyle/>
           <a:p>
-            <a:endParaRPr lang="en-IE"/>
+            <a:pPr marL="0" indent="0">
+              <a:buNone/>
+            </a:pPr>
+            <a:r>
+              <a:rPr lang="en-IE" dirty="0">
+                <a:hlinkClick r:id="rId2"/>
+              </a:rPr>
+              <a:t>https://github.com/dbafromthecold/IntroToPartitioning</a:t>
+            </a:r>
+            <a:r>
+              <a:rPr lang="en-IE" dirty="0"/>
+              <a:t> </a:t>
+            </a:r>
+          </a:p>
+          <a:p>
+            <a:pPr marL="0" indent="0">
+              <a:buNone/>
+            </a:pPr>
+            <a:endParaRPr lang="en-GB" dirty="0"/>
+          </a:p>
+          <a:p>
+            <a:pPr marL="0" indent="0">
+              <a:buNone/>
+            </a:pPr>
+            <a:r>
+              <a:rPr lang="en-IE" dirty="0">
+                <a:hlinkClick r:id="rId3"/>
+              </a:rPr>
+              <a:t>https://dbafromthecold.com/2014/06/04/partitioning-basics-part-1/</a:t>
+            </a:r>
+            <a:r>
+              <a:rPr lang="en-IE" dirty="0"/>
+              <a:t> </a:t>
+            </a:r>
+          </a:p>
+          <a:p>
+            <a:pPr marL="0" indent="0">
+              <a:buNone/>
+            </a:pPr>
+            <a:endParaRPr lang="en-GB" dirty="0"/>
+          </a:p>
+          <a:p>
+            <a:pPr marL="0" indent="0">
+              <a:buNone/>
+            </a:pPr>
+            <a:r>
+              <a:rPr lang="en-IE" dirty="0">
+                <a:hlinkClick r:id="rId4"/>
+              </a:rPr>
+              <a:t>https://docs.microsoft.com/en-us/sql/relational-databases/partitions/partitioned-tables-and-indexes</a:t>
+            </a:r>
+            <a:r>
+              <a:rPr lang="en-IE" dirty="0"/>
+              <a:t> </a:t>
+            </a:r>
+          </a:p>
+          <a:p>
+            <a:pPr marL="0" indent="0">
+              <a:buNone/>
+            </a:pPr>
+            <a:endParaRPr lang="en-GB" dirty="0"/>
+          </a:p>
+          <a:p>
+            <a:pPr marL="0" indent="0">
+              <a:buNone/>
+            </a:pPr>
+            <a:r>
+              <a:rPr lang="en-IE" dirty="0">
+                <a:hlinkClick r:id="rId5"/>
+              </a:rPr>
+              <a:t>https://technet.microsoft.com/en-us/library/ms187526(v=sql.105).aspx</a:t>
+            </a:r>
+            <a:r>
+              <a:rPr lang="en-IE" dirty="0"/>
+              <a:t> </a:t>
+            </a:r>
+          </a:p>
+          <a:p>
+            <a:pPr marL="0" indent="0">
+              <a:buNone/>
+            </a:pPr>
+            <a:endParaRPr lang="en-GB" dirty="0"/>
+          </a:p>
+          <a:p>
+            <a:pPr marL="0" indent="0">
+              <a:buNone/>
+            </a:pPr>
+            <a:endParaRPr lang="en-IE" dirty="0"/>
           </a:p>
         </p:txBody>
       </p:sp>
@@ -9241,7 +9303,7 @@
               <a:buNone/>
             </a:pPr>
             <a:r>
-              <a:rPr lang="en-US" sz="4400" dirty="0">
+              <a:rPr lang="en-US" sz="3200" dirty="0">
                 <a:solidFill>
                   <a:srgbClr val="222222"/>
                 </a:solidFill>
@@ -9250,7 +9312,7 @@
               </a:rPr>
               <a:t>We love to get feedback</a:t>
             </a:r>
-            <a:endParaRPr lang="en-US" sz="4400" dirty="0">
+            <a:endParaRPr lang="en-US" sz="3200" dirty="0">
               <a:cs typeface="Calibri"/>
             </a:endParaRPr>
           </a:p>
@@ -9258,7 +9320,7 @@
             <a:pPr marL="0" indent="0" algn="ctr">
               <a:buNone/>
             </a:pPr>
-            <a:endParaRPr lang="en-US" sz="4400" dirty="0">
+            <a:endParaRPr lang="en-US" sz="3200" dirty="0">
               <a:solidFill>
                 <a:srgbClr val="222222"/>
               </a:solidFill>
@@ -9271,7 +9333,7 @@
               <a:buNone/>
             </a:pPr>
             <a:r>
-              <a:rPr lang="en-US" sz="4400" dirty="0">
+              <a:rPr lang="en-US" sz="3200" dirty="0">
                 <a:solidFill>
                   <a:srgbClr val="222222"/>
                 </a:solidFill>
@@ -9281,7 +9343,7 @@
               <a:t>Please complete the </a:t>
             </a:r>
             <a:r>
-              <a:rPr lang="en-US" sz="4400" dirty="0">
+              <a:rPr lang="en-US" sz="3200" dirty="0">
                 <a:solidFill>
                   <a:srgbClr val="222222"/>
                 </a:solidFill>
@@ -9396,8 +9458,8 @@
         </p:nvSpPr>
         <p:spPr>
           <a:xfrm>
-            <a:off x="838200" y="2395896"/>
-            <a:ext cx="10515600" cy="4351338"/>
+            <a:off x="838200" y="2445174"/>
+            <a:ext cx="10515600" cy="2749682"/>
           </a:xfrm>
         </p:spPr>
         <p:txBody>
@@ -9408,10 +9470,32 @@
               <a:buNone/>
             </a:pPr>
             <a:r>
-              <a:rPr lang="en-US" sz="3600" dirty="0">
+              <a:rPr lang="en-US" sz="3200" dirty="0">
                 <a:cs typeface="Calibri"/>
               </a:rPr>
-              <a:t>Please visit Community Corner, we are trying this year to get more people to learn about the SQL Community, equally if you would be happy to visit the community corner we’d really appreciate it.</a:t>
+              <a:t>Please visit Community Corner</a:t>
+            </a:r>
+          </a:p>
+          <a:p>
+            <a:pPr marL="0" indent="0">
+              <a:buNone/>
+            </a:pPr>
+            <a:r>
+              <a:rPr lang="en-US" sz="3200" dirty="0">
+                <a:cs typeface="Calibri"/>
+              </a:rPr>
+              <a:t>We are trying this year to get more people to learn about the SQL Community</a:t>
+            </a:r>
+          </a:p>
+          <a:p>
+            <a:pPr marL="0" indent="0">
+              <a:buNone/>
+            </a:pPr>
+            <a:r>
+              <a:rPr lang="en-US" sz="3200" dirty="0">
+                <a:cs typeface="Calibri"/>
+              </a:rPr>
+              <a:t>If you would be happy to visit the community corner we’d really appreciate it</a:t>
             </a:r>
           </a:p>
           <a:p>

--- a/Intro to Partitioning.pptx
+++ b/Intro to Partitioning.pptx
@@ -8879,13 +8879,13 @@
               <a:buNone/>
             </a:pPr>
             <a:r>
-              <a:rPr lang="en-IE" dirty="0">
+              <a:rPr lang="en-IE" sz="2400" dirty="0">
                 <a:hlinkClick r:id="rId2"/>
               </a:rPr>
               <a:t>https://github.com/dbafromthecold/IntroToPartitioning</a:t>
             </a:r>
             <a:r>
-              <a:rPr lang="en-IE" dirty="0"/>
+              <a:rPr lang="en-IE" sz="2400" dirty="0"/>
               <a:t> </a:t>
             </a:r>
           </a:p>
@@ -8893,20 +8893,20 @@
             <a:pPr marL="0" indent="0">
               <a:buNone/>
             </a:pPr>
-            <a:endParaRPr lang="en-GB" dirty="0"/>
+            <a:endParaRPr lang="en-GB" sz="2400" dirty="0"/>
           </a:p>
           <a:p>
             <a:pPr marL="0" indent="0">
               <a:buNone/>
             </a:pPr>
             <a:r>
-              <a:rPr lang="en-IE" dirty="0">
+              <a:rPr lang="en-IE" sz="2400" dirty="0">
                 <a:hlinkClick r:id="rId3"/>
               </a:rPr>
-              <a:t>https://dbafromthecold.com/2014/06/04/partitioning-basics-part-1/</a:t>
-            </a:r>
-            <a:r>
-              <a:rPr lang="en-IE" dirty="0"/>
+              <a:t>https://dbafromthecold.com/2018/02/19/summary-of-my-partitioning-series/</a:t>
+            </a:r>
+            <a:r>
+              <a:rPr lang="en-IE" sz="2400" dirty="0"/>
               <a:t> </a:t>
             </a:r>
           </a:p>
@@ -8914,20 +8914,20 @@
             <a:pPr marL="0" indent="0">
               <a:buNone/>
             </a:pPr>
-            <a:endParaRPr lang="en-GB" dirty="0"/>
+            <a:endParaRPr lang="en-GB" sz="2400" dirty="0"/>
           </a:p>
           <a:p>
             <a:pPr marL="0" indent="0">
               <a:buNone/>
             </a:pPr>
             <a:r>
-              <a:rPr lang="en-IE" dirty="0">
+              <a:rPr lang="en-IE" sz="2400" dirty="0">
                 <a:hlinkClick r:id="rId4"/>
               </a:rPr>
               <a:t>https://docs.microsoft.com/en-us/sql/relational-databases/partitions/partitioned-tables-and-indexes</a:t>
             </a:r>
             <a:r>
-              <a:rPr lang="en-IE" dirty="0"/>
+              <a:rPr lang="en-IE" sz="2400" dirty="0"/>
               <a:t> </a:t>
             </a:r>
           </a:p>
@@ -8935,20 +8935,20 @@
             <a:pPr marL="0" indent="0">
               <a:buNone/>
             </a:pPr>
-            <a:endParaRPr lang="en-GB" dirty="0"/>
+            <a:endParaRPr lang="en-GB" sz="2400" dirty="0"/>
           </a:p>
           <a:p>
             <a:pPr marL="0" indent="0">
               <a:buNone/>
             </a:pPr>
             <a:r>
-              <a:rPr lang="en-IE" dirty="0">
+              <a:rPr lang="en-IE" sz="2400" dirty="0">
                 <a:hlinkClick r:id="rId5"/>
               </a:rPr>
               <a:t>https://technet.microsoft.com/en-us/library/ms187526(v=sql.105).aspx</a:t>
             </a:r>
             <a:r>
-              <a:rPr lang="en-IE" dirty="0"/>
+              <a:rPr lang="en-IE" sz="2400" dirty="0"/>
               <a:t> </a:t>
             </a:r>
           </a:p>

--- a/Intro to Partitioning.pptx
+++ b/Intro to Partitioning.pptx
@@ -248,7 +248,7 @@
           <a:p>
             <a:fld id="{5DD5D27D-F6C1-457C-97EB-5B89E5036C9E}" type="datetimeFigureOut">
               <a:rPr lang="en-IE" smtClean="0"/>
-              <a:t>19/02/2018</a:t>
+              <a:t>21/02/2018</a:t>
             </a:fld>
             <a:endParaRPr lang="en-IE"/>
           </a:p>
@@ -647,7 +647,7 @@
           <a:p>
             <a:fld id="{A64C863B-FA9B-4512-A178-D5CD000B838D}" type="datetimeFigureOut">
               <a:rPr lang="en-GB" smtClean="0"/>
-              <a:t>19/02/2018</a:t>
+              <a:t>21/02/2018</a:t>
             </a:fld>
             <a:endParaRPr lang="en-GB"/>
           </a:p>
@@ -817,7 +817,7 @@
           <a:p>
             <a:fld id="{A64C863B-FA9B-4512-A178-D5CD000B838D}" type="datetimeFigureOut">
               <a:rPr lang="en-GB" smtClean="0"/>
-              <a:t>19/02/2018</a:t>
+              <a:t>21/02/2018</a:t>
             </a:fld>
             <a:endParaRPr lang="en-GB"/>
           </a:p>
@@ -997,7 +997,7 @@
           <a:p>
             <a:fld id="{A64C863B-FA9B-4512-A178-D5CD000B838D}" type="datetimeFigureOut">
               <a:rPr lang="en-GB" smtClean="0"/>
-              <a:t>19/02/2018</a:t>
+              <a:t>21/02/2018</a:t>
             </a:fld>
             <a:endParaRPr lang="en-GB"/>
           </a:p>
@@ -1167,7 +1167,7 @@
           <a:p>
             <a:fld id="{A64C863B-FA9B-4512-A178-D5CD000B838D}" type="datetimeFigureOut">
               <a:rPr lang="en-GB" smtClean="0"/>
-              <a:t>19/02/2018</a:t>
+              <a:t>21/02/2018</a:t>
             </a:fld>
             <a:endParaRPr lang="en-GB"/>
           </a:p>
@@ -1413,7 +1413,7 @@
           <a:p>
             <a:fld id="{A64C863B-FA9B-4512-A178-D5CD000B838D}" type="datetimeFigureOut">
               <a:rPr lang="en-GB" smtClean="0"/>
-              <a:t>19/02/2018</a:t>
+              <a:t>21/02/2018</a:t>
             </a:fld>
             <a:endParaRPr lang="en-GB"/>
           </a:p>
@@ -1645,7 +1645,7 @@
           <a:p>
             <a:fld id="{A64C863B-FA9B-4512-A178-D5CD000B838D}" type="datetimeFigureOut">
               <a:rPr lang="en-GB" smtClean="0"/>
-              <a:t>19/02/2018</a:t>
+              <a:t>21/02/2018</a:t>
             </a:fld>
             <a:endParaRPr lang="en-GB"/>
           </a:p>
@@ -2012,7 +2012,7 @@
           <a:p>
             <a:fld id="{A64C863B-FA9B-4512-A178-D5CD000B838D}" type="datetimeFigureOut">
               <a:rPr lang="en-GB" smtClean="0"/>
-              <a:t>19/02/2018</a:t>
+              <a:t>21/02/2018</a:t>
             </a:fld>
             <a:endParaRPr lang="en-GB"/>
           </a:p>
@@ -2130,7 +2130,7 @@
           <a:p>
             <a:fld id="{A64C863B-FA9B-4512-A178-D5CD000B838D}" type="datetimeFigureOut">
               <a:rPr lang="en-GB" smtClean="0"/>
-              <a:t>19/02/2018</a:t>
+              <a:t>21/02/2018</a:t>
             </a:fld>
             <a:endParaRPr lang="en-GB"/>
           </a:p>
@@ -2225,7 +2225,7 @@
           <a:p>
             <a:fld id="{A64C863B-FA9B-4512-A178-D5CD000B838D}" type="datetimeFigureOut">
               <a:rPr lang="en-GB" smtClean="0"/>
-              <a:t>19/02/2018</a:t>
+              <a:t>21/02/2018</a:t>
             </a:fld>
             <a:endParaRPr lang="en-GB"/>
           </a:p>
@@ -2502,7 +2502,7 @@
           <a:p>
             <a:fld id="{A64C863B-FA9B-4512-A178-D5CD000B838D}" type="datetimeFigureOut">
               <a:rPr lang="en-GB" smtClean="0"/>
-              <a:t>19/02/2018</a:t>
+              <a:t>21/02/2018</a:t>
             </a:fld>
             <a:endParaRPr lang="en-GB"/>
           </a:p>
@@ -2755,7 +2755,7 @@
           <a:p>
             <a:fld id="{A64C863B-FA9B-4512-A178-D5CD000B838D}" type="datetimeFigureOut">
               <a:rPr lang="en-GB" smtClean="0"/>
-              <a:t>19/02/2018</a:t>
+              <a:t>21/02/2018</a:t>
             </a:fld>
             <a:endParaRPr lang="en-GB"/>
           </a:p>
@@ -2977,7 +2977,7 @@
           <a:p>
             <a:fld id="{A64C863B-FA9B-4512-A178-D5CD000B838D}" type="datetimeFigureOut">
               <a:rPr lang="en-GB" smtClean="0"/>
-              <a:t>19/02/2018</a:t>
+              <a:t>21/02/2018</a:t>
             </a:fld>
             <a:endParaRPr lang="en-GB"/>
           </a:p>

--- a/Intro to Partitioning.pptx
+++ b/Intro to Partitioning.pptx
@@ -248,7 +248,7 @@
           <a:p>
             <a:fld id="{5DD5D27D-F6C1-457C-97EB-5B89E5036C9E}" type="datetimeFigureOut">
               <a:rPr lang="en-IE" smtClean="0"/>
-              <a:t>21/02/2018</a:t>
+              <a:t>23/02/2018</a:t>
             </a:fld>
             <a:endParaRPr lang="en-IE"/>
           </a:p>
@@ -647,7 +647,7 @@
           <a:p>
             <a:fld id="{A64C863B-FA9B-4512-A178-D5CD000B838D}" type="datetimeFigureOut">
               <a:rPr lang="en-GB" smtClean="0"/>
-              <a:t>21/02/2018</a:t>
+              <a:t>23/02/2018</a:t>
             </a:fld>
             <a:endParaRPr lang="en-GB"/>
           </a:p>
@@ -817,7 +817,7 @@
           <a:p>
             <a:fld id="{A64C863B-FA9B-4512-A178-D5CD000B838D}" type="datetimeFigureOut">
               <a:rPr lang="en-GB" smtClean="0"/>
-              <a:t>21/02/2018</a:t>
+              <a:t>23/02/2018</a:t>
             </a:fld>
             <a:endParaRPr lang="en-GB"/>
           </a:p>
@@ -997,7 +997,7 @@
           <a:p>
             <a:fld id="{A64C863B-FA9B-4512-A178-D5CD000B838D}" type="datetimeFigureOut">
               <a:rPr lang="en-GB" smtClean="0"/>
-              <a:t>21/02/2018</a:t>
+              <a:t>23/02/2018</a:t>
             </a:fld>
             <a:endParaRPr lang="en-GB"/>
           </a:p>
@@ -1167,7 +1167,7 @@
           <a:p>
             <a:fld id="{A64C863B-FA9B-4512-A178-D5CD000B838D}" type="datetimeFigureOut">
               <a:rPr lang="en-GB" smtClean="0"/>
-              <a:t>21/02/2018</a:t>
+              <a:t>23/02/2018</a:t>
             </a:fld>
             <a:endParaRPr lang="en-GB"/>
           </a:p>
@@ -1413,7 +1413,7 @@
           <a:p>
             <a:fld id="{A64C863B-FA9B-4512-A178-D5CD000B838D}" type="datetimeFigureOut">
               <a:rPr lang="en-GB" smtClean="0"/>
-              <a:t>21/02/2018</a:t>
+              <a:t>23/02/2018</a:t>
             </a:fld>
             <a:endParaRPr lang="en-GB"/>
           </a:p>
@@ -1645,7 +1645,7 @@
           <a:p>
             <a:fld id="{A64C863B-FA9B-4512-A178-D5CD000B838D}" type="datetimeFigureOut">
               <a:rPr lang="en-GB" smtClean="0"/>
-              <a:t>21/02/2018</a:t>
+              <a:t>23/02/2018</a:t>
             </a:fld>
             <a:endParaRPr lang="en-GB"/>
           </a:p>
@@ -2012,7 +2012,7 @@
           <a:p>
             <a:fld id="{A64C863B-FA9B-4512-A178-D5CD000B838D}" type="datetimeFigureOut">
               <a:rPr lang="en-GB" smtClean="0"/>
-              <a:t>21/02/2018</a:t>
+              <a:t>23/02/2018</a:t>
             </a:fld>
             <a:endParaRPr lang="en-GB"/>
           </a:p>
@@ -2130,7 +2130,7 @@
           <a:p>
             <a:fld id="{A64C863B-FA9B-4512-A178-D5CD000B838D}" type="datetimeFigureOut">
               <a:rPr lang="en-GB" smtClean="0"/>
-              <a:t>21/02/2018</a:t>
+              <a:t>23/02/2018</a:t>
             </a:fld>
             <a:endParaRPr lang="en-GB"/>
           </a:p>
@@ -2225,7 +2225,7 @@
           <a:p>
             <a:fld id="{A64C863B-FA9B-4512-A178-D5CD000B838D}" type="datetimeFigureOut">
               <a:rPr lang="en-GB" smtClean="0"/>
-              <a:t>21/02/2018</a:t>
+              <a:t>23/02/2018</a:t>
             </a:fld>
             <a:endParaRPr lang="en-GB"/>
           </a:p>
@@ -2502,7 +2502,7 @@
           <a:p>
             <a:fld id="{A64C863B-FA9B-4512-A178-D5CD000B838D}" type="datetimeFigureOut">
               <a:rPr lang="en-GB" smtClean="0"/>
-              <a:t>21/02/2018</a:t>
+              <a:t>23/02/2018</a:t>
             </a:fld>
             <a:endParaRPr lang="en-GB"/>
           </a:p>
@@ -2755,7 +2755,7 @@
           <a:p>
             <a:fld id="{A64C863B-FA9B-4512-A178-D5CD000B838D}" type="datetimeFigureOut">
               <a:rPr lang="en-GB" smtClean="0"/>
-              <a:t>21/02/2018</a:t>
+              <a:t>23/02/2018</a:t>
             </a:fld>
             <a:endParaRPr lang="en-GB"/>
           </a:p>
@@ -2977,7 +2977,7 @@
           <a:p>
             <a:fld id="{A64C863B-FA9B-4512-A178-D5CD000B838D}" type="datetimeFigureOut">
               <a:rPr lang="en-GB" smtClean="0"/>
-              <a:t>21/02/2018</a:t>
+              <a:t>23/02/2018</a:t>
             </a:fld>
             <a:endParaRPr lang="en-GB"/>
           </a:p>
@@ -6005,16 +6005,22 @@
             </a:r>
             <a:r>
               <a:rPr lang="en-GB" sz="2000" dirty="0" err="1"/>
-              <a:t>DBAFromTheCold</a:t>
+              <a:t>dbafromthecold</a:t>
             </a:r>
             <a:endParaRPr lang="en-GB" sz="2000" dirty="0"/>
+          </a:p>
+          <a:p>
+            <a:r>
+              <a:rPr lang="en-GB" sz="2000" dirty="0"/>
+              <a:t>dbafromthecold@gmail.com </a:t>
+            </a:r>
           </a:p>
           <a:p>
             <a:r>
               <a:rPr lang="en-GB" sz="2000" dirty="0">
                 <a:hlinkClick r:id="rId2"/>
               </a:rPr>
-              <a:t>dbafromthecold@gmail.com</a:t>
+              <a:t>www.dbafromthecold.com</a:t>
             </a:r>
             <a:r>
               <a:rPr lang="en-GB" sz="2000" dirty="0"/>
@@ -6022,36 +6028,12 @@
             </a:r>
           </a:p>
           <a:p>
-            <a:r>
-              <a:rPr lang="en-GB" sz="2000" dirty="0">
-                <a:hlinkClick r:id="rId3"/>
-              </a:rPr>
-              <a:t>www.dbafromthecold.com</a:t>
-            </a:r>
+            <a:endParaRPr lang="en-GB" sz="2000" dirty="0"/>
+          </a:p>
+          <a:p>
             <a:r>
               <a:rPr lang="en-GB" sz="2000" dirty="0"/>
-              <a:t> </a:t>
-            </a:r>
-          </a:p>
-          <a:p>
-            <a:endParaRPr lang="en-GB" sz="2000" dirty="0"/>
-          </a:p>
-          <a:p>
-            <a:r>
-              <a:rPr lang="en-GB" sz="2000" dirty="0"/>
-              <a:t>SQL Server DBA for 6 years</a:t>
-            </a:r>
-          </a:p>
-          <a:p>
-            <a:r>
-              <a:rPr lang="en-GB" sz="2000" dirty="0"/>
-              <a:t>Data Platform MVP</a:t>
-            </a:r>
-          </a:p>
-          <a:p>
-            <a:r>
-              <a:rPr lang="en-GB" sz="2000" dirty="0"/>
-              <a:t>Working with RDBMS for ~10 years</a:t>
+              <a:t>SQL Server DBA &amp; Data Platform MVP</a:t>
             </a:r>
           </a:p>
           <a:p>
@@ -6082,7 +6064,7 @@
           </p:nvPr>
         </p:nvPicPr>
         <p:blipFill>
-          <a:blip r:embed="rId4">
+          <a:blip r:embed="rId3">
             <a:extLst>
               <a:ext uri="{28A0092B-C50C-407E-A947-70E740481C1C}">
                 <a14:useLocalDpi xmlns:a14="http://schemas.microsoft.com/office/drawing/2010/main" val="0"/>

--- a/Intro to Partitioning.pptx
+++ b/Intro to Partitioning.pptx
@@ -5,7 +5,7 @@
     <p:sldMasterId id="2147483648" r:id="rId1"/>
   </p:sldMasterIdLst>
   <p:notesMasterIdLst>
-    <p:notesMasterId r:id="rId43"/>
+    <p:notesMasterId r:id="rId41"/>
   </p:notesMasterIdLst>
   <p:sldIdLst>
     <p:sldId id="256" r:id="rId2"/>
@@ -47,8 +47,6 @@
     <p:sldId id="290" r:id="rId38"/>
     <p:sldId id="284" r:id="rId39"/>
     <p:sldId id="283" r:id="rId40"/>
-    <p:sldId id="311" r:id="rId41"/>
-    <p:sldId id="312" r:id="rId42"/>
   </p:sldIdLst>
   <p:sldSz cx="12192000" cy="6858000"/>
   <p:notesSz cx="6858000" cy="9144000"/>
@@ -248,7 +246,7 @@
           <a:p>
             <a:fld id="{5DD5D27D-F6C1-457C-97EB-5B89E5036C9E}" type="datetimeFigureOut">
               <a:rPr lang="en-IE" smtClean="0"/>
-              <a:t>23/02/2018</a:t>
+              <a:t>17/03/2018</a:t>
             </a:fld>
             <a:endParaRPr lang="en-IE"/>
           </a:p>
@@ -647,7 +645,7 @@
           <a:p>
             <a:fld id="{A64C863B-FA9B-4512-A178-D5CD000B838D}" type="datetimeFigureOut">
               <a:rPr lang="en-GB" smtClean="0"/>
-              <a:t>23/02/2018</a:t>
+              <a:t>17/03/2018</a:t>
             </a:fld>
             <a:endParaRPr lang="en-GB"/>
           </a:p>
@@ -817,7 +815,7 @@
           <a:p>
             <a:fld id="{A64C863B-FA9B-4512-A178-D5CD000B838D}" type="datetimeFigureOut">
               <a:rPr lang="en-GB" smtClean="0"/>
-              <a:t>23/02/2018</a:t>
+              <a:t>17/03/2018</a:t>
             </a:fld>
             <a:endParaRPr lang="en-GB"/>
           </a:p>
@@ -997,7 +995,7 @@
           <a:p>
             <a:fld id="{A64C863B-FA9B-4512-A178-D5CD000B838D}" type="datetimeFigureOut">
               <a:rPr lang="en-GB" smtClean="0"/>
-              <a:t>23/02/2018</a:t>
+              <a:t>17/03/2018</a:t>
             </a:fld>
             <a:endParaRPr lang="en-GB"/>
           </a:p>
@@ -1167,7 +1165,7 @@
           <a:p>
             <a:fld id="{A64C863B-FA9B-4512-A178-D5CD000B838D}" type="datetimeFigureOut">
               <a:rPr lang="en-GB" smtClean="0"/>
-              <a:t>23/02/2018</a:t>
+              <a:t>17/03/2018</a:t>
             </a:fld>
             <a:endParaRPr lang="en-GB"/>
           </a:p>
@@ -1413,7 +1411,7 @@
           <a:p>
             <a:fld id="{A64C863B-FA9B-4512-A178-D5CD000B838D}" type="datetimeFigureOut">
               <a:rPr lang="en-GB" smtClean="0"/>
-              <a:t>23/02/2018</a:t>
+              <a:t>17/03/2018</a:t>
             </a:fld>
             <a:endParaRPr lang="en-GB"/>
           </a:p>
@@ -1645,7 +1643,7 @@
           <a:p>
             <a:fld id="{A64C863B-FA9B-4512-A178-D5CD000B838D}" type="datetimeFigureOut">
               <a:rPr lang="en-GB" smtClean="0"/>
-              <a:t>23/02/2018</a:t>
+              <a:t>17/03/2018</a:t>
             </a:fld>
             <a:endParaRPr lang="en-GB"/>
           </a:p>
@@ -2012,7 +2010,7 @@
           <a:p>
             <a:fld id="{A64C863B-FA9B-4512-A178-D5CD000B838D}" type="datetimeFigureOut">
               <a:rPr lang="en-GB" smtClean="0"/>
-              <a:t>23/02/2018</a:t>
+              <a:t>17/03/2018</a:t>
             </a:fld>
             <a:endParaRPr lang="en-GB"/>
           </a:p>
@@ -2130,7 +2128,7 @@
           <a:p>
             <a:fld id="{A64C863B-FA9B-4512-A178-D5CD000B838D}" type="datetimeFigureOut">
               <a:rPr lang="en-GB" smtClean="0"/>
-              <a:t>23/02/2018</a:t>
+              <a:t>17/03/2018</a:t>
             </a:fld>
             <a:endParaRPr lang="en-GB"/>
           </a:p>
@@ -2225,7 +2223,7 @@
           <a:p>
             <a:fld id="{A64C863B-FA9B-4512-A178-D5CD000B838D}" type="datetimeFigureOut">
               <a:rPr lang="en-GB" smtClean="0"/>
-              <a:t>23/02/2018</a:t>
+              <a:t>17/03/2018</a:t>
             </a:fld>
             <a:endParaRPr lang="en-GB"/>
           </a:p>
@@ -2502,7 +2500,7 @@
           <a:p>
             <a:fld id="{A64C863B-FA9B-4512-A178-D5CD000B838D}" type="datetimeFigureOut">
               <a:rPr lang="en-GB" smtClean="0"/>
-              <a:t>23/02/2018</a:t>
+              <a:t>17/03/2018</a:t>
             </a:fld>
             <a:endParaRPr lang="en-GB"/>
           </a:p>
@@ -2755,7 +2753,7 @@
           <a:p>
             <a:fld id="{A64C863B-FA9B-4512-A178-D5CD000B838D}" type="datetimeFigureOut">
               <a:rPr lang="en-GB" smtClean="0"/>
-              <a:t>23/02/2018</a:t>
+              <a:t>17/03/2018</a:t>
             </a:fld>
             <a:endParaRPr lang="en-GB"/>
           </a:p>
@@ -2977,7 +2975,7 @@
           <a:p>
             <a:fld id="{A64C863B-FA9B-4512-A178-D5CD000B838D}" type="datetimeFigureOut">
               <a:rPr lang="en-GB" smtClean="0"/>
-              <a:t>23/02/2018</a:t>
+              <a:t>17/03/2018</a:t>
             </a:fld>
             <a:endParaRPr lang="en-GB"/>
           </a:p>
@@ -9187,308 +9185,6 @@
     <p:extLst>
       <p:ext uri="{BB962C8B-B14F-4D97-AF65-F5344CB8AC3E}">
         <p14:creationId xmlns:p14="http://schemas.microsoft.com/office/powerpoint/2010/main" val="2024187958"/>
-      </p:ext>
-    </p:extLst>
-  </p:cSld>
-  <p:clrMapOvr>
-    <a:masterClrMapping/>
-  </p:clrMapOvr>
-</p:sld>
-</file>
-
-<file path=ppt/slides/slide40.xml><?xml version="1.0" encoding="utf-8"?>
-<p:sld xmlns:a="http://schemas.openxmlformats.org/drawingml/2006/main" xmlns:r="http://schemas.openxmlformats.org/officeDocument/2006/relationships" xmlns:p="http://schemas.openxmlformats.org/presentationml/2006/main">
-  <p:cSld>
-    <p:spTree>
-      <p:nvGrpSpPr>
-        <p:cNvPr id="1" name=""/>
-        <p:cNvGrpSpPr/>
-        <p:nvPr/>
-      </p:nvGrpSpPr>
-      <p:grpSpPr>
-        <a:xfrm>
-          <a:off x="0" y="0"/>
-          <a:ext cx="0" cy="0"/>
-          <a:chOff x="0" y="0"/>
-          <a:chExt cx="0" cy="0"/>
-        </a:xfrm>
-      </p:grpSpPr>
-      <p:sp>
-        <p:nvSpPr>
-          <p:cNvPr id="2" name="Title 1">
-            <a:extLst>
-              <a:ext uri="{FF2B5EF4-FFF2-40B4-BE49-F238E27FC236}">
-                <a16:creationId xmlns:a16="http://schemas.microsoft.com/office/drawing/2014/main" id="{7EB6FFC7-910E-4D91-BAFD-1FBEECCB965E}"/>
-              </a:ext>
-            </a:extLst>
-          </p:cNvPr>
-          <p:cNvSpPr>
-            <a:spLocks noGrp="1"/>
-          </p:cNvSpPr>
-          <p:nvPr>
-            <p:ph type="title"/>
-          </p:nvPr>
-        </p:nvSpPr>
-        <p:spPr/>
-        <p:txBody>
-          <a:bodyPr/>
-          <a:lstStyle/>
-          <a:p>
-            <a:r>
-              <a:rPr lang="en-US" dirty="0">
-                <a:solidFill>
-                  <a:schemeClr val="accent1">
-                    <a:lumMod val="75000"/>
-                  </a:schemeClr>
-                </a:solidFill>
-                <a:cs typeface="Calibri Light"/>
-              </a:rPr>
-              <a:t>Just like Jimi Hendrix …</a:t>
-            </a:r>
-            <a:endParaRPr lang="en-IE" dirty="0">
-              <a:solidFill>
-                <a:schemeClr val="accent1">
-                  <a:lumMod val="75000"/>
-                </a:schemeClr>
-              </a:solidFill>
-            </a:endParaRPr>
-          </a:p>
-        </p:txBody>
-      </p:sp>
-      <p:sp>
-        <p:nvSpPr>
-          <p:cNvPr id="3" name="Content Placeholder 2">
-            <a:extLst>
-              <a:ext uri="{FF2B5EF4-FFF2-40B4-BE49-F238E27FC236}">
-                <a16:creationId xmlns:a16="http://schemas.microsoft.com/office/drawing/2014/main" id="{6189E34A-A8D0-4F7A-9BA7-500146BAEDFB}"/>
-              </a:ext>
-            </a:extLst>
-          </p:cNvPr>
-          <p:cNvSpPr>
-            <a:spLocks noGrp="1"/>
-          </p:cNvSpPr>
-          <p:nvPr>
-            <p:ph idx="1"/>
-          </p:nvPr>
-        </p:nvSpPr>
-        <p:spPr>
-          <a:xfrm>
-            <a:off x="838200" y="2307405"/>
-            <a:ext cx="10515600" cy="3051175"/>
-          </a:xfrm>
-        </p:spPr>
-        <p:txBody>
-          <a:bodyPr/>
-          <a:lstStyle/>
-          <a:p>
-            <a:pPr marL="0" indent="0" algn="ctr">
-              <a:buNone/>
-            </a:pPr>
-            <a:r>
-              <a:rPr lang="en-US" sz="3200" dirty="0">
-                <a:solidFill>
-                  <a:srgbClr val="222222"/>
-                </a:solidFill>
-                <a:ea typeface="Calibri"/>
-                <a:cs typeface="Calibri"/>
-              </a:rPr>
-              <a:t>We love to get feedback</a:t>
-            </a:r>
-            <a:endParaRPr lang="en-US" sz="3200" dirty="0">
-              <a:cs typeface="Calibri"/>
-            </a:endParaRPr>
-          </a:p>
-          <a:p>
-            <a:pPr marL="0" indent="0" algn="ctr">
-              <a:buNone/>
-            </a:pPr>
-            <a:endParaRPr lang="en-US" sz="3200" dirty="0">
-              <a:solidFill>
-                <a:srgbClr val="222222"/>
-              </a:solidFill>
-              <a:ea typeface="Calibri"/>
-              <a:cs typeface="Calibri"/>
-            </a:endParaRPr>
-          </a:p>
-          <a:p>
-            <a:pPr marL="0" indent="0" algn="ctr">
-              <a:buNone/>
-            </a:pPr>
-            <a:r>
-              <a:rPr lang="en-US" sz="3200" dirty="0">
-                <a:solidFill>
-                  <a:srgbClr val="222222"/>
-                </a:solidFill>
-                <a:ea typeface="Calibri"/>
-                <a:cs typeface="Calibri"/>
-              </a:rPr>
-              <a:t>Please complete the </a:t>
-            </a:r>
-            <a:r>
-              <a:rPr lang="en-US" sz="3200" dirty="0">
-                <a:solidFill>
-                  <a:srgbClr val="222222"/>
-                </a:solidFill>
-                <a:cs typeface="Calibri"/>
-              </a:rPr>
-              <a:t>session feedback forms</a:t>
-            </a:r>
-          </a:p>
-          <a:p>
-            <a:endParaRPr lang="en-IE" dirty="0"/>
-          </a:p>
-        </p:txBody>
-      </p:sp>
-    </p:spTree>
-    <p:extLst>
-      <p:ext uri="{BB962C8B-B14F-4D97-AF65-F5344CB8AC3E}">
-        <p14:creationId xmlns:p14="http://schemas.microsoft.com/office/powerpoint/2010/main" val="3949347269"/>
-      </p:ext>
-    </p:extLst>
-  </p:cSld>
-  <p:clrMapOvr>
-    <a:masterClrMapping/>
-  </p:clrMapOvr>
-</p:sld>
-</file>
-
-<file path=ppt/slides/slide41.xml><?xml version="1.0" encoding="utf-8"?>
-<p:sld xmlns:a="http://schemas.openxmlformats.org/drawingml/2006/main" xmlns:r="http://schemas.openxmlformats.org/officeDocument/2006/relationships" xmlns:p="http://schemas.openxmlformats.org/presentationml/2006/main">
-  <p:cSld>
-    <p:spTree>
-      <p:nvGrpSpPr>
-        <p:cNvPr id="1" name=""/>
-        <p:cNvGrpSpPr/>
-        <p:nvPr/>
-      </p:nvGrpSpPr>
-      <p:grpSpPr>
-        <a:xfrm>
-          <a:off x="0" y="0"/>
-          <a:ext cx="0" cy="0"/>
-          <a:chOff x="0" y="0"/>
-          <a:chExt cx="0" cy="0"/>
-        </a:xfrm>
-      </p:grpSpPr>
-      <p:sp>
-        <p:nvSpPr>
-          <p:cNvPr id="2" name="Title 1">
-            <a:extLst>
-              <a:ext uri="{FF2B5EF4-FFF2-40B4-BE49-F238E27FC236}">
-                <a16:creationId xmlns:a16="http://schemas.microsoft.com/office/drawing/2014/main" id="{D102548F-E4EC-4646-98B0-0B6115D99F93}"/>
-              </a:ext>
-            </a:extLst>
-          </p:cNvPr>
-          <p:cNvSpPr>
-            <a:spLocks noGrp="1"/>
-          </p:cNvSpPr>
-          <p:nvPr>
-            <p:ph type="title"/>
-          </p:nvPr>
-        </p:nvSpPr>
-        <p:spPr/>
-        <p:txBody>
-          <a:bodyPr/>
-          <a:lstStyle/>
-          <a:p>
-            <a:r>
-              <a:rPr lang="en-US" dirty="0" err="1">
-                <a:solidFill>
-                  <a:schemeClr val="accent1">
-                    <a:lumMod val="75000"/>
-                  </a:schemeClr>
-                </a:solidFill>
-                <a:cs typeface="Calibri Light"/>
-              </a:rPr>
-              <a:t>SQLBits</a:t>
-            </a:r>
-            <a:r>
-              <a:rPr lang="en-US" dirty="0">
-                <a:solidFill>
-                  <a:schemeClr val="accent1">
-                    <a:lumMod val="75000"/>
-                  </a:schemeClr>
-                </a:solidFill>
-                <a:cs typeface="Calibri Light"/>
-              </a:rPr>
-              <a:t> - It's all about the community...</a:t>
-            </a:r>
-            <a:endParaRPr lang="en-IE" dirty="0">
-              <a:solidFill>
-                <a:schemeClr val="accent1">
-                  <a:lumMod val="75000"/>
-                </a:schemeClr>
-              </a:solidFill>
-            </a:endParaRPr>
-          </a:p>
-        </p:txBody>
-      </p:sp>
-      <p:sp>
-        <p:nvSpPr>
-          <p:cNvPr id="3" name="Content Placeholder 2">
-            <a:extLst>
-              <a:ext uri="{FF2B5EF4-FFF2-40B4-BE49-F238E27FC236}">
-                <a16:creationId xmlns:a16="http://schemas.microsoft.com/office/drawing/2014/main" id="{E5FEE138-B02B-4422-A57C-EE0ABDC16BDA}"/>
-              </a:ext>
-            </a:extLst>
-          </p:cNvPr>
-          <p:cNvSpPr>
-            <a:spLocks noGrp="1"/>
-          </p:cNvSpPr>
-          <p:nvPr>
-            <p:ph idx="1"/>
-          </p:nvPr>
-        </p:nvSpPr>
-        <p:spPr>
-          <a:xfrm>
-            <a:off x="838200" y="2445174"/>
-            <a:ext cx="10515600" cy="2749682"/>
-          </a:xfrm>
-        </p:spPr>
-        <p:txBody>
-          <a:bodyPr/>
-          <a:lstStyle/>
-          <a:p>
-            <a:pPr marL="0" indent="0">
-              <a:buNone/>
-            </a:pPr>
-            <a:r>
-              <a:rPr lang="en-US" sz="3200" dirty="0">
-                <a:cs typeface="Calibri"/>
-              </a:rPr>
-              <a:t>Please visit Community Corner</a:t>
-            </a:r>
-          </a:p>
-          <a:p>
-            <a:pPr marL="0" indent="0">
-              <a:buNone/>
-            </a:pPr>
-            <a:r>
-              <a:rPr lang="en-US" sz="3200" dirty="0">
-                <a:cs typeface="Calibri"/>
-              </a:rPr>
-              <a:t>We are trying this year to get more people to learn about the SQL Community</a:t>
-            </a:r>
-          </a:p>
-          <a:p>
-            <a:pPr marL="0" indent="0">
-              <a:buNone/>
-            </a:pPr>
-            <a:r>
-              <a:rPr lang="en-US" sz="3200" dirty="0">
-                <a:cs typeface="Calibri"/>
-              </a:rPr>
-              <a:t>If you would be happy to visit the community corner we’d really appreciate it</a:t>
-            </a:r>
-          </a:p>
-          <a:p>
-            <a:endParaRPr lang="en-IE" dirty="0"/>
-          </a:p>
-        </p:txBody>
-      </p:sp>
-    </p:spTree>
-    <p:extLst>
-      <p:ext uri="{BB962C8B-B14F-4D97-AF65-F5344CB8AC3E}">
-        <p14:creationId xmlns:p14="http://schemas.microsoft.com/office/powerpoint/2010/main" val="1786077821"/>
       </p:ext>
     </p:extLst>
   </p:cSld>
